--- a/HaiNaBian_PM知识分享/PPT/PPT_V4/PPT_V41.pptx
+++ b/HaiNaBian_PM知识分享/PPT/PPT_V4/PPT_V41.pptx
@@ -5,7 +5,7 @@
     <p:sldMasterId id="2147483715" r:id="rId1"/>
   </p:sldMasterIdLst>
   <p:notesMasterIdLst>
-    <p:notesMasterId r:id="rId15"/>
+    <p:notesMasterId r:id="rId16"/>
   </p:notesMasterIdLst>
   <p:sldIdLst>
     <p:sldId id="261" r:id="rId2"/>
@@ -13,14 +13,15 @@
     <p:sldId id="259" r:id="rId4"/>
     <p:sldId id="262" r:id="rId5"/>
     <p:sldId id="263" r:id="rId6"/>
-    <p:sldId id="264" r:id="rId7"/>
-    <p:sldId id="265" r:id="rId8"/>
-    <p:sldId id="272" r:id="rId9"/>
-    <p:sldId id="266" r:id="rId10"/>
-    <p:sldId id="267" r:id="rId11"/>
-    <p:sldId id="271" r:id="rId12"/>
-    <p:sldId id="270" r:id="rId13"/>
-    <p:sldId id="269" r:id="rId14"/>
+    <p:sldId id="273" r:id="rId7"/>
+    <p:sldId id="264" r:id="rId8"/>
+    <p:sldId id="265" r:id="rId9"/>
+    <p:sldId id="272" r:id="rId10"/>
+    <p:sldId id="266" r:id="rId11"/>
+    <p:sldId id="267" r:id="rId12"/>
+    <p:sldId id="271" r:id="rId13"/>
+    <p:sldId id="270" r:id="rId14"/>
+    <p:sldId id="269" r:id="rId15"/>
   </p:sldIdLst>
   <p:sldSz cx="9144000" cy="6858000" type="screen4x3"/>
   <p:notesSz cx="6858000" cy="9144000"/>
@@ -705,6 +706,111 @@
           <a:bodyPr/>
           <a:lstStyle/>
           <a:p>
+            <a:r>
+              <a:rPr lang="zh-CN" altLang="zh-CN" dirty="0" smtClean="0"/>
+              <a:t>在特定的时间、预算、资源限定的范围内，</a:t>
+            </a:r>
+            <a:endParaRPr lang="zh-CN" altLang="en-US" dirty="0" smtClean="0"/>
+          </a:p>
+          <a:p>
+            <a:r>
+              <a:rPr lang="zh-CN" altLang="zh-CN" dirty="0" smtClean="0"/>
+              <a:t>通过相互关联的一系列活动，实现一个明确的目标或目的；</a:t>
+            </a:r>
+            <a:endParaRPr lang="zh-CN" altLang="en-US" dirty="0" smtClean="0"/>
+          </a:p>
+          <a:p>
+            <a:r>
+              <a:rPr lang="zh-CN" altLang="zh-CN" dirty="0" smtClean="0"/>
+              <a:t>将这样一整个过程称之为项目。 </a:t>
+            </a:r>
+            <a:endParaRPr lang="zh-CN" altLang="en-US" dirty="0" smtClean="0"/>
+          </a:p>
+          <a:p>
+            <a:endParaRPr kumimoji="1" lang="zh-CN" altLang="en-US" dirty="0"/>
+          </a:p>
+        </p:txBody>
+      </p:sp>
+      <p:sp>
+        <p:nvSpPr>
+          <p:cNvPr id="4" name="幻灯片编号占位符 3"/>
+          <p:cNvSpPr>
+            <a:spLocks noGrp="1"/>
+          </p:cNvSpPr>
+          <p:nvPr>
+            <p:ph type="sldNum" sz="quarter" idx="10"/>
+          </p:nvPr>
+        </p:nvSpPr>
+        <p:spPr/>
+        <p:txBody>
+          <a:bodyPr/>
+          <a:lstStyle/>
+          <a:p>
+            <a:fld id="{09A01B7E-EB24-5946-B210-321161CD992F}" type="slidenum">
+              <a:rPr kumimoji="1" lang="zh-CN" altLang="en-US" smtClean="0"/>
+              <a:t>6</a:t>
+            </a:fld>
+            <a:endParaRPr kumimoji="1" lang="zh-CN" altLang="en-US"/>
+          </a:p>
+        </p:txBody>
+      </p:sp>
+    </p:spTree>
+    <p:extLst>
+      <p:ext uri="{BB962C8B-B14F-4D97-AF65-F5344CB8AC3E}">
+        <p14:creationId xmlns:p14="http://schemas.microsoft.com/office/powerpoint/2010/main" val="449707714"/>
+      </p:ext>
+    </p:extLst>
+  </p:cSld>
+  <p:clrMapOvr>
+    <a:masterClrMapping/>
+  </p:clrMapOvr>
+</p:notes>
+</file>
+
+<file path=ppt/notesSlides/notesSlide4.xml><?xml version="1.0" encoding="utf-8"?>
+<p:notes xmlns:a="http://schemas.openxmlformats.org/drawingml/2006/main" xmlns:r="http://schemas.openxmlformats.org/officeDocument/2006/relationships" xmlns:p="http://schemas.openxmlformats.org/presentationml/2006/main">
+  <p:cSld>
+    <p:spTree>
+      <p:nvGrpSpPr>
+        <p:cNvPr id="1" name=""/>
+        <p:cNvGrpSpPr/>
+        <p:nvPr/>
+      </p:nvGrpSpPr>
+      <p:grpSpPr>
+        <a:xfrm>
+          <a:off x="0" y="0"/>
+          <a:ext cx="0" cy="0"/>
+          <a:chOff x="0" y="0"/>
+          <a:chExt cx="0" cy="0"/>
+        </a:xfrm>
+      </p:grpSpPr>
+      <p:sp>
+        <p:nvSpPr>
+          <p:cNvPr id="2" name="幻灯片图像占位符 1"/>
+          <p:cNvSpPr>
+            <a:spLocks noGrp="1" noRot="1" noChangeAspect="1"/>
+          </p:cNvSpPr>
+          <p:nvPr>
+            <p:ph type="sldImg"/>
+          </p:nvPr>
+        </p:nvSpPr>
+        <p:spPr/>
+      </p:sp>
+      <p:sp>
+        <p:nvSpPr>
+          <p:cNvPr id="3" name="备注占位符 2"/>
+          <p:cNvSpPr>
+            <a:spLocks noGrp="1"/>
+          </p:cNvSpPr>
+          <p:nvPr>
+            <p:ph type="body" idx="1"/>
+          </p:nvPr>
+        </p:nvSpPr>
+        <p:spPr/>
+        <p:txBody>
+          <a:bodyPr/>
+          <a:lstStyle/>
+          <a:p>
             <a:pPr marL="0" marR="0" indent="0" algn="l" defTabSz="457200" rtl="0" eaLnBrk="1" fontAlgn="auto" latinLnBrk="0" hangingPunct="1">
               <a:lnSpc>
                 <a:spcPct val="100000"/>
@@ -753,7 +859,7 @@
           <a:p>
             <a:fld id="{09A01B7E-EB24-5946-B210-321161CD992F}" type="slidenum">
               <a:rPr kumimoji="1" lang="zh-CN" altLang="en-US" smtClean="0"/>
-              <a:t>8</a:t>
+              <a:t>9</a:t>
             </a:fld>
             <a:endParaRPr kumimoji="1" lang="zh-CN" altLang="en-US"/>
           </a:p>
@@ -772,7 +878,7 @@
 </p:notes>
 </file>
 
-<file path=ppt/notesSlides/notesSlide4.xml><?xml version="1.0" encoding="utf-8"?>
+<file path=ppt/notesSlides/notesSlide5.xml><?xml version="1.0" encoding="utf-8"?>
 <p:notes xmlns:a="http://schemas.openxmlformats.org/drawingml/2006/main" xmlns:r="http://schemas.openxmlformats.org/officeDocument/2006/relationships" xmlns:p="http://schemas.openxmlformats.org/presentationml/2006/main">
   <p:cSld>
     <p:spTree>
@@ -1050,7 +1156,7 @@
           <a:p>
             <a:fld id="{09A01B7E-EB24-5946-B210-321161CD992F}" type="slidenum">
               <a:rPr kumimoji="1" lang="zh-CN" altLang="en-US" smtClean="0"/>
-              <a:t>11</a:t>
+              <a:t>12</a:t>
             </a:fld>
             <a:endParaRPr kumimoji="1" lang="zh-CN" altLang="en-US"/>
           </a:p>
@@ -17103,6 +17209,66 @@
           <a:chExt cx="0" cy="0"/>
         </a:xfrm>
       </p:grpSpPr>
+      <p:pic>
+        <p:nvPicPr>
+          <p:cNvPr id="4" name="图片 3" descr="HNB_SWOT.png"/>
+          <p:cNvPicPr>
+            <a:picLocks noChangeAspect="1"/>
+          </p:cNvPicPr>
+          <p:nvPr/>
+        </p:nvPicPr>
+        <p:blipFill>
+          <a:blip r:embed="rId2">
+            <a:extLst>
+              <a:ext uri="{28A0092B-C50C-407E-A947-70E740481C1C}">
+                <a14:useLocalDpi xmlns:a14="http://schemas.microsoft.com/office/drawing/2010/main" val="0"/>
+              </a:ext>
+            </a:extLst>
+          </a:blip>
+          <a:stretch>
+            <a:fillRect/>
+          </a:stretch>
+        </p:blipFill>
+        <p:spPr>
+          <a:xfrm>
+            <a:off x="304292" y="1169162"/>
+            <a:ext cx="8535416" cy="4519676"/>
+          </a:xfrm>
+          <a:prstGeom prst="rect">
+            <a:avLst/>
+          </a:prstGeom>
+        </p:spPr>
+      </p:pic>
+    </p:spTree>
+    <p:extLst>
+      <p:ext uri="{BB962C8B-B14F-4D97-AF65-F5344CB8AC3E}">
+        <p14:creationId xmlns:p14="http://schemas.microsoft.com/office/powerpoint/2010/main" val="3354585977"/>
+      </p:ext>
+    </p:extLst>
+  </p:cSld>
+  <p:clrMapOvr>
+    <a:masterClrMapping/>
+  </p:clrMapOvr>
+</p:sld>
+</file>
+
+<file path=ppt/slides/slide11.xml><?xml version="1.0" encoding="utf-8"?>
+<p:sld xmlns:a="http://schemas.openxmlformats.org/drawingml/2006/main" xmlns:r="http://schemas.openxmlformats.org/officeDocument/2006/relationships" xmlns:p="http://schemas.openxmlformats.org/presentationml/2006/main">
+  <p:cSld>
+    <p:spTree>
+      <p:nvGrpSpPr>
+        <p:cNvPr id="1" name=""/>
+        <p:cNvGrpSpPr/>
+        <p:nvPr/>
+      </p:nvGrpSpPr>
+      <p:grpSpPr>
+        <a:xfrm>
+          <a:off x="0" y="0"/>
+          <a:ext cx="0" cy="0"/>
+          <a:chOff x="0" y="0"/>
+          <a:chExt cx="0" cy="0"/>
+        </a:xfrm>
+      </p:grpSpPr>
       <p:sp>
         <p:nvSpPr>
           <p:cNvPr id="2" name="椭圆 1"/>
@@ -17404,7 +17570,7 @@
 </p:sld>
 </file>
 
-<file path=ppt/slides/slide11.xml><?xml version="1.0" encoding="utf-8"?>
+<file path=ppt/slides/slide12.xml><?xml version="1.0" encoding="utf-8"?>
 <p:sld xmlns:a="http://schemas.openxmlformats.org/drawingml/2006/main" xmlns:r="http://schemas.openxmlformats.org/officeDocument/2006/relationships" xmlns:p="http://schemas.openxmlformats.org/presentationml/2006/main">
   <p:cSld>
     <p:spTree>
@@ -17778,7 +17944,7 @@
 </p:sld>
 </file>
 
-<file path=ppt/slides/slide12.xml><?xml version="1.0" encoding="utf-8"?>
+<file path=ppt/slides/slide13.xml><?xml version="1.0" encoding="utf-8"?>
 <p:sld xmlns:a="http://schemas.openxmlformats.org/drawingml/2006/main" xmlns:r="http://schemas.openxmlformats.org/officeDocument/2006/relationships" xmlns:p="http://schemas.openxmlformats.org/presentationml/2006/main">
   <p:cSld>
     <p:spTree>
@@ -18310,7 +18476,7 @@
           <a:graphicData uri="http://schemas.openxmlformats.org/presentationml/2006/ole">
             <mc:AlternateContent xmlns:mc="http://schemas.openxmlformats.org/markup-compatibility/2006">
               <mc:Choice xmlns:v="urn:schemas-microsoft-com:vml" Requires="v">
-                <p:oleObj spid="_x0000_s1227" name="CorelDRAW" r:id="rId3" imgW="1866199" imgH="1034186" progId="">
+                <p:oleObj spid="_x0000_s1233" name="CorelDRAW" r:id="rId3" imgW="1866199" imgH="1034186" progId="">
                   <p:embed/>
                 </p:oleObj>
               </mc:Choice>
@@ -18463,7 +18629,7 @@
 </p:sld>
 </file>
 
-<file path=ppt/slides/slide13.xml><?xml version="1.0" encoding="utf-8"?>
+<file path=ppt/slides/slide14.xml><?xml version="1.0" encoding="utf-8"?>
 <p:sld xmlns:a="http://schemas.openxmlformats.org/drawingml/2006/main" xmlns:r="http://schemas.openxmlformats.org/officeDocument/2006/relationships" xmlns:p="http://schemas.openxmlformats.org/presentationml/2006/main">
   <p:cSld>
     <p:spTree>
@@ -19502,7 +19668,6 @@
               <a:rPr lang="zh-CN" altLang="zh-CN" dirty="0"/>
               <a:t>）</a:t>
             </a:r>
-            <a:endParaRPr lang="zh-CN" altLang="zh-CN" dirty="0"/>
           </a:p>
         </p:txBody>
       </p:sp>
@@ -19532,7 +19697,6 @@
               <a:rPr lang="zh-CN" altLang="zh-CN" dirty="0"/>
               <a:t>需求跟踪矩阵</a:t>
             </a:r>
-            <a:endParaRPr lang="zh-CN" altLang="zh-CN" dirty="0"/>
           </a:p>
         </p:txBody>
       </p:sp>
@@ -22770,11 +22934,7 @@
             </a:r>
             <a:r>
               <a:rPr lang="zh-CN" altLang="zh-CN" dirty="0"/>
-              <a:t>任人</a:t>
-            </a:r>
-            <a:r>
-              <a:rPr lang="zh-CN" altLang="zh-CN" dirty="0"/>
-              <a:t> </a:t>
+              <a:t>任人 </a:t>
             </a:r>
             <a:endParaRPr lang="zh-CN" altLang="en-US" dirty="0"/>
           </a:p>
@@ -22868,6 +23028,66 @@
 </file>
 
 <file path=ppt/slides/slide6.xml><?xml version="1.0" encoding="utf-8"?>
+<p:sld xmlns:a="http://schemas.openxmlformats.org/drawingml/2006/main" xmlns:r="http://schemas.openxmlformats.org/officeDocument/2006/relationships" xmlns:p="http://schemas.openxmlformats.org/presentationml/2006/main">
+  <p:cSld>
+    <p:spTree>
+      <p:nvGrpSpPr>
+        <p:cNvPr id="1" name=""/>
+        <p:cNvGrpSpPr/>
+        <p:nvPr/>
+      </p:nvGrpSpPr>
+      <p:grpSpPr>
+        <a:xfrm>
+          <a:off x="0" y="0"/>
+          <a:ext cx="0" cy="0"/>
+          <a:chOff x="0" y="0"/>
+          <a:chExt cx="0" cy="0"/>
+        </a:xfrm>
+      </p:grpSpPr>
+      <p:pic>
+        <p:nvPicPr>
+          <p:cNvPr id="2" name="图片 1" descr="20190621_1.png"/>
+          <p:cNvPicPr>
+            <a:picLocks noChangeAspect="1"/>
+          </p:cNvPicPr>
+          <p:nvPr/>
+        </p:nvPicPr>
+        <p:blipFill>
+          <a:blip r:embed="rId3">
+            <a:extLst>
+              <a:ext uri="{28A0092B-C50C-407E-A947-70E740481C1C}">
+                <a14:useLocalDpi xmlns:a14="http://schemas.microsoft.com/office/drawing/2010/main" val="0"/>
+              </a:ext>
+            </a:extLst>
+          </a:blip>
+          <a:stretch>
+            <a:fillRect/>
+          </a:stretch>
+        </p:blipFill>
+        <p:spPr>
+          <a:xfrm>
+            <a:off x="228600" y="1686560"/>
+            <a:ext cx="8686800" cy="3484880"/>
+          </a:xfrm>
+          <a:prstGeom prst="rect">
+            <a:avLst/>
+          </a:prstGeom>
+        </p:spPr>
+      </p:pic>
+    </p:spTree>
+    <p:extLst>
+      <p:ext uri="{BB962C8B-B14F-4D97-AF65-F5344CB8AC3E}">
+        <p14:creationId xmlns:p14="http://schemas.microsoft.com/office/powerpoint/2010/main" val="1398999543"/>
+      </p:ext>
+    </p:extLst>
+  </p:cSld>
+  <p:clrMapOvr>
+    <a:masterClrMapping/>
+  </p:clrMapOvr>
+</p:sld>
+</file>
+
+<file path=ppt/slides/slide7.xml><?xml version="1.0" encoding="utf-8"?>
 <p:sld xmlns:a="http://schemas.openxmlformats.org/drawingml/2006/main" xmlns:r="http://schemas.openxmlformats.org/officeDocument/2006/relationships" xmlns:p="http://schemas.openxmlformats.org/presentationml/2006/main">
   <p:cSld>
     <p:spTree>
@@ -23004,15 +23224,7 @@
           <a:p>
             <a:r>
               <a:rPr lang="zh-CN" altLang="en-US" dirty="0" smtClean="0"/>
-              <a:t>第</a:t>
-            </a:r>
-            <a:r>
-              <a:rPr lang="zh-CN" altLang="en-US" dirty="0" smtClean="0"/>
-              <a:t>二</a:t>
-            </a:r>
-            <a:r>
-              <a:rPr lang="zh-CN" altLang="en-US" dirty="0" smtClean="0"/>
-              <a:t>步</a:t>
+              <a:t>第二步</a:t>
             </a:r>
             <a:r>
               <a:rPr lang="zh-CN" altLang="en-US" dirty="0"/>
@@ -23028,11 +23240,7 @@
             </a:r>
             <a:r>
               <a:rPr lang="zh-CN" altLang="en-US" dirty="0" smtClean="0"/>
-              <a:t>后</a:t>
-            </a:r>
-            <a:r>
-              <a:rPr lang="zh-CN" altLang="en-US" dirty="0" smtClean="0"/>
-              <a:t>，</a:t>
+              <a:t>后，</a:t>
             </a:r>
             <a:r>
               <a:rPr lang="zh-CN" altLang="zh-CN" dirty="0" smtClean="0"/>
@@ -23046,15 +23254,7 @@
           <a:p>
             <a:r>
               <a:rPr lang="zh-CN" altLang="en-US" dirty="0" smtClean="0"/>
-              <a:t>第</a:t>
-            </a:r>
-            <a:r>
-              <a:rPr lang="zh-CN" altLang="en-US" dirty="0" smtClean="0"/>
-              <a:t>三</a:t>
-            </a:r>
-            <a:r>
-              <a:rPr lang="zh-CN" altLang="en-US" dirty="0" smtClean="0"/>
-              <a:t>步</a:t>
+              <a:t>第三步</a:t>
             </a:r>
             <a:r>
               <a:rPr lang="zh-CN" altLang="en-US" dirty="0"/>
@@ -23264,11 +23464,7 @@
                     <a:p>
                       <a:r>
                         <a:rPr lang="en-US" altLang="zh-CN" dirty="0" smtClean="0"/>
-                        <a:t>0.</a:t>
-                      </a:r>
-                      <a:r>
-                        <a:rPr lang="en-US" altLang="zh-CN" dirty="0" smtClean="0"/>
-                        <a:t>1</a:t>
+                        <a:t>0.1</a:t>
                       </a:r>
                       <a:r>
                         <a:rPr lang="zh-CN" altLang="zh-CN" dirty="0" smtClean="0"/>
@@ -23302,11 +23498,7 @@
                     <a:p>
                       <a:r>
                         <a:rPr lang="en-US" altLang="zh-CN" dirty="0" smtClean="0"/>
-                        <a:t>0.</a:t>
-                      </a:r>
-                      <a:r>
-                        <a:rPr lang="en-US" altLang="zh-CN" dirty="0" smtClean="0"/>
-                        <a:t>1</a:t>
+                        <a:t>0.1</a:t>
                       </a:r>
                       <a:r>
                         <a:rPr lang="zh-CN" altLang="zh-CN" dirty="0" smtClean="0"/>
@@ -23408,11 +23600,7 @@
                     <a:p>
                       <a:r>
                         <a:rPr lang="zh-CN" altLang="zh-CN" dirty="0" smtClean="0"/>
-                        <a:t>1</a:t>
-                      </a:r>
-                      <a:r>
-                        <a:rPr lang="zh-CN" altLang="zh-CN" dirty="0" smtClean="0"/>
-                        <a:t>斤</a:t>
+                        <a:t>1斤</a:t>
                       </a:r>
                       <a:endParaRPr lang="zh-CN" altLang="en-US" dirty="0"/>
                     </a:p>
@@ -23555,7 +23743,7 @@
 </p:sld>
 </file>
 
-<file path=ppt/slides/slide7.xml><?xml version="1.0" encoding="utf-8"?>
+<file path=ppt/slides/slide8.xml><?xml version="1.0" encoding="utf-8"?>
 <p:sld xmlns:a="http://schemas.openxmlformats.org/drawingml/2006/main" xmlns:r="http://schemas.openxmlformats.org/officeDocument/2006/relationships" xmlns:p="http://schemas.openxmlformats.org/presentationml/2006/main">
   <p:cSld>
     <p:spTree>
@@ -23622,7 +23810,7 @@
 </p:sld>
 </file>
 
-<file path=ppt/slides/slide8.xml><?xml version="1.0" encoding="utf-8"?>
+<file path=ppt/slides/slide9.xml><?xml version="1.0" encoding="utf-8"?>
 <p:sld xmlns:a="http://schemas.openxmlformats.org/drawingml/2006/main" xmlns:r="http://schemas.openxmlformats.org/officeDocument/2006/relationships" xmlns:p="http://schemas.openxmlformats.org/presentationml/2006/main">
   <p:cSld>
     <p:spTree>
@@ -23792,66 +23980,6 @@
     <p:extLst>
       <p:ext uri="{BB962C8B-B14F-4D97-AF65-F5344CB8AC3E}">
         <p14:creationId xmlns:p14="http://schemas.microsoft.com/office/powerpoint/2010/main" val="1325381445"/>
-      </p:ext>
-    </p:extLst>
-  </p:cSld>
-  <p:clrMapOvr>
-    <a:masterClrMapping/>
-  </p:clrMapOvr>
-</p:sld>
-</file>
-
-<file path=ppt/slides/slide9.xml><?xml version="1.0" encoding="utf-8"?>
-<p:sld xmlns:a="http://schemas.openxmlformats.org/drawingml/2006/main" xmlns:r="http://schemas.openxmlformats.org/officeDocument/2006/relationships" xmlns:p="http://schemas.openxmlformats.org/presentationml/2006/main">
-  <p:cSld>
-    <p:spTree>
-      <p:nvGrpSpPr>
-        <p:cNvPr id="1" name=""/>
-        <p:cNvGrpSpPr/>
-        <p:nvPr/>
-      </p:nvGrpSpPr>
-      <p:grpSpPr>
-        <a:xfrm>
-          <a:off x="0" y="0"/>
-          <a:ext cx="0" cy="0"/>
-          <a:chOff x="0" y="0"/>
-          <a:chExt cx="0" cy="0"/>
-        </a:xfrm>
-      </p:grpSpPr>
-      <p:pic>
-        <p:nvPicPr>
-          <p:cNvPr id="4" name="图片 3" descr="HNB_SWOT.png"/>
-          <p:cNvPicPr>
-            <a:picLocks noChangeAspect="1"/>
-          </p:cNvPicPr>
-          <p:nvPr/>
-        </p:nvPicPr>
-        <p:blipFill>
-          <a:blip r:embed="rId2">
-            <a:extLst>
-              <a:ext uri="{28A0092B-C50C-407E-A947-70E740481C1C}">
-                <a14:useLocalDpi xmlns:a14="http://schemas.microsoft.com/office/drawing/2010/main" val="0"/>
-              </a:ext>
-            </a:extLst>
-          </a:blip>
-          <a:stretch>
-            <a:fillRect/>
-          </a:stretch>
-        </p:blipFill>
-        <p:spPr>
-          <a:xfrm>
-            <a:off x="304292" y="1169162"/>
-            <a:ext cx="8535416" cy="4519676"/>
-          </a:xfrm>
-          <a:prstGeom prst="rect">
-            <a:avLst/>
-          </a:prstGeom>
-        </p:spPr>
-      </p:pic>
-    </p:spTree>
-    <p:extLst>
-      <p:ext uri="{BB962C8B-B14F-4D97-AF65-F5344CB8AC3E}">
-        <p14:creationId xmlns:p14="http://schemas.microsoft.com/office/powerpoint/2010/main" val="3354585977"/>
       </p:ext>
     </p:extLst>
   </p:cSld>

--- a/HaiNaBian_PM知识分享/PPT/PPT_V4/PPT_V41.pptx
+++ b/HaiNaBian_PM知识分享/PPT/PPT_V4/PPT_V41.pptx
@@ -5,23 +5,24 @@
     <p:sldMasterId id="2147483715" r:id="rId1"/>
   </p:sldMasterIdLst>
   <p:notesMasterIdLst>
-    <p:notesMasterId r:id="rId16"/>
+    <p:notesMasterId r:id="rId17"/>
   </p:notesMasterIdLst>
   <p:sldIdLst>
     <p:sldId id="261" r:id="rId2"/>
-    <p:sldId id="257" r:id="rId3"/>
-    <p:sldId id="259" r:id="rId4"/>
-    <p:sldId id="262" r:id="rId5"/>
-    <p:sldId id="263" r:id="rId6"/>
-    <p:sldId id="273" r:id="rId7"/>
-    <p:sldId id="264" r:id="rId8"/>
-    <p:sldId id="265" r:id="rId9"/>
-    <p:sldId id="272" r:id="rId10"/>
-    <p:sldId id="266" r:id="rId11"/>
-    <p:sldId id="267" r:id="rId12"/>
-    <p:sldId id="271" r:id="rId13"/>
-    <p:sldId id="270" r:id="rId14"/>
-    <p:sldId id="269" r:id="rId15"/>
+    <p:sldId id="275" r:id="rId3"/>
+    <p:sldId id="274" r:id="rId4"/>
+    <p:sldId id="257" r:id="rId5"/>
+    <p:sldId id="259" r:id="rId6"/>
+    <p:sldId id="262" r:id="rId7"/>
+    <p:sldId id="263" r:id="rId8"/>
+    <p:sldId id="264" r:id="rId9"/>
+    <p:sldId id="265" r:id="rId10"/>
+    <p:sldId id="272" r:id="rId11"/>
+    <p:sldId id="266" r:id="rId12"/>
+    <p:sldId id="267" r:id="rId13"/>
+    <p:sldId id="271" r:id="rId14"/>
+    <p:sldId id="270" r:id="rId15"/>
+    <p:sldId id="269" r:id="rId16"/>
   </p:sldIdLst>
   <p:sldSz cx="9144000" cy="6858000" type="screen4x3"/>
   <p:notesSz cx="6858000" cy="9144000"/>
@@ -205,7 +206,7 @@
           <a:p>
             <a:fld id="{5E249CF5-6E7D-7747-92C5-A32CF2FED365}" type="datetimeFigureOut">
               <a:rPr kumimoji="1" lang="zh-CN" altLang="en-US" smtClean="0"/>
-              <a:t>19/6/21</a:t>
+              <a:t>19/6/30</a:t>
             </a:fld>
             <a:endParaRPr kumimoji="1" lang="zh-CN" altLang="en-US"/>
           </a:p>
@@ -517,25 +518,203 @@
           <a:bodyPr/>
           <a:lstStyle/>
           <a:p>
+            <a:pPr marL="0" marR="0" indent="0" algn="l" defTabSz="457200" rtl="0" eaLnBrk="1" fontAlgn="auto" latinLnBrk="0" hangingPunct="1">
+              <a:lnSpc>
+                <a:spcPct val="100000"/>
+              </a:lnSpc>
+              <a:spcBef>
+                <a:spcPts val="0"/>
+              </a:spcBef>
+              <a:spcAft>
+                <a:spcPts val="0"/>
+              </a:spcAft>
+              <a:buClrTx/>
+              <a:buSzTx/>
+              <a:buFontTx/>
+              <a:buNone/>
+              <a:tabLst/>
+              <a:defRPr/>
+            </a:pPr>
             <a:r>
-              <a:rPr lang="zh-CN" altLang="zh-CN" dirty="0" smtClean="0"/>
-              <a:t>在特定的时间、预算、资源限定的范围内，</a:t>
+              <a:rPr lang="zh-CN" altLang="zh-CN" sz="1200" kern="1200" dirty="0" smtClean="0">
+                <a:solidFill>
+                  <a:schemeClr val="tx1"/>
+                </a:solidFill>
+                <a:effectLst/>
+                <a:latin typeface="+mn-lt"/>
+                <a:ea typeface="+mn-ea"/>
+                <a:cs typeface="+mn-cs"/>
+              </a:rPr>
+              <a:t>【（开场）各位部长</a:t>
             </a:r>
-            <a:endParaRPr lang="zh-CN" altLang="en-US" dirty="0" smtClean="0"/>
-          </a:p>
-          <a:p>
             <a:r>
-              <a:rPr lang="zh-CN" altLang="zh-CN" dirty="0" smtClean="0"/>
-              <a:t>通过相互关联的一系列活动，实现一个明确的目标或目的；</a:t>
+              <a:rPr lang="en-US" altLang="zh-CN" sz="1200" kern="1200" dirty="0" smtClean="0">
+                <a:solidFill>
+                  <a:schemeClr val="tx1"/>
+                </a:solidFill>
+                <a:effectLst/>
+                <a:latin typeface="+mn-lt"/>
+                <a:ea typeface="+mn-ea"/>
+                <a:cs typeface="+mn-cs"/>
+              </a:rPr>
+              <a:t>/leader/</a:t>
             </a:r>
-            <a:endParaRPr lang="zh-CN" altLang="en-US" dirty="0" smtClean="0"/>
-          </a:p>
-          <a:p>
             <a:r>
-              <a:rPr lang="zh-CN" altLang="zh-CN" dirty="0" smtClean="0"/>
-              <a:t>将这样一整个过程称之为项目。 </a:t>
+              <a:rPr lang="zh-CN" altLang="zh-CN" sz="1200" kern="1200" dirty="0" smtClean="0">
+                <a:solidFill>
+                  <a:schemeClr val="tx1"/>
+                </a:solidFill>
+                <a:effectLst/>
+                <a:latin typeface="+mn-lt"/>
+                <a:ea typeface="+mn-ea"/>
+                <a:cs typeface="+mn-cs"/>
+              </a:rPr>
+              <a:t>同事，</a:t>
             </a:r>
-            <a:endParaRPr lang="zh-CN" altLang="en-US" dirty="0" smtClean="0"/>
+            <a:r>
+              <a:rPr lang="en-US" altLang="zh-CN" sz="1200" kern="1200" dirty="0" smtClean="0">
+                <a:solidFill>
+                  <a:schemeClr val="tx1"/>
+                </a:solidFill>
+                <a:effectLst/>
+                <a:latin typeface="+mn-lt"/>
+                <a:ea typeface="+mn-ea"/>
+                <a:cs typeface="+mn-cs"/>
+              </a:rPr>
+              <a:t>xx</a:t>
+            </a:r>
+            <a:r>
+              <a:rPr lang="zh-CN" altLang="zh-CN" sz="1200" kern="1200" dirty="0" smtClean="0">
+                <a:solidFill>
+                  <a:schemeClr val="tx1"/>
+                </a:solidFill>
+                <a:effectLst/>
+                <a:latin typeface="+mn-lt"/>
+                <a:ea typeface="+mn-ea"/>
+                <a:cs typeface="+mn-cs"/>
+              </a:rPr>
+              <a:t>好！</a:t>
+            </a:r>
+            <a:r>
+              <a:rPr lang="zh-CN" altLang="en-US" sz="1200" kern="1200" dirty="0" smtClean="0">
+                <a:solidFill>
+                  <a:schemeClr val="tx1"/>
+                </a:solidFill>
+                <a:effectLst/>
+                <a:latin typeface="+mn-lt"/>
+                <a:ea typeface="+mn-ea"/>
+                <a:cs typeface="+mn-cs"/>
+              </a:rPr>
+              <a:t>虽然</a:t>
+            </a:r>
+            <a:r>
+              <a:rPr lang="zh-CN" altLang="zh-CN" sz="1200" kern="1200" dirty="0" smtClean="0">
+                <a:solidFill>
+                  <a:schemeClr val="tx1"/>
+                </a:solidFill>
+                <a:effectLst/>
+                <a:latin typeface="+mn-lt"/>
+                <a:ea typeface="+mn-ea"/>
+                <a:cs typeface="+mn-cs"/>
+              </a:rPr>
+              <a:t>今天给大家分享的</a:t>
+            </a:r>
+            <a:r>
+              <a:rPr lang="zh-CN" altLang="en-US" sz="1200" kern="1200" dirty="0" smtClean="0">
+                <a:solidFill>
+                  <a:schemeClr val="tx1"/>
+                </a:solidFill>
+                <a:effectLst/>
+                <a:latin typeface="+mn-lt"/>
+                <a:ea typeface="+mn-ea"/>
+                <a:cs typeface="+mn-cs"/>
+              </a:rPr>
+              <a:t>主要目的</a:t>
+            </a:r>
+            <a:r>
+              <a:rPr lang="zh-CN" altLang="zh-CN" sz="1200" kern="1200" dirty="0" smtClean="0">
+                <a:solidFill>
+                  <a:schemeClr val="tx1"/>
+                </a:solidFill>
+                <a:effectLst/>
+                <a:latin typeface="+mn-lt"/>
+                <a:ea typeface="+mn-ea"/>
+                <a:cs typeface="+mn-cs"/>
+              </a:rPr>
+              <a:t>是项目管理</a:t>
+            </a:r>
+            <a:r>
+              <a:rPr lang="zh-CN" altLang="en-US" sz="1200" kern="1200" dirty="0" smtClean="0">
+                <a:solidFill>
+                  <a:schemeClr val="tx1"/>
+                </a:solidFill>
+                <a:effectLst/>
+                <a:latin typeface="+mn-lt"/>
+                <a:ea typeface="+mn-ea"/>
+                <a:cs typeface="+mn-cs"/>
+              </a:rPr>
+              <a:t>的点点滴滴；理论的东西一般都比较晦涩无趣</a:t>
+            </a:r>
+            <a:r>
+              <a:rPr lang="zh-CN" altLang="zh-CN" sz="1200" kern="1200" dirty="0" smtClean="0">
+                <a:solidFill>
+                  <a:schemeClr val="tx1"/>
+                </a:solidFill>
+                <a:effectLst/>
+                <a:latin typeface="+mn-lt"/>
+                <a:ea typeface="+mn-ea"/>
+                <a:cs typeface="+mn-cs"/>
+              </a:rPr>
+              <a:t>；但</a:t>
+            </a:r>
+            <a:r>
+              <a:rPr lang="zh-CN" altLang="en-US" sz="1200" kern="1200" dirty="0" smtClean="0">
+                <a:solidFill>
+                  <a:schemeClr val="tx1"/>
+                </a:solidFill>
+                <a:effectLst/>
+                <a:latin typeface="+mn-lt"/>
+                <a:ea typeface="+mn-ea"/>
+                <a:cs typeface="+mn-cs"/>
+              </a:rPr>
+              <a:t>分享的内容主要是部门的</a:t>
+            </a:r>
+            <a:r>
+              <a:rPr lang="zh-CN" altLang="zh-CN" sz="1200" kern="1200" dirty="0" smtClean="0">
+                <a:solidFill>
+                  <a:schemeClr val="tx1"/>
+                </a:solidFill>
+                <a:effectLst/>
+                <a:latin typeface="+mn-lt"/>
+                <a:ea typeface="+mn-ea"/>
+                <a:cs typeface="+mn-cs"/>
+              </a:rPr>
+              <a:t>团建活动以及如何做麻辣小龙虾；所以说不管怎样，希望大家都有收获。</a:t>
+            </a:r>
+            <a:r>
+              <a:rPr lang="en-US" altLang="zh-CN" sz="1200" kern="1200" dirty="0" smtClean="0">
+                <a:solidFill>
+                  <a:schemeClr val="tx1"/>
+                </a:solidFill>
+                <a:effectLst/>
+                <a:latin typeface="+mn-lt"/>
+                <a:ea typeface="+mn-ea"/>
+                <a:cs typeface="+mn-cs"/>
+              </a:rPr>
+              <a:t>(1m)</a:t>
+            </a:r>
+            <a:r>
+              <a:rPr lang="zh-CN" altLang="zh-CN" sz="1200" kern="1200" dirty="0" smtClean="0">
+                <a:solidFill>
+                  <a:schemeClr val="tx1"/>
+                </a:solidFill>
+                <a:effectLst/>
+                <a:latin typeface="+mn-lt"/>
+                <a:ea typeface="+mn-ea"/>
+                <a:cs typeface="+mn-cs"/>
+              </a:rPr>
+              <a:t>】</a:t>
+            </a:r>
           </a:p>
           <a:p>
             <a:endParaRPr kumimoji="1" lang="zh-CN" altLang="en-US" dirty="0"/>
@@ -622,6 +801,10 @@
           <a:bodyPr/>
           <a:lstStyle/>
           <a:p>
+            <a:r>
+              <a:rPr kumimoji="1" lang="en-US" altLang="zh-CN" dirty="0" smtClean="0"/>
+              <a:t>(10s)</a:t>
+            </a:r>
             <a:endParaRPr kumimoji="1" lang="zh-CN" altLang="en-US" dirty="0"/>
           </a:p>
         </p:txBody>
@@ -643,7 +826,7 @@
           <a:p>
             <a:fld id="{09A01B7E-EB24-5946-B210-321161CD992F}" type="slidenum">
               <a:rPr kumimoji="1" lang="zh-CN" altLang="en-US" smtClean="0"/>
-              <a:t>3</a:t>
+              <a:t>2</a:t>
             </a:fld>
             <a:endParaRPr kumimoji="1" lang="zh-CN" altLang="en-US"/>
           </a:p>
@@ -652,7 +835,7 @@
     </p:spTree>
     <p:extLst>
       <p:ext uri="{BB962C8B-B14F-4D97-AF65-F5344CB8AC3E}">
-        <p14:creationId xmlns:p14="http://schemas.microsoft.com/office/powerpoint/2010/main" val="413334781"/>
+        <p14:creationId xmlns:p14="http://schemas.microsoft.com/office/powerpoint/2010/main" val="449707714"/>
       </p:ext>
     </p:extLst>
   </p:cSld>
@@ -722,11 +905,303 @@
           <a:p>
             <a:r>
               <a:rPr lang="zh-CN" altLang="zh-CN" dirty="0" smtClean="0"/>
-              <a:t>将这样一整个过程称之为项目。 </a:t>
+              <a:t>将这样一整个过程称之为</a:t>
+            </a:r>
+            <a:r>
+              <a:rPr lang="zh-CN" altLang="zh-CN" dirty="0" smtClean="0">
+                <a:solidFill>
+                  <a:srgbClr val="FF0000"/>
+                </a:solidFill>
+              </a:rPr>
+              <a:t>项目</a:t>
+            </a:r>
+            <a:r>
+              <a:rPr lang="zh-CN" altLang="zh-CN" dirty="0" smtClean="0"/>
+              <a:t>。 </a:t>
+            </a:r>
+            <a:r>
+              <a:rPr lang="en-US" altLang="zh-CN" dirty="0" smtClean="0"/>
+              <a:t>(2m)</a:t>
             </a:r>
             <a:endParaRPr lang="zh-CN" altLang="en-US" dirty="0" smtClean="0"/>
           </a:p>
           <a:p>
+            <a:endParaRPr kumimoji="1" lang="zh-CN" altLang="en-US" dirty="0"/>
+          </a:p>
+        </p:txBody>
+      </p:sp>
+      <p:sp>
+        <p:nvSpPr>
+          <p:cNvPr id="4" name="幻灯片编号占位符 3"/>
+          <p:cNvSpPr>
+            <a:spLocks noGrp="1"/>
+          </p:cNvSpPr>
+          <p:nvPr>
+            <p:ph type="sldNum" sz="quarter" idx="10"/>
+          </p:nvPr>
+        </p:nvSpPr>
+        <p:spPr/>
+        <p:txBody>
+          <a:bodyPr/>
+          <a:lstStyle/>
+          <a:p>
+            <a:fld id="{09A01B7E-EB24-5946-B210-321161CD992F}" type="slidenum">
+              <a:rPr kumimoji="1" lang="zh-CN" altLang="en-US" smtClean="0"/>
+              <a:t>3</a:t>
+            </a:fld>
+            <a:endParaRPr kumimoji="1" lang="zh-CN" altLang="en-US"/>
+          </a:p>
+        </p:txBody>
+      </p:sp>
+    </p:spTree>
+    <p:extLst>
+      <p:ext uri="{BB962C8B-B14F-4D97-AF65-F5344CB8AC3E}">
+        <p14:creationId xmlns:p14="http://schemas.microsoft.com/office/powerpoint/2010/main" val="449707714"/>
+      </p:ext>
+    </p:extLst>
+  </p:cSld>
+  <p:clrMapOvr>
+    <a:masterClrMapping/>
+  </p:clrMapOvr>
+</p:notes>
+</file>
+
+<file path=ppt/notesSlides/notesSlide4.xml><?xml version="1.0" encoding="utf-8"?>
+<p:notes xmlns:a="http://schemas.openxmlformats.org/drawingml/2006/main" xmlns:r="http://schemas.openxmlformats.org/officeDocument/2006/relationships" xmlns:p="http://schemas.openxmlformats.org/presentationml/2006/main">
+  <p:cSld>
+    <p:spTree>
+      <p:nvGrpSpPr>
+        <p:cNvPr id="1" name=""/>
+        <p:cNvGrpSpPr/>
+        <p:nvPr/>
+      </p:nvGrpSpPr>
+      <p:grpSpPr>
+        <a:xfrm>
+          <a:off x="0" y="0"/>
+          <a:ext cx="0" cy="0"/>
+          <a:chOff x="0" y="0"/>
+          <a:chExt cx="0" cy="0"/>
+        </a:xfrm>
+      </p:grpSpPr>
+      <p:sp>
+        <p:nvSpPr>
+          <p:cNvPr id="2" name="幻灯片图像占位符 1"/>
+          <p:cNvSpPr>
+            <a:spLocks noGrp="1" noRot="1" noChangeAspect="1"/>
+          </p:cNvSpPr>
+          <p:nvPr>
+            <p:ph type="sldImg"/>
+          </p:nvPr>
+        </p:nvSpPr>
+        <p:spPr/>
+      </p:sp>
+      <p:sp>
+        <p:nvSpPr>
+          <p:cNvPr id="3" name="备注占位符 2"/>
+          <p:cNvSpPr>
+            <a:spLocks noGrp="1"/>
+          </p:cNvSpPr>
+          <p:nvPr>
+            <p:ph type="body" idx="1"/>
+          </p:nvPr>
+        </p:nvSpPr>
+        <p:spPr/>
+        <p:txBody>
+          <a:bodyPr/>
+          <a:lstStyle/>
+          <a:p>
+            <a:endParaRPr kumimoji="1" lang="zh-CN" altLang="en-US" dirty="0"/>
+          </a:p>
+        </p:txBody>
+      </p:sp>
+      <p:sp>
+        <p:nvSpPr>
+          <p:cNvPr id="4" name="幻灯片编号占位符 3"/>
+          <p:cNvSpPr>
+            <a:spLocks noGrp="1"/>
+          </p:cNvSpPr>
+          <p:nvPr>
+            <p:ph type="sldNum" sz="quarter" idx="10"/>
+          </p:nvPr>
+        </p:nvSpPr>
+        <p:spPr/>
+        <p:txBody>
+          <a:bodyPr/>
+          <a:lstStyle/>
+          <a:p>
+            <a:fld id="{09A01B7E-EB24-5946-B210-321161CD992F}" type="slidenum">
+              <a:rPr kumimoji="1" lang="zh-CN" altLang="en-US" smtClean="0"/>
+              <a:t>4</a:t>
+            </a:fld>
+            <a:endParaRPr kumimoji="1" lang="zh-CN" altLang="en-US"/>
+          </a:p>
+        </p:txBody>
+      </p:sp>
+    </p:spTree>
+    <p:extLst>
+      <p:ext uri="{BB962C8B-B14F-4D97-AF65-F5344CB8AC3E}">
+        <p14:creationId xmlns:p14="http://schemas.microsoft.com/office/powerpoint/2010/main" val="656354837"/>
+      </p:ext>
+    </p:extLst>
+  </p:cSld>
+  <p:clrMapOvr>
+    <a:masterClrMapping/>
+  </p:clrMapOvr>
+</p:notes>
+</file>
+
+<file path=ppt/notesSlides/notesSlide5.xml><?xml version="1.0" encoding="utf-8"?>
+<p:notes xmlns:a="http://schemas.openxmlformats.org/drawingml/2006/main" xmlns:r="http://schemas.openxmlformats.org/officeDocument/2006/relationships" xmlns:p="http://schemas.openxmlformats.org/presentationml/2006/main">
+  <p:cSld>
+    <p:spTree>
+      <p:nvGrpSpPr>
+        <p:cNvPr id="1" name=""/>
+        <p:cNvGrpSpPr/>
+        <p:nvPr/>
+      </p:nvGrpSpPr>
+      <p:grpSpPr>
+        <a:xfrm>
+          <a:off x="0" y="0"/>
+          <a:ext cx="0" cy="0"/>
+          <a:chOff x="0" y="0"/>
+          <a:chExt cx="0" cy="0"/>
+        </a:xfrm>
+      </p:grpSpPr>
+      <p:sp>
+        <p:nvSpPr>
+          <p:cNvPr id="2" name="幻灯片图像占位符 1"/>
+          <p:cNvSpPr>
+            <a:spLocks noGrp="1" noRot="1" noChangeAspect="1"/>
+          </p:cNvSpPr>
+          <p:nvPr>
+            <p:ph type="sldImg"/>
+          </p:nvPr>
+        </p:nvSpPr>
+        <p:spPr/>
+      </p:sp>
+      <p:sp>
+        <p:nvSpPr>
+          <p:cNvPr id="3" name="备注占位符 2"/>
+          <p:cNvSpPr>
+            <a:spLocks noGrp="1"/>
+          </p:cNvSpPr>
+          <p:nvPr>
+            <p:ph type="body" idx="1"/>
+          </p:nvPr>
+        </p:nvSpPr>
+        <p:spPr/>
+        <p:txBody>
+          <a:bodyPr/>
+          <a:lstStyle/>
+          <a:p>
+            <a:r>
+              <a:rPr kumimoji="1" lang="zh-CN" altLang="en-US" dirty="0" smtClean="0"/>
+              <a:t>做什么、什么时候做</a:t>
+            </a:r>
+            <a:r>
+              <a:rPr kumimoji="1" lang="zh-CN" altLang="en-US" dirty="0" smtClean="0"/>
+              <a:t>、谁来做</a:t>
+            </a:r>
+            <a:r>
+              <a:rPr kumimoji="1" lang="zh-CN" altLang="en-US" dirty="0" smtClean="0"/>
+              <a:t> （</a:t>
+            </a:r>
+            <a:r>
+              <a:rPr kumimoji="1" lang="en-US" altLang="zh-CN" dirty="0" smtClean="0"/>
+              <a:t>2</a:t>
+            </a:r>
+            <a:r>
+              <a:rPr kumimoji="1" lang="zh-CN" altLang="en-US" dirty="0" smtClean="0"/>
+              <a:t>）</a:t>
+            </a:r>
+            <a:endParaRPr kumimoji="1" lang="zh-CN" altLang="en-US" dirty="0"/>
+          </a:p>
+        </p:txBody>
+      </p:sp>
+      <p:sp>
+        <p:nvSpPr>
+          <p:cNvPr id="4" name="幻灯片编号占位符 3"/>
+          <p:cNvSpPr>
+            <a:spLocks noGrp="1"/>
+          </p:cNvSpPr>
+          <p:nvPr>
+            <p:ph type="sldNum" sz="quarter" idx="10"/>
+          </p:nvPr>
+        </p:nvSpPr>
+        <p:spPr/>
+        <p:txBody>
+          <a:bodyPr/>
+          <a:lstStyle/>
+          <a:p>
+            <a:fld id="{09A01B7E-EB24-5946-B210-321161CD992F}" type="slidenum">
+              <a:rPr kumimoji="1" lang="zh-CN" altLang="en-US" smtClean="0"/>
+              <a:t>5</a:t>
+            </a:fld>
+            <a:endParaRPr kumimoji="1" lang="zh-CN" altLang="en-US"/>
+          </a:p>
+        </p:txBody>
+      </p:sp>
+    </p:spTree>
+    <p:extLst>
+      <p:ext uri="{BB962C8B-B14F-4D97-AF65-F5344CB8AC3E}">
+        <p14:creationId xmlns:p14="http://schemas.microsoft.com/office/powerpoint/2010/main" val="413334781"/>
+      </p:ext>
+    </p:extLst>
+  </p:cSld>
+  <p:clrMapOvr>
+    <a:masterClrMapping/>
+  </p:clrMapOvr>
+</p:notes>
+</file>
+
+<file path=ppt/notesSlides/notesSlide6.xml><?xml version="1.0" encoding="utf-8"?>
+<p:notes xmlns:a="http://schemas.openxmlformats.org/drawingml/2006/main" xmlns:r="http://schemas.openxmlformats.org/officeDocument/2006/relationships" xmlns:p="http://schemas.openxmlformats.org/presentationml/2006/main">
+  <p:cSld>
+    <p:spTree>
+      <p:nvGrpSpPr>
+        <p:cNvPr id="1" name=""/>
+        <p:cNvGrpSpPr/>
+        <p:nvPr/>
+      </p:nvGrpSpPr>
+      <p:grpSpPr>
+        <a:xfrm>
+          <a:off x="0" y="0"/>
+          <a:ext cx="0" cy="0"/>
+          <a:chOff x="0" y="0"/>
+          <a:chExt cx="0" cy="0"/>
+        </a:xfrm>
+      </p:grpSpPr>
+      <p:sp>
+        <p:nvSpPr>
+          <p:cNvPr id="2" name="幻灯片图像占位符 1"/>
+          <p:cNvSpPr>
+            <a:spLocks noGrp="1" noRot="1" noChangeAspect="1"/>
+          </p:cNvSpPr>
+          <p:nvPr>
+            <p:ph type="sldImg"/>
+          </p:nvPr>
+        </p:nvSpPr>
+        <p:spPr/>
+      </p:sp>
+      <p:sp>
+        <p:nvSpPr>
+          <p:cNvPr id="3" name="备注占位符 2"/>
+          <p:cNvSpPr>
+            <a:spLocks noGrp="1"/>
+          </p:cNvSpPr>
+          <p:nvPr>
+            <p:ph type="body" idx="1"/>
+          </p:nvPr>
+        </p:nvSpPr>
+        <p:spPr/>
+        <p:txBody>
+          <a:bodyPr/>
+          <a:lstStyle/>
+          <a:p>
+            <a:r>
+              <a:rPr kumimoji="1" lang="zh-CN" altLang="en-US" dirty="0" smtClean="0"/>
+              <a:t>什么时候做</a:t>
+            </a:r>
             <a:endParaRPr kumimoji="1" lang="zh-CN" altLang="en-US" dirty="0"/>
           </a:p>
         </p:txBody>
@@ -757,7 +1232,7 @@
     </p:spTree>
     <p:extLst>
       <p:ext uri="{BB962C8B-B14F-4D97-AF65-F5344CB8AC3E}">
-        <p14:creationId xmlns:p14="http://schemas.microsoft.com/office/powerpoint/2010/main" val="449707714"/>
+        <p14:creationId xmlns:p14="http://schemas.microsoft.com/office/powerpoint/2010/main" val="2346827907"/>
       </p:ext>
     </p:extLst>
   </p:cSld>
@@ -767,7 +1242,7 @@
 </p:notes>
 </file>
 
-<file path=ppt/notesSlides/notesSlide4.xml><?xml version="1.0" encoding="utf-8"?>
+<file path=ppt/notesSlides/notesSlide7.xml><?xml version="1.0" encoding="utf-8"?>
 <p:notes xmlns:a="http://schemas.openxmlformats.org/drawingml/2006/main" xmlns:r="http://schemas.openxmlformats.org/officeDocument/2006/relationships" xmlns:p="http://schemas.openxmlformats.org/presentationml/2006/main">
   <p:cSld>
     <p:spTree>
@@ -859,7 +1334,7 @@
           <a:p>
             <a:fld id="{09A01B7E-EB24-5946-B210-321161CD992F}" type="slidenum">
               <a:rPr kumimoji="1" lang="zh-CN" altLang="en-US" smtClean="0"/>
-              <a:t>9</a:t>
+              <a:t>10</a:t>
             </a:fld>
             <a:endParaRPr kumimoji="1" lang="zh-CN" altLang="en-US"/>
           </a:p>
@@ -878,7 +1353,271 @@
 </p:notes>
 </file>
 
-<file path=ppt/notesSlides/notesSlide5.xml><?xml version="1.0" encoding="utf-8"?>
+<file path=ppt/notesSlides/notesSlide8.xml><?xml version="1.0" encoding="utf-8"?>
+<p:notes xmlns:a="http://schemas.openxmlformats.org/drawingml/2006/main" xmlns:r="http://schemas.openxmlformats.org/officeDocument/2006/relationships" xmlns:p="http://schemas.openxmlformats.org/presentationml/2006/main">
+  <p:cSld>
+    <p:spTree>
+      <p:nvGrpSpPr>
+        <p:cNvPr id="1" name=""/>
+        <p:cNvGrpSpPr/>
+        <p:nvPr/>
+      </p:nvGrpSpPr>
+      <p:grpSpPr>
+        <a:xfrm>
+          <a:off x="0" y="0"/>
+          <a:ext cx="0" cy="0"/>
+          <a:chOff x="0" y="0"/>
+          <a:chExt cx="0" cy="0"/>
+        </a:xfrm>
+      </p:grpSpPr>
+      <p:sp>
+        <p:nvSpPr>
+          <p:cNvPr id="2" name="幻灯片图像占位符 1"/>
+          <p:cNvSpPr>
+            <a:spLocks noGrp="1" noRot="1" noChangeAspect="1"/>
+          </p:cNvSpPr>
+          <p:nvPr>
+            <p:ph type="sldImg"/>
+          </p:nvPr>
+        </p:nvSpPr>
+        <p:spPr/>
+      </p:sp>
+      <p:sp>
+        <p:nvSpPr>
+          <p:cNvPr id="3" name="备注占位符 2"/>
+          <p:cNvSpPr>
+            <a:spLocks noGrp="1"/>
+          </p:cNvSpPr>
+          <p:nvPr>
+            <p:ph type="body" idx="1"/>
+          </p:nvPr>
+        </p:nvSpPr>
+        <p:spPr/>
+        <p:txBody>
+          <a:bodyPr/>
+          <a:lstStyle/>
+          <a:p>
+            <a:pPr marL="0" marR="0" indent="0" algn="l" defTabSz="457200" rtl="0" eaLnBrk="1" fontAlgn="auto" latinLnBrk="0" hangingPunct="1">
+              <a:lnSpc>
+                <a:spcPct val="100000"/>
+              </a:lnSpc>
+              <a:spcBef>
+                <a:spcPts val="0"/>
+              </a:spcBef>
+              <a:spcAft>
+                <a:spcPts val="0"/>
+              </a:spcAft>
+              <a:buClrTx/>
+              <a:buSzTx/>
+              <a:buFontTx/>
+              <a:buNone/>
+              <a:tabLst/>
+              <a:defRPr/>
+            </a:pPr>
+            <a:r>
+              <a:rPr kumimoji="1" lang="zh-CN" altLang="en-US" dirty="0" smtClean="0"/>
+              <a:t>项目、五大过程组</a:t>
+            </a:r>
+            <a:r>
+              <a:rPr kumimoji="1" lang="en-US" altLang="zh-CN" dirty="0" smtClean="0"/>
+              <a:t>+</a:t>
+            </a:r>
+            <a:r>
+              <a:rPr kumimoji="1" lang="zh-CN" altLang="en-US" dirty="0" smtClean="0"/>
+              <a:t>十大知识领域（项目管理）、</a:t>
+            </a:r>
+            <a:r>
+              <a:rPr lang="zh-CN" altLang="zh-CN" sz="1200" kern="1200" dirty="0" smtClean="0">
+                <a:solidFill>
+                  <a:schemeClr val="tx1"/>
+                </a:solidFill>
+                <a:effectLst/>
+                <a:latin typeface="+mn-lt"/>
+                <a:ea typeface="+mn-ea"/>
+                <a:cs typeface="+mn-cs"/>
+              </a:rPr>
+              <a:t>需求的收集与确认、工作分解结构（</a:t>
+            </a:r>
+            <a:r>
+              <a:rPr lang="en-US" altLang="zh-CN" sz="1200" kern="1200" dirty="0" smtClean="0">
+                <a:solidFill>
+                  <a:schemeClr val="tx1"/>
+                </a:solidFill>
+                <a:effectLst/>
+                <a:latin typeface="+mn-lt"/>
+                <a:ea typeface="+mn-ea"/>
+                <a:cs typeface="+mn-cs"/>
+              </a:rPr>
+              <a:t>WBS</a:t>
+            </a:r>
+            <a:r>
+              <a:rPr lang="zh-CN" altLang="zh-CN" sz="1200" kern="1200" dirty="0" smtClean="0">
+                <a:solidFill>
+                  <a:schemeClr val="tx1"/>
+                </a:solidFill>
+                <a:effectLst/>
+                <a:latin typeface="+mn-lt"/>
+                <a:ea typeface="+mn-ea"/>
+                <a:cs typeface="+mn-cs"/>
+              </a:rPr>
+              <a:t>）、需求跟踪矩阵</a:t>
+            </a:r>
+          </a:p>
+          <a:p>
+            <a:pPr marL="0" marR="0" indent="0" algn="l" defTabSz="457200" rtl="0" eaLnBrk="1" fontAlgn="auto" latinLnBrk="0" hangingPunct="1">
+              <a:lnSpc>
+                <a:spcPct val="100000"/>
+              </a:lnSpc>
+              <a:spcBef>
+                <a:spcPts val="0"/>
+              </a:spcBef>
+              <a:spcAft>
+                <a:spcPts val="0"/>
+              </a:spcAft>
+              <a:buClrTx/>
+              <a:buSzTx/>
+              <a:buFontTx/>
+              <a:buNone/>
+              <a:tabLst/>
+              <a:defRPr/>
+            </a:pPr>
+            <a:r>
+              <a:rPr kumimoji="1" lang="en-US" altLang="zh-CN" dirty="0" smtClean="0"/>
+              <a:t>(</a:t>
+            </a:r>
+            <a:r>
+              <a:rPr kumimoji="1" lang="zh-CN" altLang="en-US" dirty="0" smtClean="0"/>
+              <a:t>需求管理</a:t>
+            </a:r>
+            <a:r>
+              <a:rPr kumimoji="1" lang="en-US" altLang="zh-CN" dirty="0" smtClean="0"/>
+              <a:t>)</a:t>
+            </a:r>
+            <a:r>
+              <a:rPr kumimoji="1" lang="zh-CN" altLang="en-US" dirty="0" smtClean="0"/>
+              <a:t> 、</a:t>
+            </a:r>
+            <a:r>
+              <a:rPr lang="zh-CN" altLang="zh-CN" sz="1200" kern="1200" dirty="0" smtClean="0">
+                <a:solidFill>
+                  <a:schemeClr val="tx1"/>
+                </a:solidFill>
+                <a:effectLst/>
+                <a:latin typeface="+mn-lt"/>
+                <a:ea typeface="+mn-ea"/>
+                <a:cs typeface="+mn-cs"/>
+              </a:rPr>
+              <a:t>时间估算、进度排序、里程碑、责任人，统称横道图</a:t>
+            </a:r>
+            <a:r>
+              <a:rPr kumimoji="1" lang="en-US" altLang="zh-CN" sz="1200" kern="1200" dirty="0" smtClean="0">
+                <a:solidFill>
+                  <a:schemeClr val="tx1"/>
+                </a:solidFill>
+                <a:effectLst/>
+                <a:latin typeface="+mn-lt"/>
+                <a:ea typeface="+mn-ea"/>
+                <a:cs typeface="+mn-cs"/>
+              </a:rPr>
+              <a:t>(</a:t>
+            </a:r>
+            <a:r>
+              <a:rPr kumimoji="1" lang="zh-CN" altLang="en-US" sz="1200" kern="1200" dirty="0" smtClean="0">
+                <a:solidFill>
+                  <a:schemeClr val="tx1"/>
+                </a:solidFill>
+                <a:effectLst/>
+                <a:latin typeface="+mn-lt"/>
+                <a:ea typeface="+mn-ea"/>
+                <a:cs typeface="+mn-cs"/>
+              </a:rPr>
+              <a:t>时间管理</a:t>
+            </a:r>
+            <a:r>
+              <a:rPr kumimoji="1" lang="en-US" altLang="zh-CN" sz="1200" kern="1200" dirty="0" smtClean="0">
+                <a:solidFill>
+                  <a:schemeClr val="tx1"/>
+                </a:solidFill>
+                <a:effectLst/>
+                <a:latin typeface="+mn-lt"/>
+                <a:ea typeface="+mn-ea"/>
+                <a:cs typeface="+mn-cs"/>
+              </a:rPr>
+              <a:t>)</a:t>
+            </a:r>
+            <a:r>
+              <a:rPr kumimoji="1" lang="zh-CN" altLang="en-US" sz="1200" kern="1200" dirty="0" smtClean="0">
+                <a:solidFill>
+                  <a:schemeClr val="tx1"/>
+                </a:solidFill>
+                <a:effectLst/>
+                <a:latin typeface="+mn-lt"/>
+                <a:ea typeface="+mn-ea"/>
+                <a:cs typeface="+mn-cs"/>
+              </a:rPr>
+              <a:t>、鱼骨图</a:t>
+            </a:r>
+            <a:r>
+              <a:rPr kumimoji="1" lang="en-US" altLang="zh-CN" sz="1200" kern="1200" dirty="0" smtClean="0">
+                <a:solidFill>
+                  <a:schemeClr val="tx1"/>
+                </a:solidFill>
+                <a:effectLst/>
+                <a:latin typeface="+mn-lt"/>
+                <a:ea typeface="+mn-ea"/>
+                <a:cs typeface="+mn-cs"/>
+              </a:rPr>
+              <a:t>+PDCA</a:t>
+            </a:r>
+            <a:endParaRPr lang="zh-CN" altLang="zh-CN" sz="1200" kern="1200" dirty="0" smtClean="0">
+              <a:solidFill>
+                <a:schemeClr val="tx1"/>
+              </a:solidFill>
+              <a:effectLst/>
+              <a:latin typeface="+mn-lt"/>
+              <a:ea typeface="+mn-ea"/>
+              <a:cs typeface="+mn-cs"/>
+            </a:endParaRPr>
+          </a:p>
+        </p:txBody>
+      </p:sp>
+      <p:sp>
+        <p:nvSpPr>
+          <p:cNvPr id="4" name="幻灯片编号占位符 3"/>
+          <p:cNvSpPr>
+            <a:spLocks noGrp="1"/>
+          </p:cNvSpPr>
+          <p:nvPr>
+            <p:ph type="sldNum" sz="quarter" idx="10"/>
+          </p:nvPr>
+        </p:nvSpPr>
+        <p:spPr/>
+        <p:txBody>
+          <a:bodyPr/>
+          <a:lstStyle/>
+          <a:p>
+            <a:fld id="{09A01B7E-EB24-5946-B210-321161CD992F}" type="slidenum">
+              <a:rPr kumimoji="1" lang="zh-CN" altLang="en-US" smtClean="0"/>
+              <a:t>12</a:t>
+            </a:fld>
+            <a:endParaRPr kumimoji="1" lang="zh-CN" altLang="en-US"/>
+          </a:p>
+        </p:txBody>
+      </p:sp>
+    </p:spTree>
+    <p:extLst>
+      <p:ext uri="{BB962C8B-B14F-4D97-AF65-F5344CB8AC3E}">
+        <p14:creationId xmlns:p14="http://schemas.microsoft.com/office/powerpoint/2010/main" val="844574991"/>
+      </p:ext>
+    </p:extLst>
+  </p:cSld>
+  <p:clrMapOvr>
+    <a:masterClrMapping/>
+  </p:clrMapOvr>
+</p:notes>
+</file>
+
+<file path=ppt/notesSlides/notesSlide9.xml><?xml version="1.0" encoding="utf-8"?>
 <p:notes xmlns:a="http://schemas.openxmlformats.org/drawingml/2006/main" xmlns:r="http://schemas.openxmlformats.org/officeDocument/2006/relationships" xmlns:p="http://schemas.openxmlformats.org/presentationml/2006/main">
   <p:cSld>
     <p:spTree>
@@ -1156,7 +1895,7 @@
           <a:p>
             <a:fld id="{09A01B7E-EB24-5946-B210-321161CD992F}" type="slidenum">
               <a:rPr kumimoji="1" lang="zh-CN" altLang="en-US" smtClean="0"/>
-              <a:t>12</a:t>
+              <a:t>13</a:t>
             </a:fld>
             <a:endParaRPr kumimoji="1" lang="zh-CN" altLang="en-US"/>
           </a:p>
@@ -2987,7 +3726,7 @@
           <a:p>
             <a:fld id="{32371D95-0243-5B4E-8F5A-A7A26013F7CF}" type="datetimeFigureOut">
               <a:rPr kumimoji="1" lang="zh-CN" altLang="en-US" smtClean="0"/>
-              <a:t>19/6/21</a:t>
+              <a:t>19/6/30</a:t>
             </a:fld>
             <a:endParaRPr kumimoji="1" lang="zh-CN" altLang="en-US"/>
           </a:p>
@@ -3168,7 +3907,7 @@
           <a:p>
             <a:fld id="{32371D95-0243-5B4E-8F5A-A7A26013F7CF}" type="datetimeFigureOut">
               <a:rPr kumimoji="1" lang="zh-CN" altLang="en-US" smtClean="0"/>
-              <a:t>19/6/21</a:t>
+              <a:t>19/6/30</a:t>
             </a:fld>
             <a:endParaRPr kumimoji="1" lang="zh-CN" altLang="en-US"/>
           </a:p>
@@ -3319,7 +4058,7 @@
           <a:p>
             <a:fld id="{32371D95-0243-5B4E-8F5A-A7A26013F7CF}" type="datetimeFigureOut">
               <a:rPr kumimoji="1" lang="zh-CN" altLang="en-US" smtClean="0"/>
-              <a:t>19/6/21</a:t>
+              <a:t>19/6/30</a:t>
             </a:fld>
             <a:endParaRPr kumimoji="1" lang="zh-CN" altLang="en-US"/>
           </a:p>
@@ -5145,7 +5884,7 @@
           <a:p>
             <a:fld id="{32371D95-0243-5B4E-8F5A-A7A26013F7CF}" type="datetimeFigureOut">
               <a:rPr kumimoji="1" lang="zh-CN" altLang="en-US" smtClean="0"/>
-              <a:t>19/6/21</a:t>
+              <a:t>19/6/30</a:t>
             </a:fld>
             <a:endParaRPr kumimoji="1" lang="zh-CN" altLang="en-US"/>
           </a:p>
@@ -7015,7 +7754,7 @@
           <a:p>
             <a:fld id="{32371D95-0243-5B4E-8F5A-A7A26013F7CF}" type="datetimeFigureOut">
               <a:rPr kumimoji="1" lang="zh-CN" altLang="en-US" smtClean="0"/>
-              <a:t>19/6/21</a:t>
+              <a:t>19/6/30</a:t>
             </a:fld>
             <a:endParaRPr kumimoji="1" lang="zh-CN" altLang="en-US"/>
           </a:p>
@@ -7128,7 +7867,7 @@
           <a:p>
             <a:fld id="{32371D95-0243-5B4E-8F5A-A7A26013F7CF}" type="datetimeFigureOut">
               <a:rPr kumimoji="1" lang="zh-CN" altLang="en-US" smtClean="0"/>
-              <a:t>19/6/21</a:t>
+              <a:t>19/6/30</a:t>
             </a:fld>
             <a:endParaRPr kumimoji="1" lang="zh-CN" altLang="en-US"/>
           </a:p>
@@ -7669,7 +8408,7 @@
           <a:p>
             <a:fld id="{32371D95-0243-5B4E-8F5A-A7A26013F7CF}" type="datetimeFigureOut">
               <a:rPr kumimoji="1" lang="zh-CN" altLang="en-US" smtClean="0"/>
-              <a:t>19/6/21</a:t>
+              <a:t>19/6/30</a:t>
             </a:fld>
             <a:endParaRPr kumimoji="1" lang="zh-CN" altLang="en-US"/>
           </a:p>
@@ -7782,7 +8521,7 @@
           <a:p>
             <a:fld id="{32371D95-0243-5B4E-8F5A-A7A26013F7CF}" type="datetimeFigureOut">
               <a:rPr kumimoji="1" lang="zh-CN" altLang="en-US" smtClean="0"/>
-              <a:t>19/6/21</a:t>
+              <a:t>19/6/30</a:t>
             </a:fld>
             <a:endParaRPr kumimoji="1" lang="zh-CN" altLang="en-US"/>
           </a:p>
@@ -9493,7 +10232,7 @@
           <a:p>
             <a:fld id="{32371D95-0243-5B4E-8F5A-A7A26013F7CF}" type="datetimeFigureOut">
               <a:rPr kumimoji="1" lang="zh-CN" altLang="en-US" smtClean="0"/>
-              <a:t>19/6/21</a:t>
+              <a:t>19/6/30</a:t>
             </a:fld>
             <a:endParaRPr kumimoji="1" lang="zh-CN" altLang="en-US"/>
           </a:p>
@@ -9644,7 +10383,7 @@
           <a:p>
             <a:fld id="{32371D95-0243-5B4E-8F5A-A7A26013F7CF}" type="datetimeFigureOut">
               <a:rPr kumimoji="1" lang="zh-CN" altLang="en-US" smtClean="0"/>
-              <a:t>19/6/21</a:t>
+              <a:t>19/6/30</a:t>
             </a:fld>
             <a:endParaRPr kumimoji="1" lang="zh-CN" altLang="en-US"/>
           </a:p>
@@ -13259,7 +13998,7 @@
           <a:p>
             <a:fld id="{32371D95-0243-5B4E-8F5A-A7A26013F7CF}" type="datetimeFigureOut">
               <a:rPr kumimoji="1" lang="zh-CN" altLang="en-US" smtClean="0"/>
-              <a:t>19/6/21</a:t>
+              <a:t>19/6/30</a:t>
             </a:fld>
             <a:endParaRPr kumimoji="1" lang="zh-CN" altLang="en-US"/>
           </a:p>
@@ -15118,7 +15857,7 @@
           <a:p>
             <a:fld id="{32371D95-0243-5B4E-8F5A-A7A26013F7CF}" type="datetimeFigureOut">
               <a:rPr kumimoji="1" lang="zh-CN" altLang="en-US" smtClean="0"/>
-              <a:t>19/6/21</a:t>
+              <a:t>19/6/30</a:t>
             </a:fld>
             <a:endParaRPr kumimoji="1" lang="zh-CN" altLang="en-US"/>
           </a:p>
@@ -15634,1551 +16373,45 @@
           <a:chExt cx="0" cy="0"/>
         </a:xfrm>
       </p:grpSpPr>
-      <p:graphicFrame>
-        <p:nvGraphicFramePr>
-          <p:cNvPr id="4" name="表格 3"/>
-          <p:cNvGraphicFramePr>
-            <a:graphicFrameLocks noGrp="1"/>
-          </p:cNvGraphicFramePr>
-          <p:nvPr>
-            <p:extLst>
-              <p:ext uri="{D42A27DB-BD31-4B8C-83A1-F6EECF244321}">
-                <p14:modId xmlns:p14="http://schemas.microsoft.com/office/powerpoint/2010/main" val="4144562139"/>
-              </p:ext>
-            </p:extLst>
-          </p:nvPr>
-        </p:nvGraphicFramePr>
-        <p:xfrm>
-          <a:off x="1026456" y="1079978"/>
-          <a:ext cx="6999708" cy="3708400"/>
-        </p:xfrm>
-        <a:graphic>
-          <a:graphicData uri="http://schemas.openxmlformats.org/drawingml/2006/table">
-            <a:tbl>
-              <a:tblPr firstRow="1" bandRow="1">
-                <a:tableStyleId>{5C22544A-7EE6-4342-B048-85BDC9FD1C3A}</a:tableStyleId>
-              </a:tblPr>
-              <a:tblGrid>
-                <a:gridCol w="2063552"/>
-                <a:gridCol w="2487717"/>
-                <a:gridCol w="1126020"/>
-                <a:gridCol w="1322419"/>
-              </a:tblGrid>
-              <a:tr h="370840">
-                <a:tc>
-                  <a:txBody>
-                    <a:bodyPr/>
-                    <a:lstStyle/>
-                    <a:p>
-                      <a:pPr algn="ctr"/>
-                      <a:r>
-                        <a:rPr lang="zh-CN" altLang="en-US" dirty="0" smtClean="0"/>
-                        <a:t>日期</a:t>
-                      </a:r>
-                      <a:r>
-                        <a:rPr lang="en-US" altLang="zh-CN" dirty="0" smtClean="0"/>
-                        <a:t>(2019</a:t>
-                      </a:r>
-                      <a:r>
-                        <a:rPr lang="zh-CN" altLang="en-US" dirty="0" smtClean="0"/>
-                        <a:t>年</a:t>
-                      </a:r>
-                      <a:r>
-                        <a:rPr lang="en-US" altLang="zh-CN" dirty="0" smtClean="0"/>
-                        <a:t>6</a:t>
-                      </a:r>
-                      <a:r>
-                        <a:rPr lang="zh-CN" altLang="en-US" dirty="0" smtClean="0"/>
-                        <a:t>月</a:t>
-                      </a:r>
-                      <a:r>
-                        <a:rPr lang="en-US" altLang="zh-CN" dirty="0" smtClean="0"/>
-                        <a:t>)</a:t>
-                      </a:r>
-                      <a:endParaRPr lang="zh-CN" altLang="en-US" dirty="0"/>
-                    </a:p>
-                  </a:txBody>
-                  <a:tcPr/>
-                </a:tc>
-                <a:tc>
-                  <a:txBody>
-                    <a:bodyPr/>
-                    <a:lstStyle/>
-                    <a:p>
-                      <a:pPr algn="ctr"/>
-                      <a:r>
-                        <a:rPr lang="zh-CN" altLang="en-US" dirty="0" smtClean="0"/>
-                        <a:t>活动</a:t>
-                      </a:r>
-                      <a:endParaRPr lang="zh-CN" altLang="en-US" dirty="0"/>
-                    </a:p>
-                  </a:txBody>
-                  <a:tcPr/>
-                </a:tc>
-                <a:tc>
-                  <a:txBody>
-                    <a:bodyPr/>
-                    <a:lstStyle/>
-                    <a:p>
-                      <a:pPr algn="ctr"/>
-                      <a:r>
-                        <a:rPr lang="zh-CN" altLang="en-US" dirty="0" smtClean="0"/>
-                        <a:t>分组</a:t>
-                      </a:r>
-                      <a:endParaRPr lang="zh-CN" altLang="en-US" dirty="0"/>
-                    </a:p>
-                  </a:txBody>
-                  <a:tcPr/>
-                </a:tc>
-                <a:tc>
-                  <a:txBody>
-                    <a:bodyPr/>
-                    <a:lstStyle/>
-                    <a:p>
-                      <a:pPr algn="ctr"/>
-                      <a:r>
-                        <a:rPr lang="zh-CN" altLang="en-US" dirty="0" smtClean="0"/>
-                        <a:t>负责人</a:t>
-                      </a:r>
-                      <a:endParaRPr lang="zh-CN" altLang="en-US" dirty="0"/>
-                    </a:p>
-                  </a:txBody>
-                  <a:tcPr/>
-                </a:tc>
-              </a:tr>
-              <a:tr h="370840">
-                <a:tc>
-                  <a:txBody>
-                    <a:bodyPr/>
-                    <a:lstStyle/>
-                    <a:p>
-                      <a:r>
-                        <a:rPr lang="en-US" altLang="zh-CN" dirty="0" smtClean="0"/>
-                        <a:t>.1</a:t>
-                      </a:r>
-                      <a:endParaRPr lang="zh-CN" altLang="en-US" dirty="0"/>
-                    </a:p>
-                  </a:txBody>
-                  <a:tcPr/>
-                </a:tc>
-                <a:tc>
-                  <a:txBody>
-                    <a:bodyPr/>
-                    <a:lstStyle/>
-                    <a:p>
-                      <a:r>
-                        <a:rPr lang="zh-CN" altLang="en-US" dirty="0" smtClean="0"/>
-                        <a:t>提议</a:t>
-                      </a:r>
-                      <a:r>
-                        <a:rPr lang="en-US" altLang="zh-CN" dirty="0" smtClean="0"/>
-                        <a:t>/</a:t>
-                      </a:r>
-                      <a:r>
-                        <a:rPr lang="zh-CN" altLang="en-US" dirty="0" smtClean="0"/>
-                        <a:t>发起</a:t>
-                      </a:r>
-                      <a:endParaRPr lang="zh-CN" altLang="en-US" dirty="0"/>
-                    </a:p>
-                  </a:txBody>
-                  <a:tcPr/>
-                </a:tc>
-                <a:tc>
-                  <a:txBody>
-                    <a:bodyPr/>
-                    <a:lstStyle/>
-                    <a:p>
-                      <a:r>
-                        <a:rPr lang="en-US" altLang="zh-CN" sz="1800" kern="1200" dirty="0" smtClean="0">
-                          <a:solidFill>
-                            <a:schemeClr val="dk1"/>
-                          </a:solidFill>
-                          <a:effectLst/>
-                          <a:latin typeface="+mn-lt"/>
-                          <a:ea typeface="+mn-ea"/>
-                          <a:cs typeface="+mn-cs"/>
-                        </a:rPr>
-                        <a:t>A</a:t>
-                      </a:r>
-                      <a:r>
-                        <a:rPr lang="zh-CN" altLang="zh-CN" sz="1800" kern="1200" dirty="0" smtClean="0">
-                          <a:solidFill>
-                            <a:schemeClr val="dk1"/>
-                          </a:solidFill>
-                          <a:effectLst/>
-                          <a:latin typeface="+mn-lt"/>
-                          <a:ea typeface="+mn-ea"/>
-                          <a:cs typeface="+mn-cs"/>
-                        </a:rPr>
-                        <a:t>组</a:t>
-                      </a:r>
-                      <a:r>
-                        <a:rPr lang="zh-CN" altLang="zh-CN" dirty="0" smtClean="0">
-                          <a:effectLst/>
-                        </a:rPr>
-                        <a:t> </a:t>
-                      </a:r>
-                      <a:endParaRPr lang="zh-CN" altLang="en-US" dirty="0"/>
-                    </a:p>
-                  </a:txBody>
-                  <a:tcPr/>
-                </a:tc>
-                <a:tc>
-                  <a:txBody>
-                    <a:bodyPr/>
-                    <a:lstStyle/>
-                    <a:p>
-                      <a:r>
-                        <a:rPr lang="zh-CN" altLang="en-US" dirty="0" smtClean="0"/>
-                        <a:t>小</a:t>
-                      </a:r>
-                      <a:r>
-                        <a:rPr lang="en-US" altLang="zh-CN" dirty="0" smtClean="0"/>
-                        <a:t>A</a:t>
-                      </a:r>
-                      <a:endParaRPr lang="zh-CN" altLang="en-US" dirty="0"/>
-                    </a:p>
-                  </a:txBody>
-                  <a:tcPr/>
-                </a:tc>
-              </a:tr>
-              <a:tr h="370840">
-                <a:tc>
-                  <a:txBody>
-                    <a:bodyPr/>
-                    <a:lstStyle/>
-                    <a:p>
-                      <a:r>
-                        <a:rPr lang="en-US" altLang="zh-CN" sz="1800" kern="1200" dirty="0" smtClean="0">
-                          <a:solidFill>
-                            <a:schemeClr val="dk1"/>
-                          </a:solidFill>
-                          <a:effectLst/>
-                          <a:latin typeface="+mn-lt"/>
-                          <a:ea typeface="+mn-ea"/>
-                          <a:cs typeface="+mn-cs"/>
-                        </a:rPr>
-                        <a:t>.1-.7</a:t>
-                      </a:r>
-                      <a:r>
-                        <a:rPr lang="zh-CN" altLang="zh-CN" dirty="0" smtClean="0">
-                          <a:effectLst/>
-                        </a:rPr>
-                        <a:t> </a:t>
-                      </a:r>
-                      <a:endParaRPr lang="zh-CN" altLang="en-US" dirty="0"/>
-                    </a:p>
-                  </a:txBody>
-                  <a:tcPr/>
-                </a:tc>
-                <a:tc>
-                  <a:txBody>
-                    <a:bodyPr/>
-                    <a:lstStyle/>
-                    <a:p>
-                      <a:r>
-                        <a:rPr lang="zh-CN" altLang="zh-CN" sz="1800" kern="1200" dirty="0" smtClean="0">
-                          <a:solidFill>
-                            <a:schemeClr val="dk1"/>
-                          </a:solidFill>
-                          <a:effectLst/>
-                          <a:latin typeface="+mn-lt"/>
-                          <a:ea typeface="+mn-ea"/>
-                          <a:cs typeface="+mn-cs"/>
-                        </a:rPr>
-                        <a:t>统计人数及</a:t>
-                      </a:r>
-                      <a:r>
-                        <a:rPr lang="zh-CN" altLang="en-US" sz="1800" kern="1200" dirty="0" smtClean="0">
-                          <a:solidFill>
-                            <a:schemeClr val="dk1"/>
-                          </a:solidFill>
-                          <a:effectLst/>
-                          <a:latin typeface="+mn-lt"/>
-                          <a:ea typeface="+mn-ea"/>
-                          <a:cs typeface="+mn-cs"/>
-                        </a:rPr>
-                        <a:t>变</a:t>
-                      </a:r>
-                      <a:r>
-                        <a:rPr lang="zh-CN" altLang="zh-CN" sz="1800" kern="1200" dirty="0" smtClean="0">
-                          <a:solidFill>
-                            <a:schemeClr val="dk1"/>
-                          </a:solidFill>
-                          <a:effectLst/>
-                          <a:latin typeface="+mn-lt"/>
-                          <a:ea typeface="+mn-ea"/>
-                          <a:cs typeface="+mn-cs"/>
-                        </a:rPr>
-                        <a:t>更</a:t>
-                      </a:r>
-                      <a:r>
-                        <a:rPr lang="zh-CN" altLang="zh-CN" dirty="0" smtClean="0">
-                          <a:effectLst/>
-                        </a:rPr>
-                        <a:t> </a:t>
-                      </a:r>
-                      <a:endParaRPr lang="zh-CN" altLang="en-US" dirty="0"/>
-                    </a:p>
-                  </a:txBody>
-                  <a:tcPr/>
-                </a:tc>
-                <a:tc>
-                  <a:txBody>
-                    <a:bodyPr/>
-                    <a:lstStyle/>
-                    <a:p>
-                      <a:r>
-                        <a:rPr lang="zh-CN" altLang="zh-CN" sz="1800" kern="1200" dirty="0" smtClean="0">
-                          <a:solidFill>
-                            <a:schemeClr val="dk1"/>
-                          </a:solidFill>
-                          <a:effectLst/>
-                          <a:latin typeface="+mn-lt"/>
-                          <a:ea typeface="+mn-ea"/>
-                          <a:cs typeface="+mn-cs"/>
-                        </a:rPr>
-                        <a:t>筹备</a:t>
-                      </a:r>
-                      <a:r>
-                        <a:rPr lang="en-US" altLang="zh-CN" sz="1800" kern="1200" dirty="0" smtClean="0">
-                          <a:solidFill>
-                            <a:schemeClr val="dk1"/>
-                          </a:solidFill>
-                          <a:effectLst/>
-                          <a:latin typeface="+mn-lt"/>
-                          <a:ea typeface="+mn-ea"/>
-                          <a:cs typeface="+mn-cs"/>
-                        </a:rPr>
-                        <a:t>1</a:t>
-                      </a:r>
-                      <a:r>
-                        <a:rPr lang="zh-CN" altLang="zh-CN" sz="1800" kern="1200" dirty="0" smtClean="0">
-                          <a:solidFill>
-                            <a:schemeClr val="dk1"/>
-                          </a:solidFill>
-                          <a:effectLst/>
-                          <a:latin typeface="+mn-lt"/>
-                          <a:ea typeface="+mn-ea"/>
-                          <a:cs typeface="+mn-cs"/>
-                        </a:rPr>
-                        <a:t>组</a:t>
-                      </a:r>
-                      <a:r>
-                        <a:rPr lang="zh-CN" altLang="zh-CN" dirty="0" smtClean="0">
-                          <a:effectLst/>
-                        </a:rPr>
-                        <a:t> </a:t>
-                      </a:r>
-                      <a:endParaRPr lang="zh-CN" altLang="en-US" dirty="0"/>
-                    </a:p>
-                  </a:txBody>
-                  <a:tcPr/>
-                </a:tc>
-                <a:tc>
-                  <a:txBody>
-                    <a:bodyPr/>
-                    <a:lstStyle/>
-                    <a:p>
-                      <a:r>
-                        <a:rPr lang="zh-CN" altLang="en-US" dirty="0" smtClean="0"/>
-                        <a:t>小</a:t>
-                      </a:r>
-                      <a:r>
-                        <a:rPr lang="en-US" altLang="zh-CN" dirty="0" smtClean="0"/>
-                        <a:t>R</a:t>
-                      </a:r>
-                      <a:endParaRPr lang="zh-CN" altLang="en-US" dirty="0"/>
-                    </a:p>
-                  </a:txBody>
-                  <a:tcPr/>
-                </a:tc>
-              </a:tr>
-              <a:tr h="370840">
-                <a:tc>
-                  <a:txBody>
-                    <a:bodyPr/>
-                    <a:lstStyle/>
-                    <a:p>
-                      <a:pPr marL="0" marR="0" indent="0" algn="l" defTabSz="914400" rtl="0" eaLnBrk="1" fontAlgn="auto" latinLnBrk="0" hangingPunct="1">
-                        <a:lnSpc>
-                          <a:spcPct val="100000"/>
-                        </a:lnSpc>
-                        <a:spcBef>
-                          <a:spcPts val="0"/>
-                        </a:spcBef>
-                        <a:spcAft>
-                          <a:spcPts val="0"/>
-                        </a:spcAft>
-                        <a:buClrTx/>
-                        <a:buSzTx/>
-                        <a:buFontTx/>
-                        <a:buNone/>
-                        <a:tabLst/>
-                        <a:defRPr/>
-                      </a:pPr>
-                      <a:r>
-                        <a:rPr lang="en-US" altLang="zh-CN" sz="1800" kern="1200" dirty="0" smtClean="0">
-                          <a:solidFill>
-                            <a:schemeClr val="dk1"/>
-                          </a:solidFill>
-                          <a:effectLst/>
-                          <a:latin typeface="+mn-lt"/>
-                          <a:ea typeface="+mn-ea"/>
-                          <a:cs typeface="+mn-cs"/>
-                        </a:rPr>
-                        <a:t>.1-.7</a:t>
-                      </a:r>
-                      <a:r>
-                        <a:rPr lang="zh-CN" altLang="zh-CN" dirty="0" smtClean="0">
-                          <a:effectLst/>
-                        </a:rPr>
-                        <a:t> </a:t>
-                      </a:r>
-                      <a:endParaRPr lang="zh-CN" altLang="en-US" dirty="0" smtClean="0"/>
-                    </a:p>
-                  </a:txBody>
-                  <a:tcPr/>
-                </a:tc>
-                <a:tc>
-                  <a:txBody>
-                    <a:bodyPr/>
-                    <a:lstStyle/>
-                    <a:p>
-                      <a:r>
-                        <a:rPr lang="zh-CN" altLang="zh-CN" sz="1800" kern="1200" dirty="0" smtClean="0">
-                          <a:solidFill>
-                            <a:schemeClr val="dk1"/>
-                          </a:solidFill>
-                          <a:effectLst/>
-                          <a:latin typeface="+mn-lt"/>
-                          <a:ea typeface="+mn-ea"/>
-                          <a:cs typeface="+mn-cs"/>
-                        </a:rPr>
-                        <a:t>时间地点商议</a:t>
-                      </a:r>
-                      <a:r>
-                        <a:rPr lang="zh-CN" altLang="en-US" sz="1800" kern="1200" dirty="0" smtClean="0">
-                          <a:solidFill>
-                            <a:schemeClr val="dk1"/>
-                          </a:solidFill>
-                          <a:effectLst/>
-                          <a:latin typeface="+mn-lt"/>
-                          <a:ea typeface="+mn-ea"/>
-                          <a:cs typeface="+mn-cs"/>
-                        </a:rPr>
-                        <a:t>、</a:t>
-                      </a:r>
-                      <a:r>
-                        <a:rPr lang="zh-CN" altLang="zh-CN" sz="1800" kern="1200" dirty="0" smtClean="0">
-                          <a:solidFill>
-                            <a:schemeClr val="dk1"/>
-                          </a:solidFill>
-                          <a:effectLst/>
-                          <a:latin typeface="+mn-lt"/>
-                          <a:ea typeface="+mn-ea"/>
-                          <a:cs typeface="+mn-cs"/>
-                        </a:rPr>
-                        <a:t>预定</a:t>
-                      </a:r>
-                      <a:r>
-                        <a:rPr lang="zh-CN" altLang="zh-CN" dirty="0" smtClean="0">
-                          <a:effectLst/>
-                        </a:rPr>
-                        <a:t> </a:t>
-                      </a:r>
-                      <a:endParaRPr lang="zh-CN" altLang="en-US" dirty="0"/>
-                    </a:p>
-                  </a:txBody>
-                  <a:tcPr/>
-                </a:tc>
-                <a:tc>
-                  <a:txBody>
-                    <a:bodyPr/>
-                    <a:lstStyle/>
-                    <a:p>
-                      <a:pPr marL="0" marR="0" indent="0" algn="l" defTabSz="914400" rtl="0" eaLnBrk="1" fontAlgn="auto" latinLnBrk="0" hangingPunct="1">
-                        <a:lnSpc>
-                          <a:spcPct val="100000"/>
-                        </a:lnSpc>
-                        <a:spcBef>
-                          <a:spcPts val="0"/>
-                        </a:spcBef>
-                        <a:spcAft>
-                          <a:spcPts val="0"/>
-                        </a:spcAft>
-                        <a:buClrTx/>
-                        <a:buSzTx/>
-                        <a:buFontTx/>
-                        <a:buNone/>
-                        <a:tabLst/>
-                        <a:defRPr/>
-                      </a:pPr>
-                      <a:r>
-                        <a:rPr lang="zh-CN" altLang="zh-CN" sz="1800" kern="1200" dirty="0" smtClean="0">
-                          <a:solidFill>
-                            <a:schemeClr val="dk1"/>
-                          </a:solidFill>
-                          <a:effectLst/>
-                          <a:latin typeface="+mn-lt"/>
-                          <a:ea typeface="+mn-ea"/>
-                          <a:cs typeface="+mn-cs"/>
-                        </a:rPr>
-                        <a:t>筹备2</a:t>
-                      </a:r>
-                      <a:r>
-                        <a:rPr lang="zh-CN" altLang="en-US" sz="1800" kern="1200" dirty="0" smtClean="0">
-                          <a:solidFill>
-                            <a:schemeClr val="dk1"/>
-                          </a:solidFill>
-                          <a:effectLst/>
-                          <a:latin typeface="+mn-lt"/>
-                          <a:ea typeface="+mn-ea"/>
-                          <a:cs typeface="+mn-cs"/>
-                        </a:rPr>
-                        <a:t>组</a:t>
-                      </a:r>
-                      <a:r>
-                        <a:rPr lang="zh-CN" altLang="zh-CN" dirty="0" smtClean="0">
-                          <a:effectLst/>
-                        </a:rPr>
-                        <a:t> </a:t>
-                      </a:r>
-                      <a:endParaRPr lang="zh-CN" altLang="en-US" dirty="0" smtClean="0"/>
-                    </a:p>
-                  </a:txBody>
-                  <a:tcPr/>
-                </a:tc>
-                <a:tc>
-                  <a:txBody>
-                    <a:bodyPr/>
-                    <a:lstStyle/>
-                    <a:p>
-                      <a:pPr marL="0" marR="0" indent="0" algn="l" defTabSz="914400" rtl="0" eaLnBrk="1" fontAlgn="auto" latinLnBrk="0" hangingPunct="1">
-                        <a:lnSpc>
-                          <a:spcPct val="100000"/>
-                        </a:lnSpc>
-                        <a:spcBef>
-                          <a:spcPts val="0"/>
-                        </a:spcBef>
-                        <a:spcAft>
-                          <a:spcPts val="0"/>
-                        </a:spcAft>
-                        <a:buClrTx/>
-                        <a:buSzTx/>
-                        <a:buFontTx/>
-                        <a:buNone/>
-                        <a:tabLst/>
-                        <a:defRPr/>
-                      </a:pPr>
-                      <a:r>
-                        <a:rPr lang="zh-CN" altLang="en-US" dirty="0" smtClean="0"/>
-                        <a:t>小</a:t>
-                      </a:r>
-                      <a:r>
-                        <a:rPr lang="zh-CN" altLang="zh-CN" dirty="0" smtClean="0"/>
-                        <a:t>T</a:t>
-                      </a:r>
-                      <a:endParaRPr lang="zh-CN" altLang="en-US" dirty="0" smtClean="0"/>
-                    </a:p>
-                  </a:txBody>
-                  <a:tcPr/>
-                </a:tc>
-              </a:tr>
-              <a:tr h="370840">
-                <a:tc>
-                  <a:txBody>
-                    <a:bodyPr/>
-                    <a:lstStyle/>
-                    <a:p>
-                      <a:pPr marL="0" marR="0" indent="0" algn="l" defTabSz="914400" rtl="0" eaLnBrk="1" fontAlgn="auto" latinLnBrk="0" hangingPunct="1">
-                        <a:lnSpc>
-                          <a:spcPct val="100000"/>
-                        </a:lnSpc>
-                        <a:spcBef>
-                          <a:spcPts val="0"/>
-                        </a:spcBef>
-                        <a:spcAft>
-                          <a:spcPts val="0"/>
-                        </a:spcAft>
-                        <a:buClrTx/>
-                        <a:buSzTx/>
-                        <a:buFontTx/>
-                        <a:buNone/>
-                        <a:tabLst/>
-                        <a:defRPr/>
-                      </a:pPr>
-                      <a:r>
-                        <a:rPr lang="en-US" altLang="zh-CN" sz="1800" kern="1200" dirty="0" smtClean="0">
-                          <a:solidFill>
-                            <a:schemeClr val="dk1"/>
-                          </a:solidFill>
-                          <a:effectLst/>
-                          <a:latin typeface="+mn-lt"/>
-                          <a:ea typeface="+mn-ea"/>
-                          <a:cs typeface="+mn-cs"/>
-                        </a:rPr>
-                        <a:t>.1-.7</a:t>
-                      </a:r>
-                      <a:r>
-                        <a:rPr lang="zh-CN" altLang="zh-CN" dirty="0" smtClean="0">
-                          <a:effectLst/>
-                        </a:rPr>
-                        <a:t> </a:t>
-                      </a:r>
-                      <a:endParaRPr lang="zh-CN" altLang="en-US" dirty="0" smtClean="0"/>
-                    </a:p>
-                  </a:txBody>
-                  <a:tcPr/>
-                </a:tc>
-                <a:tc>
-                  <a:txBody>
-                    <a:bodyPr/>
-                    <a:lstStyle/>
-                    <a:p>
-                      <a:r>
-                        <a:rPr lang="zh-CN" altLang="zh-CN" sz="1800" kern="1200" dirty="0" smtClean="0">
-                          <a:solidFill>
-                            <a:schemeClr val="dk1"/>
-                          </a:solidFill>
-                          <a:effectLst/>
-                          <a:latin typeface="+mn-lt"/>
-                          <a:ea typeface="+mn-ea"/>
-                          <a:cs typeface="+mn-cs"/>
-                        </a:rPr>
-                        <a:t>菜谱的商议拟定</a:t>
-                      </a:r>
-                      <a:r>
-                        <a:rPr lang="zh-CN" altLang="zh-CN" dirty="0" smtClean="0">
-                          <a:effectLst/>
-                        </a:rPr>
-                        <a:t> </a:t>
-                      </a:r>
-                      <a:endParaRPr lang="zh-CN" altLang="en-US" dirty="0"/>
-                    </a:p>
-                  </a:txBody>
-                  <a:tcPr/>
-                </a:tc>
-                <a:tc>
-                  <a:txBody>
-                    <a:bodyPr/>
-                    <a:lstStyle/>
-                    <a:p>
-                      <a:pPr marL="0" marR="0" indent="0" algn="l" defTabSz="914400" rtl="0" eaLnBrk="1" fontAlgn="auto" latinLnBrk="0" hangingPunct="1">
-                        <a:lnSpc>
-                          <a:spcPct val="100000"/>
-                        </a:lnSpc>
-                        <a:spcBef>
-                          <a:spcPts val="0"/>
-                        </a:spcBef>
-                        <a:spcAft>
-                          <a:spcPts val="0"/>
-                        </a:spcAft>
-                        <a:buClrTx/>
-                        <a:buSzTx/>
-                        <a:buFontTx/>
-                        <a:buNone/>
-                        <a:tabLst/>
-                        <a:defRPr/>
-                      </a:pPr>
-                      <a:r>
-                        <a:rPr lang="zh-CN" altLang="zh-CN" sz="1800" kern="1200" dirty="0" smtClean="0">
-                          <a:solidFill>
-                            <a:schemeClr val="dk1"/>
-                          </a:solidFill>
-                          <a:effectLst/>
-                          <a:latin typeface="+mn-lt"/>
-                          <a:ea typeface="+mn-ea"/>
-                          <a:cs typeface="+mn-cs"/>
-                        </a:rPr>
-                        <a:t>筹备</a:t>
-                      </a:r>
-                      <a:r>
-                        <a:rPr lang="en-US" altLang="zh-CN" sz="1800" kern="1200" dirty="0" smtClean="0">
-                          <a:solidFill>
-                            <a:schemeClr val="dk1"/>
-                          </a:solidFill>
-                          <a:effectLst/>
-                          <a:latin typeface="+mn-lt"/>
-                          <a:ea typeface="+mn-ea"/>
-                          <a:cs typeface="+mn-cs"/>
-                        </a:rPr>
-                        <a:t>3</a:t>
-                      </a:r>
-                      <a:r>
-                        <a:rPr lang="zh-CN" altLang="en-US" sz="1800" kern="1200" dirty="0" smtClean="0">
-                          <a:solidFill>
-                            <a:schemeClr val="dk1"/>
-                          </a:solidFill>
-                          <a:effectLst/>
-                          <a:latin typeface="+mn-lt"/>
-                          <a:ea typeface="+mn-ea"/>
-                          <a:cs typeface="+mn-cs"/>
-                        </a:rPr>
-                        <a:t>组</a:t>
-                      </a:r>
-                      <a:r>
-                        <a:rPr lang="zh-CN" altLang="zh-CN" dirty="0" smtClean="0">
-                          <a:effectLst/>
-                        </a:rPr>
-                        <a:t> </a:t>
-                      </a:r>
-                      <a:endParaRPr lang="zh-CN" altLang="en-US" dirty="0" smtClean="0"/>
-                    </a:p>
-                  </a:txBody>
-                  <a:tcPr/>
-                </a:tc>
-                <a:tc>
-                  <a:txBody>
-                    <a:bodyPr/>
-                    <a:lstStyle/>
-                    <a:p>
-                      <a:pPr marL="0" marR="0" indent="0" algn="l" defTabSz="914400" rtl="0" eaLnBrk="1" fontAlgn="auto" latinLnBrk="0" hangingPunct="1">
-                        <a:lnSpc>
-                          <a:spcPct val="100000"/>
-                        </a:lnSpc>
-                        <a:spcBef>
-                          <a:spcPts val="0"/>
-                        </a:spcBef>
-                        <a:spcAft>
-                          <a:spcPts val="0"/>
-                        </a:spcAft>
-                        <a:buClrTx/>
-                        <a:buSzTx/>
-                        <a:buFontTx/>
-                        <a:buNone/>
-                        <a:tabLst/>
-                        <a:defRPr/>
-                      </a:pPr>
-                      <a:r>
-                        <a:rPr lang="zh-CN" altLang="en-US" dirty="0" smtClean="0"/>
-                        <a:t>小</a:t>
-                      </a:r>
-                      <a:r>
-                        <a:rPr lang="zh-CN" altLang="zh-CN" dirty="0" smtClean="0"/>
-                        <a:t>C</a:t>
-                      </a:r>
-                      <a:endParaRPr lang="zh-CN" altLang="en-US" dirty="0" smtClean="0"/>
-                    </a:p>
-                  </a:txBody>
-                  <a:tcPr/>
-                </a:tc>
-              </a:tr>
-              <a:tr h="370840">
-                <a:tc>
-                  <a:txBody>
-                    <a:bodyPr/>
-                    <a:lstStyle/>
-                    <a:p>
-                      <a:pPr marL="0" marR="0" indent="0" algn="l" defTabSz="914400" rtl="0" eaLnBrk="1" fontAlgn="auto" latinLnBrk="0" hangingPunct="1">
-                        <a:lnSpc>
-                          <a:spcPct val="100000"/>
-                        </a:lnSpc>
-                        <a:spcBef>
-                          <a:spcPts val="0"/>
-                        </a:spcBef>
-                        <a:spcAft>
-                          <a:spcPts val="0"/>
-                        </a:spcAft>
-                        <a:buClrTx/>
-                        <a:buSzTx/>
-                        <a:buFontTx/>
-                        <a:buNone/>
-                        <a:tabLst/>
-                        <a:defRPr/>
-                      </a:pPr>
-                      <a:r>
-                        <a:rPr lang="en-US" altLang="zh-CN" sz="1800" kern="1200" dirty="0" smtClean="0">
-                          <a:solidFill>
-                            <a:schemeClr val="dk1"/>
-                          </a:solidFill>
-                          <a:effectLst/>
-                          <a:latin typeface="+mn-lt"/>
-                          <a:ea typeface="+mn-ea"/>
-                          <a:cs typeface="+mn-cs"/>
-                        </a:rPr>
-                        <a:t>.8</a:t>
-                      </a:r>
-                      <a:r>
-                        <a:rPr lang="zh-CN" altLang="en-US" sz="1800" kern="1200" baseline="0" dirty="0" smtClean="0">
-                          <a:solidFill>
-                            <a:schemeClr val="dk1"/>
-                          </a:solidFill>
-                          <a:effectLst/>
-                          <a:latin typeface="+mn-lt"/>
-                          <a:ea typeface="+mn-ea"/>
-                          <a:cs typeface="+mn-cs"/>
-                        </a:rPr>
-                        <a:t>日下午</a:t>
-                      </a:r>
-                      <a:r>
-                        <a:rPr lang="en-US" altLang="zh-CN" sz="1800" kern="1200" baseline="0" dirty="0" smtClean="0">
-                          <a:solidFill>
-                            <a:schemeClr val="dk1"/>
-                          </a:solidFill>
-                          <a:effectLst/>
-                          <a:latin typeface="+mn-lt"/>
-                          <a:ea typeface="+mn-ea"/>
-                          <a:cs typeface="+mn-cs"/>
-                        </a:rPr>
-                        <a:t>2</a:t>
-                      </a:r>
-                      <a:r>
-                        <a:rPr lang="zh-CN" altLang="en-US" sz="1800" kern="1200" baseline="0" dirty="0" smtClean="0">
-                          <a:solidFill>
-                            <a:schemeClr val="dk1"/>
-                          </a:solidFill>
-                          <a:effectLst/>
-                          <a:latin typeface="+mn-lt"/>
-                          <a:ea typeface="+mn-ea"/>
-                          <a:cs typeface="+mn-cs"/>
-                        </a:rPr>
-                        <a:t>点</a:t>
-                      </a:r>
-                      <a:r>
-                        <a:rPr lang="en-US" altLang="zh-CN" sz="1800" kern="1200" dirty="0" smtClean="0">
-                          <a:solidFill>
-                            <a:schemeClr val="dk1"/>
-                          </a:solidFill>
-                          <a:effectLst/>
-                          <a:latin typeface="+mn-lt"/>
-                          <a:ea typeface="+mn-ea"/>
-                          <a:cs typeface="+mn-cs"/>
-                        </a:rPr>
-                        <a:t>-5</a:t>
-                      </a:r>
-                      <a:r>
-                        <a:rPr lang="zh-CN" altLang="en-US" sz="1800" kern="1200" dirty="0" smtClean="0">
-                          <a:solidFill>
-                            <a:schemeClr val="dk1"/>
-                          </a:solidFill>
-                          <a:effectLst/>
-                          <a:latin typeface="+mn-lt"/>
-                          <a:ea typeface="+mn-ea"/>
-                          <a:cs typeface="+mn-cs"/>
-                        </a:rPr>
-                        <a:t>点</a:t>
-                      </a:r>
-                      <a:endParaRPr lang="zh-CN" altLang="en-US" dirty="0" smtClean="0"/>
-                    </a:p>
-                  </a:txBody>
-                  <a:tcPr/>
-                </a:tc>
-                <a:tc>
-                  <a:txBody>
-                    <a:bodyPr/>
-                    <a:lstStyle/>
-                    <a:p>
-                      <a:r>
-                        <a:rPr lang="zh-CN" altLang="zh-CN" sz="1800" kern="1200" dirty="0" smtClean="0">
-                          <a:solidFill>
-                            <a:schemeClr val="dk1"/>
-                          </a:solidFill>
-                          <a:effectLst/>
-                          <a:latin typeface="+mn-lt"/>
-                          <a:ea typeface="+mn-ea"/>
-                          <a:cs typeface="+mn-cs"/>
-                        </a:rPr>
-                        <a:t>采购食材</a:t>
-                      </a:r>
-                      <a:endParaRPr lang="zh-CN" altLang="en-US" dirty="0"/>
-                    </a:p>
-                  </a:txBody>
-                  <a:tcPr/>
-                </a:tc>
-                <a:tc>
-                  <a:txBody>
-                    <a:bodyPr/>
-                    <a:lstStyle/>
-                    <a:p>
-                      <a:pPr marL="0" marR="0" indent="0" algn="l" defTabSz="914400" rtl="0" eaLnBrk="1" fontAlgn="auto" latinLnBrk="0" hangingPunct="1">
-                        <a:lnSpc>
-                          <a:spcPct val="100000"/>
-                        </a:lnSpc>
-                        <a:spcBef>
-                          <a:spcPts val="0"/>
-                        </a:spcBef>
-                        <a:spcAft>
-                          <a:spcPts val="0"/>
-                        </a:spcAft>
-                        <a:buClrTx/>
-                        <a:buSzTx/>
-                        <a:buFontTx/>
-                        <a:buNone/>
-                        <a:tabLst/>
-                        <a:defRPr/>
-                      </a:pPr>
-                      <a:r>
-                        <a:rPr lang="zh-CN" altLang="zh-CN" sz="1800" kern="1200" dirty="0" smtClean="0">
-                          <a:solidFill>
-                            <a:schemeClr val="dk1"/>
-                          </a:solidFill>
-                          <a:effectLst/>
-                          <a:latin typeface="+mn-lt"/>
-                          <a:ea typeface="+mn-ea"/>
-                          <a:cs typeface="+mn-cs"/>
-                        </a:rPr>
-                        <a:t>采购组</a:t>
-                      </a:r>
-                      <a:r>
-                        <a:rPr lang="zh-CN" altLang="zh-CN" dirty="0" smtClean="0">
-                          <a:effectLst/>
-                        </a:rPr>
-                        <a:t> </a:t>
-                      </a:r>
-                      <a:endParaRPr lang="zh-CN" altLang="en-US" dirty="0" smtClean="0"/>
-                    </a:p>
-                  </a:txBody>
-                  <a:tcPr/>
-                </a:tc>
-                <a:tc>
-                  <a:txBody>
-                    <a:bodyPr/>
-                    <a:lstStyle/>
-                    <a:p>
-                      <a:pPr marL="0" marR="0" indent="0" algn="l" defTabSz="914400" rtl="0" eaLnBrk="1" fontAlgn="auto" latinLnBrk="0" hangingPunct="1">
-                        <a:lnSpc>
-                          <a:spcPct val="100000"/>
-                        </a:lnSpc>
-                        <a:spcBef>
-                          <a:spcPts val="0"/>
-                        </a:spcBef>
-                        <a:spcAft>
-                          <a:spcPts val="0"/>
-                        </a:spcAft>
-                        <a:buClrTx/>
-                        <a:buSzTx/>
-                        <a:buFontTx/>
-                        <a:buNone/>
-                        <a:tabLst/>
-                        <a:defRPr/>
-                      </a:pPr>
-                      <a:r>
-                        <a:rPr lang="zh-CN" altLang="en-US" dirty="0" smtClean="0"/>
-                        <a:t>小</a:t>
-                      </a:r>
-                      <a:r>
-                        <a:rPr lang="zh-CN" altLang="zh-CN" dirty="0" smtClean="0"/>
-                        <a:t>M</a:t>
-                      </a:r>
-                      <a:endParaRPr lang="zh-CN" altLang="en-US" dirty="0" smtClean="0"/>
-                    </a:p>
-                  </a:txBody>
-                  <a:tcPr/>
-                </a:tc>
-              </a:tr>
-              <a:tr h="370840">
-                <a:tc>
-                  <a:txBody>
-                    <a:bodyPr/>
-                    <a:lstStyle/>
-                    <a:p>
-                      <a:pPr marL="0" marR="0" indent="0" algn="l" defTabSz="914400" rtl="0" eaLnBrk="1" fontAlgn="auto" latinLnBrk="0" hangingPunct="1">
-                        <a:lnSpc>
-                          <a:spcPct val="100000"/>
-                        </a:lnSpc>
-                        <a:spcBef>
-                          <a:spcPts val="0"/>
-                        </a:spcBef>
-                        <a:spcAft>
-                          <a:spcPts val="0"/>
-                        </a:spcAft>
-                        <a:buClrTx/>
-                        <a:buSzTx/>
-                        <a:buFontTx/>
-                        <a:buNone/>
-                        <a:tabLst/>
-                        <a:defRPr/>
-                      </a:pPr>
-                      <a:r>
-                        <a:rPr lang="en-US" altLang="zh-CN" sz="1800" kern="1200" dirty="0" smtClean="0">
-                          <a:solidFill>
-                            <a:schemeClr val="dk1"/>
-                          </a:solidFill>
-                          <a:effectLst/>
-                          <a:latin typeface="+mn-lt"/>
-                          <a:ea typeface="+mn-ea"/>
-                          <a:cs typeface="+mn-cs"/>
-                        </a:rPr>
-                        <a:t>.8</a:t>
-                      </a:r>
-                      <a:r>
-                        <a:rPr lang="zh-CN" altLang="en-US" sz="1800" kern="1200" baseline="0" dirty="0" smtClean="0">
-                          <a:solidFill>
-                            <a:schemeClr val="dk1"/>
-                          </a:solidFill>
-                          <a:effectLst/>
-                          <a:latin typeface="+mn-lt"/>
-                          <a:ea typeface="+mn-ea"/>
-                          <a:cs typeface="+mn-cs"/>
-                        </a:rPr>
-                        <a:t>日下午</a:t>
-                      </a:r>
-                      <a:r>
-                        <a:rPr lang="zh-CN" altLang="zh-CN" sz="1800" kern="1200" baseline="0" dirty="0" smtClean="0">
-                          <a:solidFill>
-                            <a:schemeClr val="dk1"/>
-                          </a:solidFill>
-                          <a:effectLst/>
-                          <a:latin typeface="+mn-lt"/>
-                          <a:ea typeface="+mn-ea"/>
-                          <a:cs typeface="+mn-cs"/>
-                        </a:rPr>
-                        <a:t>4</a:t>
-                      </a:r>
-                      <a:r>
-                        <a:rPr lang="zh-CN" altLang="en-US" sz="1800" kern="1200" baseline="0" dirty="0" smtClean="0">
-                          <a:solidFill>
-                            <a:schemeClr val="dk1"/>
-                          </a:solidFill>
-                          <a:effectLst/>
-                          <a:latin typeface="+mn-lt"/>
-                          <a:ea typeface="+mn-ea"/>
-                          <a:cs typeface="+mn-cs"/>
-                        </a:rPr>
-                        <a:t>点</a:t>
-                      </a:r>
-                      <a:r>
-                        <a:rPr lang="en-US" altLang="zh-CN" sz="1800" kern="1200" dirty="0" smtClean="0">
-                          <a:solidFill>
-                            <a:schemeClr val="dk1"/>
-                          </a:solidFill>
-                          <a:effectLst/>
-                          <a:latin typeface="+mn-lt"/>
-                          <a:ea typeface="+mn-ea"/>
-                          <a:cs typeface="+mn-cs"/>
-                        </a:rPr>
-                        <a:t>-6</a:t>
-                      </a:r>
-                      <a:r>
-                        <a:rPr lang="zh-CN" altLang="en-US" sz="1800" kern="1200" dirty="0" smtClean="0">
-                          <a:solidFill>
-                            <a:schemeClr val="dk1"/>
-                          </a:solidFill>
-                          <a:effectLst/>
-                          <a:latin typeface="+mn-lt"/>
-                          <a:ea typeface="+mn-ea"/>
-                          <a:cs typeface="+mn-cs"/>
-                        </a:rPr>
-                        <a:t>点</a:t>
-                      </a:r>
-                      <a:endParaRPr lang="zh-CN" altLang="en-US" dirty="0" smtClean="0"/>
-                    </a:p>
-                  </a:txBody>
-                  <a:tcPr/>
-                </a:tc>
-                <a:tc>
-                  <a:txBody>
-                    <a:bodyPr/>
-                    <a:lstStyle/>
-                    <a:p>
-                      <a:r>
-                        <a:rPr lang="zh-CN" altLang="en-US" dirty="0" smtClean="0"/>
-                        <a:t>麻辣小龙虾等美食制作</a:t>
-                      </a:r>
-                      <a:endParaRPr lang="zh-CN" altLang="en-US" dirty="0"/>
-                    </a:p>
-                  </a:txBody>
-                  <a:tcPr/>
-                </a:tc>
-                <a:tc>
-                  <a:txBody>
-                    <a:bodyPr/>
-                    <a:lstStyle/>
-                    <a:p>
-                      <a:pPr marL="0" marR="0" indent="0" algn="l" defTabSz="914400" rtl="0" eaLnBrk="1" fontAlgn="auto" latinLnBrk="0" hangingPunct="1">
-                        <a:lnSpc>
-                          <a:spcPct val="100000"/>
-                        </a:lnSpc>
-                        <a:spcBef>
-                          <a:spcPts val="0"/>
-                        </a:spcBef>
-                        <a:spcAft>
-                          <a:spcPts val="0"/>
-                        </a:spcAft>
-                        <a:buClrTx/>
-                        <a:buSzTx/>
-                        <a:buFontTx/>
-                        <a:buNone/>
-                        <a:tabLst/>
-                        <a:defRPr/>
-                      </a:pPr>
-                      <a:r>
-                        <a:rPr lang="zh-CN" altLang="en-US" dirty="0" smtClean="0"/>
-                        <a:t>厨师组</a:t>
-                      </a:r>
-                    </a:p>
-                  </a:txBody>
-                  <a:tcPr/>
-                </a:tc>
-                <a:tc>
-                  <a:txBody>
-                    <a:bodyPr/>
-                    <a:lstStyle/>
-                    <a:p>
-                      <a:r>
-                        <a:rPr lang="zh-CN" altLang="en-US" dirty="0" smtClean="0"/>
-                        <a:t>小</a:t>
-                      </a:r>
-                      <a:r>
-                        <a:rPr lang="en-US" altLang="zh-CN" dirty="0" smtClean="0"/>
-                        <a:t>Z</a:t>
-                      </a:r>
-                      <a:endParaRPr lang="zh-CN" altLang="en-US" dirty="0"/>
-                    </a:p>
-                  </a:txBody>
-                  <a:tcPr/>
-                </a:tc>
-              </a:tr>
-              <a:tr h="370840">
-                <a:tc>
-                  <a:txBody>
-                    <a:bodyPr/>
-                    <a:lstStyle/>
-                    <a:p>
-                      <a:pPr marL="0" marR="0" indent="0" algn="l" defTabSz="914400" rtl="0" eaLnBrk="1" fontAlgn="auto" latinLnBrk="0" hangingPunct="1">
-                        <a:lnSpc>
-                          <a:spcPct val="100000"/>
-                        </a:lnSpc>
-                        <a:spcBef>
-                          <a:spcPts val="0"/>
-                        </a:spcBef>
-                        <a:spcAft>
-                          <a:spcPts val="0"/>
-                        </a:spcAft>
-                        <a:buClrTx/>
-                        <a:buSzTx/>
-                        <a:buFontTx/>
-                        <a:buNone/>
-                        <a:tabLst/>
-                        <a:defRPr/>
-                      </a:pPr>
-                      <a:r>
-                        <a:rPr lang="en-US" altLang="zh-CN" sz="1800" kern="1200" dirty="0" smtClean="0">
-                          <a:solidFill>
-                            <a:schemeClr val="dk1"/>
-                          </a:solidFill>
-                          <a:effectLst/>
-                          <a:latin typeface="+mn-lt"/>
-                          <a:ea typeface="+mn-ea"/>
-                          <a:cs typeface="+mn-cs"/>
-                        </a:rPr>
-                        <a:t>.8</a:t>
-                      </a:r>
-                      <a:r>
-                        <a:rPr lang="zh-CN" altLang="en-US" sz="1800" kern="1200" baseline="0" dirty="0" smtClean="0">
-                          <a:solidFill>
-                            <a:schemeClr val="dk1"/>
-                          </a:solidFill>
-                          <a:effectLst/>
-                          <a:latin typeface="+mn-lt"/>
-                          <a:ea typeface="+mn-ea"/>
-                          <a:cs typeface="+mn-cs"/>
-                        </a:rPr>
-                        <a:t>日下午</a:t>
-                      </a:r>
-                      <a:r>
-                        <a:rPr lang="zh-CN" altLang="zh-CN" sz="1800" kern="1200" baseline="0" dirty="0" smtClean="0">
-                          <a:solidFill>
-                            <a:schemeClr val="dk1"/>
-                          </a:solidFill>
-                          <a:effectLst/>
-                          <a:latin typeface="+mn-lt"/>
-                          <a:ea typeface="+mn-ea"/>
-                          <a:cs typeface="+mn-cs"/>
-                        </a:rPr>
-                        <a:t>6</a:t>
-                      </a:r>
-                      <a:r>
-                        <a:rPr lang="zh-CN" altLang="en-US" sz="1800" kern="1200" baseline="0" dirty="0" smtClean="0">
-                          <a:solidFill>
-                            <a:schemeClr val="dk1"/>
-                          </a:solidFill>
-                          <a:effectLst/>
-                          <a:latin typeface="+mn-lt"/>
-                          <a:ea typeface="+mn-ea"/>
-                          <a:cs typeface="+mn-cs"/>
-                        </a:rPr>
-                        <a:t>点</a:t>
-                      </a:r>
-                      <a:r>
-                        <a:rPr lang="en-US" altLang="zh-CN" sz="1800" kern="1200" dirty="0" smtClean="0">
-                          <a:solidFill>
-                            <a:schemeClr val="dk1"/>
-                          </a:solidFill>
-                          <a:effectLst/>
-                          <a:latin typeface="+mn-lt"/>
-                          <a:ea typeface="+mn-ea"/>
-                          <a:cs typeface="+mn-cs"/>
-                        </a:rPr>
-                        <a:t>-</a:t>
-                      </a:r>
-                      <a:r>
-                        <a:rPr lang="zh-CN" altLang="zh-CN" sz="1800" kern="1200" dirty="0" smtClean="0">
-                          <a:solidFill>
-                            <a:schemeClr val="dk1"/>
-                          </a:solidFill>
-                          <a:effectLst/>
-                          <a:latin typeface="+mn-lt"/>
-                          <a:ea typeface="+mn-ea"/>
-                          <a:cs typeface="+mn-cs"/>
-                        </a:rPr>
-                        <a:t>8</a:t>
-                      </a:r>
-                      <a:r>
-                        <a:rPr lang="zh-CN" altLang="en-US" sz="1800" kern="1200" dirty="0" smtClean="0">
-                          <a:solidFill>
-                            <a:schemeClr val="dk1"/>
-                          </a:solidFill>
-                          <a:effectLst/>
-                          <a:latin typeface="+mn-lt"/>
-                          <a:ea typeface="+mn-ea"/>
-                          <a:cs typeface="+mn-cs"/>
-                        </a:rPr>
-                        <a:t>点</a:t>
-                      </a:r>
-                      <a:endParaRPr lang="zh-CN" altLang="en-US" dirty="0" smtClean="0"/>
-                    </a:p>
-                  </a:txBody>
-                  <a:tcPr/>
-                </a:tc>
-                <a:tc>
-                  <a:txBody>
-                    <a:bodyPr/>
-                    <a:lstStyle/>
-                    <a:p>
-                      <a:r>
-                        <a:rPr lang="zh-CN" altLang="en-US" dirty="0" smtClean="0"/>
-                        <a:t>享用美食、谈天说地</a:t>
-                      </a:r>
-                      <a:endParaRPr lang="zh-CN" altLang="en-US" dirty="0"/>
-                    </a:p>
-                  </a:txBody>
-                  <a:tcPr/>
-                </a:tc>
-                <a:tc>
-                  <a:txBody>
-                    <a:bodyPr/>
-                    <a:lstStyle/>
-                    <a:p>
-                      <a:pPr marL="0" marR="0" indent="0" algn="l" defTabSz="914400" rtl="0" eaLnBrk="1" fontAlgn="auto" latinLnBrk="0" hangingPunct="1">
-                        <a:lnSpc>
-                          <a:spcPct val="100000"/>
-                        </a:lnSpc>
-                        <a:spcBef>
-                          <a:spcPts val="0"/>
-                        </a:spcBef>
-                        <a:spcAft>
-                          <a:spcPts val="0"/>
-                        </a:spcAft>
-                        <a:buClrTx/>
-                        <a:buSzTx/>
-                        <a:buFontTx/>
-                        <a:buNone/>
-                        <a:tabLst/>
-                        <a:defRPr/>
-                      </a:pPr>
-                      <a:r>
-                        <a:rPr lang="zh-CN" altLang="en-US" dirty="0" smtClean="0"/>
-                        <a:t>全部</a:t>
-                      </a:r>
-                    </a:p>
-                  </a:txBody>
-                  <a:tcPr/>
-                </a:tc>
-                <a:tc>
-                  <a:txBody>
-                    <a:bodyPr/>
-                    <a:lstStyle/>
-                    <a:p>
-                      <a:r>
-                        <a:rPr lang="en-US" altLang="zh-CN" dirty="0" smtClean="0"/>
-                        <a:t>leader</a:t>
-                      </a:r>
-                      <a:endParaRPr lang="zh-CN" altLang="en-US" dirty="0"/>
-                    </a:p>
-                  </a:txBody>
-                  <a:tcPr/>
-                </a:tc>
-              </a:tr>
-              <a:tr h="370840">
-                <a:tc>
-                  <a:txBody>
-                    <a:bodyPr/>
-                    <a:lstStyle/>
-                    <a:p>
-                      <a:pPr marL="0" marR="0" indent="0" algn="l" defTabSz="914400" rtl="0" eaLnBrk="1" fontAlgn="auto" latinLnBrk="0" hangingPunct="1">
-                        <a:lnSpc>
-                          <a:spcPct val="100000"/>
-                        </a:lnSpc>
-                        <a:spcBef>
-                          <a:spcPts val="0"/>
-                        </a:spcBef>
-                        <a:spcAft>
-                          <a:spcPts val="0"/>
-                        </a:spcAft>
-                        <a:buClrTx/>
-                        <a:buSzTx/>
-                        <a:buFontTx/>
-                        <a:buNone/>
-                        <a:tabLst/>
-                        <a:defRPr/>
-                      </a:pPr>
-                      <a:r>
-                        <a:rPr lang="en-US" altLang="zh-CN" sz="1800" kern="1200" dirty="0" smtClean="0">
-                          <a:solidFill>
-                            <a:schemeClr val="dk1"/>
-                          </a:solidFill>
-                          <a:effectLst/>
-                          <a:latin typeface="+mn-lt"/>
-                          <a:ea typeface="+mn-ea"/>
-                          <a:cs typeface="+mn-cs"/>
-                        </a:rPr>
-                        <a:t>.8</a:t>
-                      </a:r>
-                      <a:r>
-                        <a:rPr lang="zh-CN" altLang="en-US" sz="1800" kern="1200" baseline="0" dirty="0" smtClean="0">
-                          <a:solidFill>
-                            <a:schemeClr val="dk1"/>
-                          </a:solidFill>
-                          <a:effectLst/>
-                          <a:latin typeface="+mn-lt"/>
-                          <a:ea typeface="+mn-ea"/>
-                          <a:cs typeface="+mn-cs"/>
-                        </a:rPr>
-                        <a:t>日下午</a:t>
-                      </a:r>
-                      <a:r>
-                        <a:rPr lang="zh-CN" altLang="zh-CN" sz="1800" kern="1200" baseline="0" dirty="0" smtClean="0">
-                          <a:solidFill>
-                            <a:schemeClr val="dk1"/>
-                          </a:solidFill>
-                          <a:effectLst/>
-                          <a:latin typeface="+mn-lt"/>
-                          <a:ea typeface="+mn-ea"/>
-                          <a:cs typeface="+mn-cs"/>
-                        </a:rPr>
-                        <a:t>8</a:t>
-                      </a:r>
-                      <a:r>
-                        <a:rPr lang="zh-CN" altLang="en-US" sz="1800" kern="1200" baseline="0" dirty="0" smtClean="0">
-                          <a:solidFill>
-                            <a:schemeClr val="dk1"/>
-                          </a:solidFill>
-                          <a:effectLst/>
-                          <a:latin typeface="+mn-lt"/>
-                          <a:ea typeface="+mn-ea"/>
-                          <a:cs typeface="+mn-cs"/>
-                        </a:rPr>
-                        <a:t>点</a:t>
-                      </a:r>
-                      <a:r>
-                        <a:rPr lang="en-US" altLang="zh-CN" sz="1800" kern="1200" dirty="0" smtClean="0">
-                          <a:solidFill>
-                            <a:schemeClr val="dk1"/>
-                          </a:solidFill>
-                          <a:effectLst/>
-                          <a:latin typeface="+mn-lt"/>
-                          <a:ea typeface="+mn-ea"/>
-                          <a:cs typeface="+mn-cs"/>
-                        </a:rPr>
-                        <a:t>-</a:t>
-                      </a:r>
-                      <a:r>
-                        <a:rPr lang="zh-CN" altLang="zh-CN" sz="1800" kern="1200" dirty="0" smtClean="0">
-                          <a:solidFill>
-                            <a:schemeClr val="dk1"/>
-                          </a:solidFill>
-                          <a:effectLst/>
-                          <a:latin typeface="+mn-lt"/>
-                          <a:ea typeface="+mn-ea"/>
-                          <a:cs typeface="+mn-cs"/>
-                        </a:rPr>
-                        <a:t>9</a:t>
-                      </a:r>
-                      <a:r>
-                        <a:rPr lang="zh-CN" altLang="en-US" sz="1800" kern="1200" dirty="0" smtClean="0">
-                          <a:solidFill>
-                            <a:schemeClr val="dk1"/>
-                          </a:solidFill>
-                          <a:effectLst/>
-                          <a:latin typeface="+mn-lt"/>
-                          <a:ea typeface="+mn-ea"/>
-                          <a:cs typeface="+mn-cs"/>
-                        </a:rPr>
-                        <a:t>点</a:t>
-                      </a:r>
-                      <a:endParaRPr lang="zh-CN" altLang="en-US" dirty="0" smtClean="0"/>
-                    </a:p>
-                  </a:txBody>
-                  <a:tcPr/>
-                </a:tc>
-                <a:tc>
-                  <a:txBody>
-                    <a:bodyPr/>
-                    <a:lstStyle/>
-                    <a:p>
-                      <a:r>
-                        <a:rPr lang="zh-CN" altLang="en-US" dirty="0" smtClean="0"/>
-                        <a:t>美食点评、活动总结</a:t>
-                      </a:r>
-                      <a:endParaRPr lang="zh-CN" altLang="en-US" dirty="0"/>
-                    </a:p>
-                  </a:txBody>
-                  <a:tcPr/>
-                </a:tc>
-                <a:tc>
-                  <a:txBody>
-                    <a:bodyPr/>
-                    <a:lstStyle/>
-                    <a:p>
-                      <a:pPr marL="0" marR="0" indent="0" algn="l" defTabSz="914400" rtl="0" eaLnBrk="1" fontAlgn="auto" latinLnBrk="0" hangingPunct="1">
-                        <a:lnSpc>
-                          <a:spcPct val="100000"/>
-                        </a:lnSpc>
-                        <a:spcBef>
-                          <a:spcPts val="0"/>
-                        </a:spcBef>
-                        <a:spcAft>
-                          <a:spcPts val="0"/>
-                        </a:spcAft>
-                        <a:buClrTx/>
-                        <a:buSzTx/>
-                        <a:buFontTx/>
-                        <a:buNone/>
-                        <a:tabLst/>
-                        <a:defRPr/>
-                      </a:pPr>
-                      <a:r>
-                        <a:rPr lang="zh-CN" altLang="en-US" dirty="0" smtClean="0"/>
-                        <a:t>点评组</a:t>
-                      </a:r>
-                    </a:p>
-                  </a:txBody>
-                  <a:tcPr/>
-                </a:tc>
-                <a:tc>
-                  <a:txBody>
-                    <a:bodyPr/>
-                    <a:lstStyle/>
-                    <a:p>
-                      <a:r>
-                        <a:rPr lang="zh-CN" altLang="en-US" dirty="0" smtClean="0"/>
-                        <a:t>小</a:t>
-                      </a:r>
-                      <a:r>
-                        <a:rPr lang="en-US" altLang="zh-CN" dirty="0" smtClean="0"/>
-                        <a:t>D</a:t>
-                      </a:r>
-                      <a:endParaRPr lang="zh-CN" altLang="en-US" dirty="0"/>
-                    </a:p>
-                  </a:txBody>
-                  <a:tcPr/>
-                </a:tc>
-              </a:tr>
-              <a:tr h="370840">
-                <a:tc>
-                  <a:txBody>
-                    <a:bodyPr/>
-                    <a:lstStyle/>
-                    <a:p>
-                      <a:pPr marL="0" marR="0" indent="0" algn="l" defTabSz="914400" rtl="0" eaLnBrk="1" fontAlgn="auto" latinLnBrk="0" hangingPunct="1">
-                        <a:lnSpc>
-                          <a:spcPct val="100000"/>
-                        </a:lnSpc>
-                        <a:spcBef>
-                          <a:spcPts val="0"/>
-                        </a:spcBef>
-                        <a:spcAft>
-                          <a:spcPts val="0"/>
-                        </a:spcAft>
-                        <a:buClrTx/>
-                        <a:buSzTx/>
-                        <a:buFontTx/>
-                        <a:buNone/>
-                        <a:tabLst/>
-                        <a:defRPr/>
-                      </a:pPr>
-                      <a:r>
-                        <a:rPr lang="en-US" altLang="zh-CN" dirty="0" smtClean="0"/>
-                        <a:t>.1</a:t>
-                      </a:r>
-                      <a:r>
-                        <a:rPr lang="en-US" altLang="zh-CN" baseline="0" dirty="0" smtClean="0"/>
-                        <a:t> - .8</a:t>
-                      </a:r>
-                      <a:endParaRPr lang="zh-CN" altLang="en-US" dirty="0" smtClean="0"/>
-                    </a:p>
-                  </a:txBody>
-                  <a:tcPr/>
-                </a:tc>
-                <a:tc>
-                  <a:txBody>
-                    <a:bodyPr/>
-                    <a:lstStyle/>
-                    <a:p>
-                      <a:r>
-                        <a:rPr lang="zh-CN" altLang="en-US" dirty="0" smtClean="0"/>
-                        <a:t>风险把控与处理</a:t>
-                      </a:r>
-                      <a:endParaRPr lang="zh-CN" altLang="en-US" dirty="0"/>
-                    </a:p>
-                  </a:txBody>
-                  <a:tcPr/>
-                </a:tc>
-                <a:tc>
-                  <a:txBody>
-                    <a:bodyPr/>
-                    <a:lstStyle/>
-                    <a:p>
-                      <a:pPr marL="0" marR="0" indent="0" algn="l" defTabSz="914400" rtl="0" eaLnBrk="1" fontAlgn="auto" latinLnBrk="0" hangingPunct="1">
-                        <a:lnSpc>
-                          <a:spcPct val="100000"/>
-                        </a:lnSpc>
-                        <a:spcBef>
-                          <a:spcPts val="0"/>
-                        </a:spcBef>
-                        <a:spcAft>
-                          <a:spcPts val="0"/>
-                        </a:spcAft>
-                        <a:buClrTx/>
-                        <a:buSzTx/>
-                        <a:buFontTx/>
-                        <a:buNone/>
-                        <a:tabLst/>
-                        <a:defRPr/>
-                      </a:pPr>
-                      <a:r>
-                        <a:rPr lang="zh-CN" altLang="en-US" dirty="0" smtClean="0"/>
-                        <a:t>风险组</a:t>
-                      </a:r>
-                    </a:p>
-                  </a:txBody>
-                  <a:tcPr/>
-                </a:tc>
-                <a:tc>
-                  <a:txBody>
-                    <a:bodyPr/>
-                    <a:lstStyle/>
-                    <a:p>
-                      <a:r>
-                        <a:rPr lang="zh-CN" altLang="en-US" dirty="0" smtClean="0"/>
-                        <a:t>小</a:t>
-                      </a:r>
-                      <a:r>
-                        <a:rPr lang="zh-CN" altLang="zh-CN" dirty="0" smtClean="0"/>
-                        <a:t>F</a:t>
-                      </a:r>
-                      <a:endParaRPr lang="zh-CN" altLang="en-US" dirty="0"/>
-                    </a:p>
-                  </a:txBody>
-                  <a:tcPr/>
-                </a:tc>
-              </a:tr>
-            </a:tbl>
-          </a:graphicData>
-        </a:graphic>
-      </p:graphicFrame>
+      <p:sp>
+        <p:nvSpPr>
+          <p:cNvPr id="2" name="文本框 1"/>
+          <p:cNvSpPr txBox="1"/>
+          <p:nvPr/>
+        </p:nvSpPr>
+        <p:spPr>
+          <a:xfrm>
+            <a:off x="230369" y="2367171"/>
+            <a:ext cx="8683262" cy="707886"/>
+          </a:xfrm>
+          <a:prstGeom prst="rect">
+            <a:avLst/>
+          </a:prstGeom>
+          <a:noFill/>
+        </p:spPr>
+        <p:txBody>
+          <a:bodyPr wrap="square" rtlCol="0">
+            <a:spAutoFit/>
+          </a:bodyPr>
+          <a:lstStyle/>
+          <a:p>
+            <a:pPr algn="ctr"/>
+            <a:r>
+              <a:rPr kumimoji="1" lang="zh-CN" altLang="en-US" sz="4000" dirty="0" smtClean="0"/>
+              <a:t>美食小龙虾聚餐 </a:t>
+            </a:r>
+            <a:r>
+              <a:rPr kumimoji="1" lang="en-US" altLang="zh-CN" sz="4000" dirty="0" smtClean="0"/>
+              <a:t>&amp;</a:t>
+            </a:r>
+            <a:r>
+              <a:rPr kumimoji="1" lang="zh-CN" altLang="en-US" sz="4000" dirty="0" smtClean="0"/>
+              <a:t> 项目管理</a:t>
+            </a:r>
+            <a:endParaRPr kumimoji="1" lang="en-US" altLang="zh-CN" sz="4000" dirty="0" smtClean="0"/>
+          </a:p>
+        </p:txBody>
+      </p:sp>
     </p:spTree>
     <p:extLst>
       <p:ext uri="{BB962C8B-B14F-4D97-AF65-F5344CB8AC3E}">
@@ -17193,6 +16426,185 @@
 </file>
 
 <file path=ppt/slides/slide10.xml><?xml version="1.0" encoding="utf-8"?>
+<p:sld xmlns:a="http://schemas.openxmlformats.org/drawingml/2006/main" xmlns:r="http://schemas.openxmlformats.org/officeDocument/2006/relationships" xmlns:p="http://schemas.openxmlformats.org/presentationml/2006/main">
+  <p:cSld>
+    <p:spTree>
+      <p:nvGrpSpPr>
+        <p:cNvPr id="1" name=""/>
+        <p:cNvGrpSpPr/>
+        <p:nvPr/>
+      </p:nvGrpSpPr>
+      <p:grpSpPr>
+        <a:xfrm>
+          <a:off x="0" y="0"/>
+          <a:ext cx="0" cy="0"/>
+          <a:chOff x="0" y="0"/>
+          <a:chExt cx="0" cy="0"/>
+        </a:xfrm>
+      </p:grpSpPr>
+      <p:pic>
+        <p:nvPicPr>
+          <p:cNvPr id="5" name="图片 4" descr="HNB_PDCA.jpg"/>
+          <p:cNvPicPr>
+            <a:picLocks noChangeAspect="1"/>
+          </p:cNvPicPr>
+          <p:nvPr/>
+        </p:nvPicPr>
+        <p:blipFill>
+          <a:blip r:embed="rId3">
+            <a:extLst>
+              <a:ext uri="{28A0092B-C50C-407E-A947-70E740481C1C}">
+                <a14:useLocalDpi xmlns:a14="http://schemas.microsoft.com/office/drawing/2010/main" val="0"/>
+              </a:ext>
+            </a:extLst>
+          </a:blip>
+          <a:stretch>
+            <a:fillRect/>
+          </a:stretch>
+        </p:blipFill>
+        <p:spPr>
+          <a:xfrm>
+            <a:off x="762000" y="1567707"/>
+            <a:ext cx="7620000" cy="5054600"/>
+          </a:xfrm>
+          <a:prstGeom prst="rect">
+            <a:avLst/>
+          </a:prstGeom>
+        </p:spPr>
+      </p:pic>
+      <p:sp>
+        <p:nvSpPr>
+          <p:cNvPr id="6" name="矩形 5"/>
+          <p:cNvSpPr/>
+          <p:nvPr/>
+        </p:nvSpPr>
+        <p:spPr>
+          <a:xfrm>
+            <a:off x="762000" y="730280"/>
+            <a:ext cx="646331" cy="369332"/>
+          </a:xfrm>
+          <a:prstGeom prst="rect">
+            <a:avLst/>
+          </a:prstGeom>
+        </p:spPr>
+        <p:txBody>
+          <a:bodyPr wrap="none">
+            <a:spAutoFit/>
+          </a:bodyPr>
+          <a:lstStyle/>
+          <a:p>
+            <a:r>
+              <a:rPr kumimoji="1" lang="zh-CN" altLang="en-US" dirty="0" smtClean="0"/>
+              <a:t>计划</a:t>
+            </a:r>
+            <a:endParaRPr kumimoji="1" lang="zh-CN" altLang="en-US" dirty="0"/>
+          </a:p>
+        </p:txBody>
+      </p:sp>
+      <p:sp>
+        <p:nvSpPr>
+          <p:cNvPr id="7" name="矩形 6"/>
+          <p:cNvSpPr/>
+          <p:nvPr/>
+        </p:nvSpPr>
+        <p:spPr>
+          <a:xfrm>
+            <a:off x="2643656" y="545614"/>
+            <a:ext cx="646331" cy="369332"/>
+          </a:xfrm>
+          <a:prstGeom prst="rect">
+            <a:avLst/>
+          </a:prstGeom>
+        </p:spPr>
+        <p:txBody>
+          <a:bodyPr wrap="none">
+            <a:spAutoFit/>
+          </a:bodyPr>
+          <a:lstStyle/>
+          <a:p>
+            <a:r>
+              <a:rPr kumimoji="1" lang="zh-CN" altLang="en-US" dirty="0" smtClean="0"/>
+              <a:t>执行</a:t>
+            </a:r>
+            <a:endParaRPr kumimoji="1" lang="zh-CN" altLang="en-US" dirty="0"/>
+          </a:p>
+        </p:txBody>
+      </p:sp>
+      <p:sp>
+        <p:nvSpPr>
+          <p:cNvPr id="8" name="矩形 7"/>
+          <p:cNvSpPr/>
+          <p:nvPr/>
+        </p:nvSpPr>
+        <p:spPr>
+          <a:xfrm>
+            <a:off x="4092287" y="882680"/>
+            <a:ext cx="646331" cy="369332"/>
+          </a:xfrm>
+          <a:prstGeom prst="rect">
+            <a:avLst/>
+          </a:prstGeom>
+        </p:spPr>
+        <p:txBody>
+          <a:bodyPr wrap="none">
+            <a:spAutoFit/>
+          </a:bodyPr>
+          <a:lstStyle/>
+          <a:p>
+            <a:r>
+              <a:rPr kumimoji="1" lang="zh-CN" altLang="en-US" dirty="0" smtClean="0"/>
+              <a:t>检查</a:t>
+            </a:r>
+            <a:endParaRPr kumimoji="1" lang="zh-CN" altLang="en-US" dirty="0"/>
+          </a:p>
+        </p:txBody>
+      </p:sp>
+      <p:sp>
+        <p:nvSpPr>
+          <p:cNvPr id="9" name="矩形 8"/>
+          <p:cNvSpPr/>
+          <p:nvPr/>
+        </p:nvSpPr>
+        <p:spPr>
+          <a:xfrm>
+            <a:off x="6431261" y="818148"/>
+            <a:ext cx="659155" cy="369332"/>
+          </a:xfrm>
+          <a:prstGeom prst="rect">
+            <a:avLst/>
+          </a:prstGeom>
+        </p:spPr>
+        <p:txBody>
+          <a:bodyPr wrap="none">
+            <a:spAutoFit/>
+          </a:bodyPr>
+          <a:lstStyle/>
+          <a:p>
+            <a:r>
+              <a:rPr kumimoji="1" lang="zh-CN" altLang="en-US" dirty="0" smtClean="0"/>
+              <a:t>调</a:t>
+            </a:r>
+            <a:r>
+              <a:rPr kumimoji="1" lang="zh-CN" altLang="en-US" dirty="0"/>
+              <a:t>整</a:t>
+            </a:r>
+          </a:p>
+        </p:txBody>
+      </p:sp>
+    </p:spTree>
+    <p:extLst>
+      <p:ext uri="{BB962C8B-B14F-4D97-AF65-F5344CB8AC3E}">
+        <p14:creationId xmlns:p14="http://schemas.microsoft.com/office/powerpoint/2010/main" val="1325381445"/>
+      </p:ext>
+    </p:extLst>
+  </p:cSld>
+  <p:clrMapOvr>
+    <a:masterClrMapping/>
+  </p:clrMapOvr>
+</p:sld>
+</file>
+
+<file path=ppt/slides/slide11.xml><?xml version="1.0" encoding="utf-8"?>
 <p:sld xmlns:a="http://schemas.openxmlformats.org/drawingml/2006/main" xmlns:r="http://schemas.openxmlformats.org/officeDocument/2006/relationships" xmlns:p="http://schemas.openxmlformats.org/presentationml/2006/main">
   <p:cSld>
     <p:spTree>
@@ -17252,7 +16664,7 @@
 </p:sld>
 </file>
 
-<file path=ppt/slides/slide11.xml><?xml version="1.0" encoding="utf-8"?>
+<file path=ppt/slides/slide12.xml><?xml version="1.0" encoding="utf-8"?>
 <p:sld xmlns:a="http://schemas.openxmlformats.org/drawingml/2006/main" xmlns:r="http://schemas.openxmlformats.org/officeDocument/2006/relationships" xmlns:p="http://schemas.openxmlformats.org/presentationml/2006/main">
   <p:cSld>
     <p:spTree>
@@ -17570,7 +16982,7 @@
 </p:sld>
 </file>
 
-<file path=ppt/slides/slide12.xml><?xml version="1.0" encoding="utf-8"?>
+<file path=ppt/slides/slide13.xml><?xml version="1.0" encoding="utf-8"?>
 <p:sld xmlns:a="http://schemas.openxmlformats.org/drawingml/2006/main" xmlns:r="http://schemas.openxmlformats.org/officeDocument/2006/relationships" xmlns:p="http://schemas.openxmlformats.org/presentationml/2006/main">
   <p:cSld>
     <p:spTree>
@@ -17944,7 +17356,7 @@
 </p:sld>
 </file>
 
-<file path=ppt/slides/slide13.xml><?xml version="1.0" encoding="utf-8"?>
+<file path=ppt/slides/slide14.xml><?xml version="1.0" encoding="utf-8"?>
 <p:sld xmlns:a="http://schemas.openxmlformats.org/drawingml/2006/main" xmlns:r="http://schemas.openxmlformats.org/officeDocument/2006/relationships" xmlns:p="http://schemas.openxmlformats.org/presentationml/2006/main">
   <p:cSld>
     <p:spTree>
@@ -18476,7 +17888,7 @@
           <a:graphicData uri="http://schemas.openxmlformats.org/presentationml/2006/ole">
             <mc:AlternateContent xmlns:mc="http://schemas.openxmlformats.org/markup-compatibility/2006">
               <mc:Choice xmlns:v="urn:schemas-microsoft-com:vml" Requires="v">
-                <p:oleObj spid="_x0000_s1233" name="CorelDRAW" r:id="rId3" imgW="1866199" imgH="1034186" progId="">
+                <p:oleObj spid="_x0000_s1335" name="CorelDRAW" r:id="rId3" imgW="1866199" imgH="1034186" progId="">
                   <p:embed/>
                 </p:oleObj>
               </mc:Choice>
@@ -18629,7 +18041,7 @@
 </p:sld>
 </file>
 
-<file path=ppt/slides/slide14.xml><?xml version="1.0" encoding="utf-8"?>
+<file path=ppt/slides/slide15.xml><?xml version="1.0" encoding="utf-8"?>
 <p:sld xmlns:a="http://schemas.openxmlformats.org/drawingml/2006/main" xmlns:r="http://schemas.openxmlformats.org/officeDocument/2006/relationships" xmlns:p="http://schemas.openxmlformats.org/presentationml/2006/main">
   <p:cSld>
     <p:spTree>
@@ -18690,6 +18102,1641 @@
 </file>
 
 <file path=ppt/slides/slide2.xml><?xml version="1.0" encoding="utf-8"?>
+<p:sld xmlns:a="http://schemas.openxmlformats.org/drawingml/2006/main" xmlns:r="http://schemas.openxmlformats.org/officeDocument/2006/relationships" xmlns:p="http://schemas.openxmlformats.org/presentationml/2006/main">
+  <p:cSld>
+    <p:spTree>
+      <p:nvGrpSpPr>
+        <p:cNvPr id="1" name=""/>
+        <p:cNvGrpSpPr/>
+        <p:nvPr/>
+      </p:nvGrpSpPr>
+      <p:grpSpPr>
+        <a:xfrm>
+          <a:off x="0" y="0"/>
+          <a:ext cx="0" cy="0"/>
+          <a:chOff x="0" y="0"/>
+          <a:chExt cx="0" cy="0"/>
+        </a:xfrm>
+      </p:grpSpPr>
+      <p:pic>
+        <p:nvPicPr>
+          <p:cNvPr id="3" name="图片 2" descr="2.png"/>
+          <p:cNvPicPr>
+            <a:picLocks noChangeAspect="1"/>
+          </p:cNvPicPr>
+          <p:nvPr/>
+        </p:nvPicPr>
+        <p:blipFill>
+          <a:blip r:embed="rId3">
+            <a:extLst>
+              <a:ext uri="{28A0092B-C50C-407E-A947-70E740481C1C}">
+                <a14:useLocalDpi xmlns:a14="http://schemas.microsoft.com/office/drawing/2010/main" val="0"/>
+              </a:ext>
+            </a:extLst>
+          </a:blip>
+          <a:stretch>
+            <a:fillRect/>
+          </a:stretch>
+        </p:blipFill>
+        <p:spPr>
+          <a:xfrm>
+            <a:off x="4167928" y="3905790"/>
+            <a:ext cx="4752594" cy="2833116"/>
+          </a:xfrm>
+          <a:prstGeom prst="rect">
+            <a:avLst/>
+          </a:prstGeom>
+        </p:spPr>
+      </p:pic>
+    </p:spTree>
+    <p:extLst>
+      <p:ext uri="{BB962C8B-B14F-4D97-AF65-F5344CB8AC3E}">
+        <p14:creationId xmlns:p14="http://schemas.microsoft.com/office/powerpoint/2010/main" val="2602930586"/>
+      </p:ext>
+    </p:extLst>
+  </p:cSld>
+  <p:clrMapOvr>
+    <a:masterClrMapping/>
+  </p:clrMapOvr>
+</p:sld>
+</file>
+
+<file path=ppt/slides/slide3.xml><?xml version="1.0" encoding="utf-8"?>
+<p:sld xmlns:a="http://schemas.openxmlformats.org/drawingml/2006/main" xmlns:r="http://schemas.openxmlformats.org/officeDocument/2006/relationships" xmlns:p="http://schemas.openxmlformats.org/presentationml/2006/main">
+  <p:cSld>
+    <p:spTree>
+      <p:nvGrpSpPr>
+        <p:cNvPr id="1" name=""/>
+        <p:cNvGrpSpPr/>
+        <p:nvPr/>
+      </p:nvGrpSpPr>
+      <p:grpSpPr>
+        <a:xfrm>
+          <a:off x="0" y="0"/>
+          <a:ext cx="0" cy="0"/>
+          <a:chOff x="0" y="0"/>
+          <a:chExt cx="0" cy="0"/>
+        </a:xfrm>
+      </p:grpSpPr>
+      <p:graphicFrame>
+        <p:nvGraphicFramePr>
+          <p:cNvPr id="4" name="表格 3"/>
+          <p:cNvGraphicFramePr>
+            <a:graphicFrameLocks noGrp="1"/>
+          </p:cNvGraphicFramePr>
+          <p:nvPr>
+            <p:extLst>
+              <p:ext uri="{D42A27DB-BD31-4B8C-83A1-F6EECF244321}">
+                <p14:modId xmlns:p14="http://schemas.microsoft.com/office/powerpoint/2010/main" val="695012494"/>
+              </p:ext>
+            </p:extLst>
+          </p:nvPr>
+        </p:nvGraphicFramePr>
+        <p:xfrm>
+          <a:off x="1026456" y="1079978"/>
+          <a:ext cx="6999708" cy="3708400"/>
+        </p:xfrm>
+        <a:graphic>
+          <a:graphicData uri="http://schemas.openxmlformats.org/drawingml/2006/table">
+            <a:tbl>
+              <a:tblPr firstRow="1" bandRow="1">
+                <a:tableStyleId>{5C22544A-7EE6-4342-B048-85BDC9FD1C3A}</a:tableStyleId>
+              </a:tblPr>
+              <a:tblGrid>
+                <a:gridCol w="2063552"/>
+                <a:gridCol w="2487717"/>
+                <a:gridCol w="1126020"/>
+                <a:gridCol w="1322419"/>
+              </a:tblGrid>
+              <a:tr h="370840">
+                <a:tc>
+                  <a:txBody>
+                    <a:bodyPr/>
+                    <a:lstStyle/>
+                    <a:p>
+                      <a:pPr algn="ctr"/>
+                      <a:r>
+                        <a:rPr lang="zh-CN" altLang="en-US" dirty="0" smtClean="0"/>
+                        <a:t>日期</a:t>
+                      </a:r>
+                      <a:r>
+                        <a:rPr lang="en-US" altLang="zh-CN" dirty="0" smtClean="0"/>
+                        <a:t>(2019</a:t>
+                      </a:r>
+                      <a:r>
+                        <a:rPr lang="zh-CN" altLang="en-US" dirty="0" smtClean="0"/>
+                        <a:t>年</a:t>
+                      </a:r>
+                      <a:r>
+                        <a:rPr lang="en-US" altLang="zh-CN" dirty="0" smtClean="0"/>
+                        <a:t>6</a:t>
+                      </a:r>
+                      <a:r>
+                        <a:rPr lang="zh-CN" altLang="en-US" dirty="0" smtClean="0"/>
+                        <a:t>月</a:t>
+                      </a:r>
+                      <a:r>
+                        <a:rPr lang="en-US" altLang="zh-CN" dirty="0" smtClean="0"/>
+                        <a:t>)</a:t>
+                      </a:r>
+                      <a:endParaRPr lang="zh-CN" altLang="en-US" dirty="0"/>
+                    </a:p>
+                  </a:txBody>
+                  <a:tcPr/>
+                </a:tc>
+                <a:tc>
+                  <a:txBody>
+                    <a:bodyPr/>
+                    <a:lstStyle/>
+                    <a:p>
+                      <a:pPr algn="ctr"/>
+                      <a:r>
+                        <a:rPr lang="zh-CN" altLang="en-US" dirty="0" smtClean="0"/>
+                        <a:t>活动</a:t>
+                      </a:r>
+                      <a:endParaRPr lang="zh-CN" altLang="en-US" dirty="0"/>
+                    </a:p>
+                  </a:txBody>
+                  <a:tcPr/>
+                </a:tc>
+                <a:tc>
+                  <a:txBody>
+                    <a:bodyPr/>
+                    <a:lstStyle/>
+                    <a:p>
+                      <a:pPr algn="ctr"/>
+                      <a:r>
+                        <a:rPr lang="zh-CN" altLang="en-US" dirty="0" smtClean="0"/>
+                        <a:t>分组</a:t>
+                      </a:r>
+                      <a:endParaRPr lang="zh-CN" altLang="en-US" dirty="0"/>
+                    </a:p>
+                  </a:txBody>
+                  <a:tcPr/>
+                </a:tc>
+                <a:tc>
+                  <a:txBody>
+                    <a:bodyPr/>
+                    <a:lstStyle/>
+                    <a:p>
+                      <a:pPr algn="ctr"/>
+                      <a:r>
+                        <a:rPr lang="zh-CN" altLang="en-US" dirty="0" smtClean="0"/>
+                        <a:t>负责人</a:t>
+                      </a:r>
+                      <a:endParaRPr lang="zh-CN" altLang="en-US" dirty="0"/>
+                    </a:p>
+                  </a:txBody>
+                  <a:tcPr/>
+                </a:tc>
+              </a:tr>
+              <a:tr h="370840">
+                <a:tc>
+                  <a:txBody>
+                    <a:bodyPr/>
+                    <a:lstStyle/>
+                    <a:p>
+                      <a:r>
+                        <a:rPr lang="en-US" altLang="zh-CN" dirty="0" smtClean="0"/>
+                        <a:t>.1</a:t>
+                      </a:r>
+                      <a:endParaRPr lang="zh-CN" altLang="en-US" dirty="0"/>
+                    </a:p>
+                  </a:txBody>
+                  <a:tcPr/>
+                </a:tc>
+                <a:tc>
+                  <a:txBody>
+                    <a:bodyPr/>
+                    <a:lstStyle/>
+                    <a:p>
+                      <a:r>
+                        <a:rPr lang="zh-CN" altLang="en-US" dirty="0" smtClean="0"/>
+                        <a:t>提议</a:t>
+                      </a:r>
+                      <a:r>
+                        <a:rPr lang="en-US" altLang="zh-CN" dirty="0" smtClean="0"/>
+                        <a:t>/</a:t>
+                      </a:r>
+                      <a:r>
+                        <a:rPr lang="zh-CN" altLang="en-US" dirty="0" smtClean="0"/>
+                        <a:t>发起</a:t>
+                      </a:r>
+                      <a:endParaRPr lang="zh-CN" altLang="en-US" dirty="0"/>
+                    </a:p>
+                  </a:txBody>
+                  <a:tcPr/>
+                </a:tc>
+                <a:tc>
+                  <a:txBody>
+                    <a:bodyPr/>
+                    <a:lstStyle/>
+                    <a:p>
+                      <a:r>
+                        <a:rPr lang="en-US" altLang="zh-CN" sz="1800" kern="1200" dirty="0" smtClean="0">
+                          <a:solidFill>
+                            <a:schemeClr val="dk1"/>
+                          </a:solidFill>
+                          <a:effectLst/>
+                          <a:latin typeface="+mn-lt"/>
+                          <a:ea typeface="+mn-ea"/>
+                          <a:cs typeface="+mn-cs"/>
+                        </a:rPr>
+                        <a:t>A</a:t>
+                      </a:r>
+                      <a:r>
+                        <a:rPr lang="zh-CN" altLang="zh-CN" sz="1800" kern="1200" dirty="0" smtClean="0">
+                          <a:solidFill>
+                            <a:schemeClr val="dk1"/>
+                          </a:solidFill>
+                          <a:effectLst/>
+                          <a:latin typeface="+mn-lt"/>
+                          <a:ea typeface="+mn-ea"/>
+                          <a:cs typeface="+mn-cs"/>
+                        </a:rPr>
+                        <a:t>组</a:t>
+                      </a:r>
+                      <a:r>
+                        <a:rPr lang="zh-CN" altLang="zh-CN" dirty="0" smtClean="0">
+                          <a:effectLst/>
+                        </a:rPr>
+                        <a:t> </a:t>
+                      </a:r>
+                      <a:endParaRPr lang="zh-CN" altLang="en-US" dirty="0"/>
+                    </a:p>
+                  </a:txBody>
+                  <a:tcPr/>
+                </a:tc>
+                <a:tc>
+                  <a:txBody>
+                    <a:bodyPr/>
+                    <a:lstStyle/>
+                    <a:p>
+                      <a:r>
+                        <a:rPr lang="zh-CN" altLang="en-US" dirty="0" smtClean="0"/>
+                        <a:t>小</a:t>
+                      </a:r>
+                      <a:r>
+                        <a:rPr lang="en-US" altLang="zh-CN" dirty="0" smtClean="0"/>
+                        <a:t>A</a:t>
+                      </a:r>
+                      <a:endParaRPr lang="zh-CN" altLang="en-US" dirty="0"/>
+                    </a:p>
+                  </a:txBody>
+                  <a:tcPr/>
+                </a:tc>
+              </a:tr>
+              <a:tr h="370840">
+                <a:tc>
+                  <a:txBody>
+                    <a:bodyPr/>
+                    <a:lstStyle/>
+                    <a:p>
+                      <a:r>
+                        <a:rPr lang="en-US" altLang="zh-CN" sz="1800" kern="1200" dirty="0" smtClean="0">
+                          <a:solidFill>
+                            <a:schemeClr val="dk1"/>
+                          </a:solidFill>
+                          <a:effectLst/>
+                          <a:latin typeface="+mn-lt"/>
+                          <a:ea typeface="+mn-ea"/>
+                          <a:cs typeface="+mn-cs"/>
+                        </a:rPr>
+                        <a:t>.1-.7</a:t>
+                      </a:r>
+                      <a:r>
+                        <a:rPr lang="zh-CN" altLang="zh-CN" dirty="0" smtClean="0">
+                          <a:effectLst/>
+                        </a:rPr>
+                        <a:t> </a:t>
+                      </a:r>
+                      <a:endParaRPr lang="zh-CN" altLang="en-US" dirty="0"/>
+                    </a:p>
+                  </a:txBody>
+                  <a:tcPr/>
+                </a:tc>
+                <a:tc>
+                  <a:txBody>
+                    <a:bodyPr/>
+                    <a:lstStyle/>
+                    <a:p>
+                      <a:r>
+                        <a:rPr lang="zh-CN" altLang="zh-CN" sz="1800" kern="1200" dirty="0" smtClean="0">
+                          <a:solidFill>
+                            <a:schemeClr val="dk1"/>
+                          </a:solidFill>
+                          <a:effectLst/>
+                          <a:latin typeface="+mn-lt"/>
+                          <a:ea typeface="+mn-ea"/>
+                          <a:cs typeface="+mn-cs"/>
+                        </a:rPr>
+                        <a:t>统计人数及</a:t>
+                      </a:r>
+                      <a:r>
+                        <a:rPr lang="zh-CN" altLang="en-US" sz="1800" kern="1200" dirty="0" smtClean="0">
+                          <a:solidFill>
+                            <a:schemeClr val="dk1"/>
+                          </a:solidFill>
+                          <a:effectLst/>
+                          <a:latin typeface="+mn-lt"/>
+                          <a:ea typeface="+mn-ea"/>
+                          <a:cs typeface="+mn-cs"/>
+                        </a:rPr>
+                        <a:t>变</a:t>
+                      </a:r>
+                      <a:r>
+                        <a:rPr lang="zh-CN" altLang="zh-CN" sz="1800" kern="1200" dirty="0" smtClean="0">
+                          <a:solidFill>
+                            <a:schemeClr val="dk1"/>
+                          </a:solidFill>
+                          <a:effectLst/>
+                          <a:latin typeface="+mn-lt"/>
+                          <a:ea typeface="+mn-ea"/>
+                          <a:cs typeface="+mn-cs"/>
+                        </a:rPr>
+                        <a:t>更</a:t>
+                      </a:r>
+                      <a:r>
+                        <a:rPr lang="zh-CN" altLang="zh-CN" dirty="0" smtClean="0">
+                          <a:effectLst/>
+                        </a:rPr>
+                        <a:t> </a:t>
+                      </a:r>
+                      <a:endParaRPr lang="zh-CN" altLang="en-US" dirty="0"/>
+                    </a:p>
+                  </a:txBody>
+                  <a:tcPr/>
+                </a:tc>
+                <a:tc>
+                  <a:txBody>
+                    <a:bodyPr/>
+                    <a:lstStyle/>
+                    <a:p>
+                      <a:r>
+                        <a:rPr lang="zh-CN" altLang="zh-CN" sz="1800" kern="1200" dirty="0" smtClean="0">
+                          <a:solidFill>
+                            <a:schemeClr val="dk1"/>
+                          </a:solidFill>
+                          <a:effectLst/>
+                          <a:latin typeface="+mn-lt"/>
+                          <a:ea typeface="+mn-ea"/>
+                          <a:cs typeface="+mn-cs"/>
+                        </a:rPr>
+                        <a:t>筹备</a:t>
+                      </a:r>
+                      <a:r>
+                        <a:rPr lang="en-US" altLang="zh-CN" sz="1800" kern="1200" dirty="0" smtClean="0">
+                          <a:solidFill>
+                            <a:schemeClr val="dk1"/>
+                          </a:solidFill>
+                          <a:effectLst/>
+                          <a:latin typeface="+mn-lt"/>
+                          <a:ea typeface="+mn-ea"/>
+                          <a:cs typeface="+mn-cs"/>
+                        </a:rPr>
+                        <a:t>1</a:t>
+                      </a:r>
+                      <a:r>
+                        <a:rPr lang="zh-CN" altLang="zh-CN" sz="1800" kern="1200" dirty="0" smtClean="0">
+                          <a:solidFill>
+                            <a:schemeClr val="dk1"/>
+                          </a:solidFill>
+                          <a:effectLst/>
+                          <a:latin typeface="+mn-lt"/>
+                          <a:ea typeface="+mn-ea"/>
+                          <a:cs typeface="+mn-cs"/>
+                        </a:rPr>
+                        <a:t>组</a:t>
+                      </a:r>
+                      <a:r>
+                        <a:rPr lang="zh-CN" altLang="zh-CN" dirty="0" smtClean="0">
+                          <a:effectLst/>
+                        </a:rPr>
+                        <a:t> </a:t>
+                      </a:r>
+                      <a:endParaRPr lang="zh-CN" altLang="en-US" dirty="0"/>
+                    </a:p>
+                  </a:txBody>
+                  <a:tcPr/>
+                </a:tc>
+                <a:tc>
+                  <a:txBody>
+                    <a:bodyPr/>
+                    <a:lstStyle/>
+                    <a:p>
+                      <a:r>
+                        <a:rPr lang="zh-CN" altLang="en-US" dirty="0" smtClean="0"/>
+                        <a:t>小</a:t>
+                      </a:r>
+                      <a:r>
+                        <a:rPr lang="en-US" altLang="zh-CN" dirty="0" smtClean="0"/>
+                        <a:t>R</a:t>
+                      </a:r>
+                      <a:endParaRPr lang="zh-CN" altLang="en-US" dirty="0"/>
+                    </a:p>
+                  </a:txBody>
+                  <a:tcPr/>
+                </a:tc>
+              </a:tr>
+              <a:tr h="370840">
+                <a:tc>
+                  <a:txBody>
+                    <a:bodyPr/>
+                    <a:lstStyle/>
+                    <a:p>
+                      <a:pPr marL="0" marR="0" indent="0" algn="l" defTabSz="914400" rtl="0" eaLnBrk="1" fontAlgn="auto" latinLnBrk="0" hangingPunct="1">
+                        <a:lnSpc>
+                          <a:spcPct val="100000"/>
+                        </a:lnSpc>
+                        <a:spcBef>
+                          <a:spcPts val="0"/>
+                        </a:spcBef>
+                        <a:spcAft>
+                          <a:spcPts val="0"/>
+                        </a:spcAft>
+                        <a:buClrTx/>
+                        <a:buSzTx/>
+                        <a:buFontTx/>
+                        <a:buNone/>
+                        <a:tabLst/>
+                        <a:defRPr/>
+                      </a:pPr>
+                      <a:r>
+                        <a:rPr lang="en-US" altLang="zh-CN" sz="1800" kern="1200" dirty="0" smtClean="0">
+                          <a:solidFill>
+                            <a:schemeClr val="dk1"/>
+                          </a:solidFill>
+                          <a:effectLst/>
+                          <a:latin typeface="+mn-lt"/>
+                          <a:ea typeface="+mn-ea"/>
+                          <a:cs typeface="+mn-cs"/>
+                        </a:rPr>
+                        <a:t>.1-.7</a:t>
+                      </a:r>
+                      <a:r>
+                        <a:rPr lang="zh-CN" altLang="zh-CN" dirty="0" smtClean="0">
+                          <a:effectLst/>
+                        </a:rPr>
+                        <a:t> </a:t>
+                      </a:r>
+                      <a:endParaRPr lang="zh-CN" altLang="en-US" dirty="0" smtClean="0"/>
+                    </a:p>
+                  </a:txBody>
+                  <a:tcPr/>
+                </a:tc>
+                <a:tc>
+                  <a:txBody>
+                    <a:bodyPr/>
+                    <a:lstStyle/>
+                    <a:p>
+                      <a:r>
+                        <a:rPr lang="zh-CN" altLang="zh-CN" sz="1800" kern="1200" dirty="0" smtClean="0">
+                          <a:solidFill>
+                            <a:schemeClr val="dk1"/>
+                          </a:solidFill>
+                          <a:effectLst/>
+                          <a:latin typeface="+mn-lt"/>
+                          <a:ea typeface="+mn-ea"/>
+                          <a:cs typeface="+mn-cs"/>
+                        </a:rPr>
+                        <a:t>时间地点商议</a:t>
+                      </a:r>
+                      <a:r>
+                        <a:rPr lang="zh-CN" altLang="en-US" sz="1800" kern="1200" dirty="0" smtClean="0">
+                          <a:solidFill>
+                            <a:schemeClr val="dk1"/>
+                          </a:solidFill>
+                          <a:effectLst/>
+                          <a:latin typeface="+mn-lt"/>
+                          <a:ea typeface="+mn-ea"/>
+                          <a:cs typeface="+mn-cs"/>
+                        </a:rPr>
+                        <a:t>、</a:t>
+                      </a:r>
+                      <a:r>
+                        <a:rPr lang="zh-CN" altLang="zh-CN" sz="1800" kern="1200" dirty="0" smtClean="0">
+                          <a:solidFill>
+                            <a:schemeClr val="dk1"/>
+                          </a:solidFill>
+                          <a:effectLst/>
+                          <a:latin typeface="+mn-lt"/>
+                          <a:ea typeface="+mn-ea"/>
+                          <a:cs typeface="+mn-cs"/>
+                        </a:rPr>
+                        <a:t>预定</a:t>
+                      </a:r>
+                      <a:r>
+                        <a:rPr lang="zh-CN" altLang="zh-CN" dirty="0" smtClean="0">
+                          <a:effectLst/>
+                        </a:rPr>
+                        <a:t> </a:t>
+                      </a:r>
+                      <a:endParaRPr lang="zh-CN" altLang="en-US" dirty="0"/>
+                    </a:p>
+                  </a:txBody>
+                  <a:tcPr/>
+                </a:tc>
+                <a:tc>
+                  <a:txBody>
+                    <a:bodyPr/>
+                    <a:lstStyle/>
+                    <a:p>
+                      <a:pPr marL="0" marR="0" indent="0" algn="l" defTabSz="914400" rtl="0" eaLnBrk="1" fontAlgn="auto" latinLnBrk="0" hangingPunct="1">
+                        <a:lnSpc>
+                          <a:spcPct val="100000"/>
+                        </a:lnSpc>
+                        <a:spcBef>
+                          <a:spcPts val="0"/>
+                        </a:spcBef>
+                        <a:spcAft>
+                          <a:spcPts val="0"/>
+                        </a:spcAft>
+                        <a:buClrTx/>
+                        <a:buSzTx/>
+                        <a:buFontTx/>
+                        <a:buNone/>
+                        <a:tabLst/>
+                        <a:defRPr/>
+                      </a:pPr>
+                      <a:r>
+                        <a:rPr lang="zh-CN" altLang="zh-CN" sz="1800" kern="1200" dirty="0" smtClean="0">
+                          <a:solidFill>
+                            <a:schemeClr val="dk1"/>
+                          </a:solidFill>
+                          <a:effectLst/>
+                          <a:latin typeface="+mn-lt"/>
+                          <a:ea typeface="+mn-ea"/>
+                          <a:cs typeface="+mn-cs"/>
+                        </a:rPr>
+                        <a:t>筹备2</a:t>
+                      </a:r>
+                      <a:r>
+                        <a:rPr lang="zh-CN" altLang="en-US" sz="1800" kern="1200" dirty="0" smtClean="0">
+                          <a:solidFill>
+                            <a:schemeClr val="dk1"/>
+                          </a:solidFill>
+                          <a:effectLst/>
+                          <a:latin typeface="+mn-lt"/>
+                          <a:ea typeface="+mn-ea"/>
+                          <a:cs typeface="+mn-cs"/>
+                        </a:rPr>
+                        <a:t>组</a:t>
+                      </a:r>
+                      <a:r>
+                        <a:rPr lang="zh-CN" altLang="zh-CN" dirty="0" smtClean="0">
+                          <a:effectLst/>
+                        </a:rPr>
+                        <a:t> </a:t>
+                      </a:r>
+                      <a:endParaRPr lang="zh-CN" altLang="en-US" dirty="0" smtClean="0"/>
+                    </a:p>
+                  </a:txBody>
+                  <a:tcPr/>
+                </a:tc>
+                <a:tc>
+                  <a:txBody>
+                    <a:bodyPr/>
+                    <a:lstStyle/>
+                    <a:p>
+                      <a:pPr marL="0" marR="0" indent="0" algn="l" defTabSz="914400" rtl="0" eaLnBrk="1" fontAlgn="auto" latinLnBrk="0" hangingPunct="1">
+                        <a:lnSpc>
+                          <a:spcPct val="100000"/>
+                        </a:lnSpc>
+                        <a:spcBef>
+                          <a:spcPts val="0"/>
+                        </a:spcBef>
+                        <a:spcAft>
+                          <a:spcPts val="0"/>
+                        </a:spcAft>
+                        <a:buClrTx/>
+                        <a:buSzTx/>
+                        <a:buFontTx/>
+                        <a:buNone/>
+                        <a:tabLst/>
+                        <a:defRPr/>
+                      </a:pPr>
+                      <a:r>
+                        <a:rPr lang="zh-CN" altLang="en-US" dirty="0" smtClean="0"/>
+                        <a:t>小</a:t>
+                      </a:r>
+                      <a:r>
+                        <a:rPr lang="zh-CN" altLang="zh-CN" dirty="0" smtClean="0"/>
+                        <a:t>T</a:t>
+                      </a:r>
+                      <a:endParaRPr lang="zh-CN" altLang="en-US" dirty="0" smtClean="0"/>
+                    </a:p>
+                  </a:txBody>
+                  <a:tcPr/>
+                </a:tc>
+              </a:tr>
+              <a:tr h="370840">
+                <a:tc>
+                  <a:txBody>
+                    <a:bodyPr/>
+                    <a:lstStyle/>
+                    <a:p>
+                      <a:pPr marL="0" marR="0" indent="0" algn="l" defTabSz="914400" rtl="0" eaLnBrk="1" fontAlgn="auto" latinLnBrk="0" hangingPunct="1">
+                        <a:lnSpc>
+                          <a:spcPct val="100000"/>
+                        </a:lnSpc>
+                        <a:spcBef>
+                          <a:spcPts val="0"/>
+                        </a:spcBef>
+                        <a:spcAft>
+                          <a:spcPts val="0"/>
+                        </a:spcAft>
+                        <a:buClrTx/>
+                        <a:buSzTx/>
+                        <a:buFontTx/>
+                        <a:buNone/>
+                        <a:tabLst/>
+                        <a:defRPr/>
+                      </a:pPr>
+                      <a:r>
+                        <a:rPr lang="en-US" altLang="zh-CN" sz="1800" kern="1200" dirty="0" smtClean="0">
+                          <a:solidFill>
+                            <a:schemeClr val="dk1"/>
+                          </a:solidFill>
+                          <a:effectLst/>
+                          <a:latin typeface="+mn-lt"/>
+                          <a:ea typeface="+mn-ea"/>
+                          <a:cs typeface="+mn-cs"/>
+                        </a:rPr>
+                        <a:t>.1-.7</a:t>
+                      </a:r>
+                      <a:r>
+                        <a:rPr lang="zh-CN" altLang="zh-CN" dirty="0" smtClean="0">
+                          <a:effectLst/>
+                        </a:rPr>
+                        <a:t> </a:t>
+                      </a:r>
+                      <a:endParaRPr lang="zh-CN" altLang="en-US" dirty="0" smtClean="0"/>
+                    </a:p>
+                  </a:txBody>
+                  <a:tcPr/>
+                </a:tc>
+                <a:tc>
+                  <a:txBody>
+                    <a:bodyPr/>
+                    <a:lstStyle/>
+                    <a:p>
+                      <a:r>
+                        <a:rPr lang="zh-CN" altLang="zh-CN" sz="1800" kern="1200" dirty="0" smtClean="0">
+                          <a:solidFill>
+                            <a:schemeClr val="dk1"/>
+                          </a:solidFill>
+                          <a:effectLst/>
+                          <a:latin typeface="+mn-lt"/>
+                          <a:ea typeface="+mn-ea"/>
+                          <a:cs typeface="+mn-cs"/>
+                        </a:rPr>
+                        <a:t>菜谱的商议拟定</a:t>
+                      </a:r>
+                      <a:r>
+                        <a:rPr lang="zh-CN" altLang="zh-CN" dirty="0" smtClean="0">
+                          <a:effectLst/>
+                        </a:rPr>
+                        <a:t> </a:t>
+                      </a:r>
+                      <a:endParaRPr lang="zh-CN" altLang="en-US" dirty="0"/>
+                    </a:p>
+                  </a:txBody>
+                  <a:tcPr/>
+                </a:tc>
+                <a:tc>
+                  <a:txBody>
+                    <a:bodyPr/>
+                    <a:lstStyle/>
+                    <a:p>
+                      <a:pPr marL="0" marR="0" indent="0" algn="l" defTabSz="914400" rtl="0" eaLnBrk="1" fontAlgn="auto" latinLnBrk="0" hangingPunct="1">
+                        <a:lnSpc>
+                          <a:spcPct val="100000"/>
+                        </a:lnSpc>
+                        <a:spcBef>
+                          <a:spcPts val="0"/>
+                        </a:spcBef>
+                        <a:spcAft>
+                          <a:spcPts val="0"/>
+                        </a:spcAft>
+                        <a:buClrTx/>
+                        <a:buSzTx/>
+                        <a:buFontTx/>
+                        <a:buNone/>
+                        <a:tabLst/>
+                        <a:defRPr/>
+                      </a:pPr>
+                      <a:r>
+                        <a:rPr lang="zh-CN" altLang="zh-CN" sz="1800" kern="1200" dirty="0" smtClean="0">
+                          <a:solidFill>
+                            <a:schemeClr val="dk1"/>
+                          </a:solidFill>
+                          <a:effectLst/>
+                          <a:latin typeface="+mn-lt"/>
+                          <a:ea typeface="+mn-ea"/>
+                          <a:cs typeface="+mn-cs"/>
+                        </a:rPr>
+                        <a:t>筹备</a:t>
+                      </a:r>
+                      <a:r>
+                        <a:rPr lang="en-US" altLang="zh-CN" sz="1800" kern="1200" dirty="0" smtClean="0">
+                          <a:solidFill>
+                            <a:schemeClr val="dk1"/>
+                          </a:solidFill>
+                          <a:effectLst/>
+                          <a:latin typeface="+mn-lt"/>
+                          <a:ea typeface="+mn-ea"/>
+                          <a:cs typeface="+mn-cs"/>
+                        </a:rPr>
+                        <a:t>3</a:t>
+                      </a:r>
+                      <a:r>
+                        <a:rPr lang="zh-CN" altLang="en-US" sz="1800" kern="1200" dirty="0" smtClean="0">
+                          <a:solidFill>
+                            <a:schemeClr val="dk1"/>
+                          </a:solidFill>
+                          <a:effectLst/>
+                          <a:latin typeface="+mn-lt"/>
+                          <a:ea typeface="+mn-ea"/>
+                          <a:cs typeface="+mn-cs"/>
+                        </a:rPr>
+                        <a:t>组</a:t>
+                      </a:r>
+                      <a:r>
+                        <a:rPr lang="zh-CN" altLang="zh-CN" dirty="0" smtClean="0">
+                          <a:effectLst/>
+                        </a:rPr>
+                        <a:t> </a:t>
+                      </a:r>
+                      <a:endParaRPr lang="zh-CN" altLang="en-US" dirty="0" smtClean="0"/>
+                    </a:p>
+                  </a:txBody>
+                  <a:tcPr/>
+                </a:tc>
+                <a:tc>
+                  <a:txBody>
+                    <a:bodyPr/>
+                    <a:lstStyle/>
+                    <a:p>
+                      <a:pPr marL="0" marR="0" indent="0" algn="l" defTabSz="914400" rtl="0" eaLnBrk="1" fontAlgn="auto" latinLnBrk="0" hangingPunct="1">
+                        <a:lnSpc>
+                          <a:spcPct val="100000"/>
+                        </a:lnSpc>
+                        <a:spcBef>
+                          <a:spcPts val="0"/>
+                        </a:spcBef>
+                        <a:spcAft>
+                          <a:spcPts val="0"/>
+                        </a:spcAft>
+                        <a:buClrTx/>
+                        <a:buSzTx/>
+                        <a:buFontTx/>
+                        <a:buNone/>
+                        <a:tabLst/>
+                        <a:defRPr/>
+                      </a:pPr>
+                      <a:r>
+                        <a:rPr lang="zh-CN" altLang="en-US" dirty="0" smtClean="0"/>
+                        <a:t>小</a:t>
+                      </a:r>
+                      <a:r>
+                        <a:rPr lang="zh-CN" altLang="zh-CN" dirty="0" smtClean="0"/>
+                        <a:t>C</a:t>
+                      </a:r>
+                      <a:endParaRPr lang="zh-CN" altLang="en-US" dirty="0" smtClean="0"/>
+                    </a:p>
+                  </a:txBody>
+                  <a:tcPr/>
+                </a:tc>
+              </a:tr>
+              <a:tr h="370840">
+                <a:tc>
+                  <a:txBody>
+                    <a:bodyPr/>
+                    <a:lstStyle/>
+                    <a:p>
+                      <a:pPr marL="0" marR="0" indent="0" algn="l" defTabSz="914400" rtl="0" eaLnBrk="1" fontAlgn="auto" latinLnBrk="0" hangingPunct="1">
+                        <a:lnSpc>
+                          <a:spcPct val="100000"/>
+                        </a:lnSpc>
+                        <a:spcBef>
+                          <a:spcPts val="0"/>
+                        </a:spcBef>
+                        <a:spcAft>
+                          <a:spcPts val="0"/>
+                        </a:spcAft>
+                        <a:buClrTx/>
+                        <a:buSzTx/>
+                        <a:buFontTx/>
+                        <a:buNone/>
+                        <a:tabLst/>
+                        <a:defRPr/>
+                      </a:pPr>
+                      <a:r>
+                        <a:rPr lang="en-US" altLang="zh-CN" sz="1800" kern="1200" dirty="0" smtClean="0">
+                          <a:solidFill>
+                            <a:schemeClr val="dk1"/>
+                          </a:solidFill>
+                          <a:effectLst/>
+                          <a:latin typeface="+mn-lt"/>
+                          <a:ea typeface="+mn-ea"/>
+                          <a:cs typeface="+mn-cs"/>
+                        </a:rPr>
+                        <a:t>.8</a:t>
+                      </a:r>
+                      <a:r>
+                        <a:rPr lang="zh-CN" altLang="en-US" sz="1800" kern="1200" baseline="0" dirty="0" smtClean="0">
+                          <a:solidFill>
+                            <a:schemeClr val="dk1"/>
+                          </a:solidFill>
+                          <a:effectLst/>
+                          <a:latin typeface="+mn-lt"/>
+                          <a:ea typeface="+mn-ea"/>
+                          <a:cs typeface="+mn-cs"/>
+                        </a:rPr>
+                        <a:t>日下午</a:t>
+                      </a:r>
+                      <a:r>
+                        <a:rPr lang="en-US" altLang="zh-CN" sz="1800" kern="1200" baseline="0" dirty="0" smtClean="0">
+                          <a:solidFill>
+                            <a:schemeClr val="dk1"/>
+                          </a:solidFill>
+                          <a:effectLst/>
+                          <a:latin typeface="+mn-lt"/>
+                          <a:ea typeface="+mn-ea"/>
+                          <a:cs typeface="+mn-cs"/>
+                        </a:rPr>
+                        <a:t>2</a:t>
+                      </a:r>
+                      <a:r>
+                        <a:rPr lang="zh-CN" altLang="en-US" sz="1800" kern="1200" baseline="0" dirty="0" smtClean="0">
+                          <a:solidFill>
+                            <a:schemeClr val="dk1"/>
+                          </a:solidFill>
+                          <a:effectLst/>
+                          <a:latin typeface="+mn-lt"/>
+                          <a:ea typeface="+mn-ea"/>
+                          <a:cs typeface="+mn-cs"/>
+                        </a:rPr>
+                        <a:t>点</a:t>
+                      </a:r>
+                      <a:r>
+                        <a:rPr lang="en-US" altLang="zh-CN" sz="1800" kern="1200" dirty="0" smtClean="0">
+                          <a:solidFill>
+                            <a:schemeClr val="dk1"/>
+                          </a:solidFill>
+                          <a:effectLst/>
+                          <a:latin typeface="+mn-lt"/>
+                          <a:ea typeface="+mn-ea"/>
+                          <a:cs typeface="+mn-cs"/>
+                        </a:rPr>
+                        <a:t>-5</a:t>
+                      </a:r>
+                      <a:r>
+                        <a:rPr lang="zh-CN" altLang="en-US" sz="1800" kern="1200" dirty="0" smtClean="0">
+                          <a:solidFill>
+                            <a:schemeClr val="dk1"/>
+                          </a:solidFill>
+                          <a:effectLst/>
+                          <a:latin typeface="+mn-lt"/>
+                          <a:ea typeface="+mn-ea"/>
+                          <a:cs typeface="+mn-cs"/>
+                        </a:rPr>
+                        <a:t>点</a:t>
+                      </a:r>
+                      <a:endParaRPr lang="zh-CN" altLang="en-US" dirty="0" smtClean="0"/>
+                    </a:p>
+                  </a:txBody>
+                  <a:tcPr/>
+                </a:tc>
+                <a:tc>
+                  <a:txBody>
+                    <a:bodyPr/>
+                    <a:lstStyle/>
+                    <a:p>
+                      <a:r>
+                        <a:rPr lang="zh-CN" altLang="zh-CN" sz="1800" kern="1200" dirty="0" smtClean="0">
+                          <a:solidFill>
+                            <a:schemeClr val="dk1"/>
+                          </a:solidFill>
+                          <a:effectLst/>
+                          <a:latin typeface="+mn-lt"/>
+                          <a:ea typeface="+mn-ea"/>
+                          <a:cs typeface="+mn-cs"/>
+                        </a:rPr>
+                        <a:t>采购食材</a:t>
+                      </a:r>
+                      <a:endParaRPr lang="zh-CN" altLang="en-US" dirty="0"/>
+                    </a:p>
+                  </a:txBody>
+                  <a:tcPr/>
+                </a:tc>
+                <a:tc>
+                  <a:txBody>
+                    <a:bodyPr/>
+                    <a:lstStyle/>
+                    <a:p>
+                      <a:pPr marL="0" marR="0" indent="0" algn="l" defTabSz="914400" rtl="0" eaLnBrk="1" fontAlgn="auto" latinLnBrk="0" hangingPunct="1">
+                        <a:lnSpc>
+                          <a:spcPct val="100000"/>
+                        </a:lnSpc>
+                        <a:spcBef>
+                          <a:spcPts val="0"/>
+                        </a:spcBef>
+                        <a:spcAft>
+                          <a:spcPts val="0"/>
+                        </a:spcAft>
+                        <a:buClrTx/>
+                        <a:buSzTx/>
+                        <a:buFontTx/>
+                        <a:buNone/>
+                        <a:tabLst/>
+                        <a:defRPr/>
+                      </a:pPr>
+                      <a:r>
+                        <a:rPr lang="zh-CN" altLang="zh-CN" sz="1800" kern="1200" dirty="0" smtClean="0">
+                          <a:solidFill>
+                            <a:schemeClr val="dk1"/>
+                          </a:solidFill>
+                          <a:effectLst/>
+                          <a:latin typeface="+mn-lt"/>
+                          <a:ea typeface="+mn-ea"/>
+                          <a:cs typeface="+mn-cs"/>
+                        </a:rPr>
+                        <a:t>采购组</a:t>
+                      </a:r>
+                      <a:r>
+                        <a:rPr lang="zh-CN" altLang="zh-CN" dirty="0" smtClean="0">
+                          <a:effectLst/>
+                        </a:rPr>
+                        <a:t> </a:t>
+                      </a:r>
+                      <a:endParaRPr lang="zh-CN" altLang="en-US" dirty="0" smtClean="0"/>
+                    </a:p>
+                  </a:txBody>
+                  <a:tcPr/>
+                </a:tc>
+                <a:tc>
+                  <a:txBody>
+                    <a:bodyPr/>
+                    <a:lstStyle/>
+                    <a:p>
+                      <a:pPr marL="0" marR="0" indent="0" algn="l" defTabSz="914400" rtl="0" eaLnBrk="1" fontAlgn="auto" latinLnBrk="0" hangingPunct="1">
+                        <a:lnSpc>
+                          <a:spcPct val="100000"/>
+                        </a:lnSpc>
+                        <a:spcBef>
+                          <a:spcPts val="0"/>
+                        </a:spcBef>
+                        <a:spcAft>
+                          <a:spcPts val="0"/>
+                        </a:spcAft>
+                        <a:buClrTx/>
+                        <a:buSzTx/>
+                        <a:buFontTx/>
+                        <a:buNone/>
+                        <a:tabLst/>
+                        <a:defRPr/>
+                      </a:pPr>
+                      <a:r>
+                        <a:rPr lang="zh-CN" altLang="en-US" dirty="0" smtClean="0"/>
+                        <a:t>小</a:t>
+                      </a:r>
+                      <a:r>
+                        <a:rPr lang="zh-CN" altLang="zh-CN" dirty="0" smtClean="0"/>
+                        <a:t>M</a:t>
+                      </a:r>
+                      <a:endParaRPr lang="zh-CN" altLang="en-US" dirty="0" smtClean="0"/>
+                    </a:p>
+                  </a:txBody>
+                  <a:tcPr/>
+                </a:tc>
+              </a:tr>
+              <a:tr h="370840">
+                <a:tc>
+                  <a:txBody>
+                    <a:bodyPr/>
+                    <a:lstStyle/>
+                    <a:p>
+                      <a:pPr marL="0" marR="0" indent="0" algn="l" defTabSz="914400" rtl="0" eaLnBrk="1" fontAlgn="auto" latinLnBrk="0" hangingPunct="1">
+                        <a:lnSpc>
+                          <a:spcPct val="100000"/>
+                        </a:lnSpc>
+                        <a:spcBef>
+                          <a:spcPts val="0"/>
+                        </a:spcBef>
+                        <a:spcAft>
+                          <a:spcPts val="0"/>
+                        </a:spcAft>
+                        <a:buClrTx/>
+                        <a:buSzTx/>
+                        <a:buFontTx/>
+                        <a:buNone/>
+                        <a:tabLst/>
+                        <a:defRPr/>
+                      </a:pPr>
+                      <a:r>
+                        <a:rPr lang="en-US" altLang="zh-CN" sz="1800" kern="1200" dirty="0" smtClean="0">
+                          <a:solidFill>
+                            <a:schemeClr val="dk1"/>
+                          </a:solidFill>
+                          <a:effectLst/>
+                          <a:latin typeface="+mn-lt"/>
+                          <a:ea typeface="+mn-ea"/>
+                          <a:cs typeface="+mn-cs"/>
+                        </a:rPr>
+                        <a:t>.8</a:t>
+                      </a:r>
+                      <a:r>
+                        <a:rPr lang="zh-CN" altLang="en-US" sz="1800" kern="1200" baseline="0" dirty="0" smtClean="0">
+                          <a:solidFill>
+                            <a:schemeClr val="dk1"/>
+                          </a:solidFill>
+                          <a:effectLst/>
+                          <a:latin typeface="+mn-lt"/>
+                          <a:ea typeface="+mn-ea"/>
+                          <a:cs typeface="+mn-cs"/>
+                        </a:rPr>
+                        <a:t>日下午</a:t>
+                      </a:r>
+                      <a:r>
+                        <a:rPr lang="zh-CN" altLang="zh-CN" sz="1800" kern="1200" baseline="0" dirty="0" smtClean="0">
+                          <a:solidFill>
+                            <a:schemeClr val="dk1"/>
+                          </a:solidFill>
+                          <a:effectLst/>
+                          <a:latin typeface="+mn-lt"/>
+                          <a:ea typeface="+mn-ea"/>
+                          <a:cs typeface="+mn-cs"/>
+                        </a:rPr>
+                        <a:t>4</a:t>
+                      </a:r>
+                      <a:r>
+                        <a:rPr lang="zh-CN" altLang="en-US" sz="1800" kern="1200" baseline="0" dirty="0" smtClean="0">
+                          <a:solidFill>
+                            <a:schemeClr val="dk1"/>
+                          </a:solidFill>
+                          <a:effectLst/>
+                          <a:latin typeface="+mn-lt"/>
+                          <a:ea typeface="+mn-ea"/>
+                          <a:cs typeface="+mn-cs"/>
+                        </a:rPr>
+                        <a:t>点</a:t>
+                      </a:r>
+                      <a:r>
+                        <a:rPr lang="en-US" altLang="zh-CN" sz="1800" kern="1200" dirty="0" smtClean="0">
+                          <a:solidFill>
+                            <a:schemeClr val="dk1"/>
+                          </a:solidFill>
+                          <a:effectLst/>
+                          <a:latin typeface="+mn-lt"/>
+                          <a:ea typeface="+mn-ea"/>
+                          <a:cs typeface="+mn-cs"/>
+                        </a:rPr>
+                        <a:t>-6</a:t>
+                      </a:r>
+                      <a:r>
+                        <a:rPr lang="zh-CN" altLang="en-US" sz="1800" kern="1200" dirty="0" smtClean="0">
+                          <a:solidFill>
+                            <a:schemeClr val="dk1"/>
+                          </a:solidFill>
+                          <a:effectLst/>
+                          <a:latin typeface="+mn-lt"/>
+                          <a:ea typeface="+mn-ea"/>
+                          <a:cs typeface="+mn-cs"/>
+                        </a:rPr>
+                        <a:t>点</a:t>
+                      </a:r>
+                      <a:endParaRPr lang="zh-CN" altLang="en-US" dirty="0" smtClean="0"/>
+                    </a:p>
+                  </a:txBody>
+                  <a:tcPr/>
+                </a:tc>
+                <a:tc>
+                  <a:txBody>
+                    <a:bodyPr/>
+                    <a:lstStyle/>
+                    <a:p>
+                      <a:r>
+                        <a:rPr lang="zh-CN" altLang="en-US" dirty="0" smtClean="0"/>
+                        <a:t>麻辣小龙虾等美食制作</a:t>
+                      </a:r>
+                      <a:endParaRPr lang="zh-CN" altLang="en-US" dirty="0"/>
+                    </a:p>
+                  </a:txBody>
+                  <a:tcPr/>
+                </a:tc>
+                <a:tc>
+                  <a:txBody>
+                    <a:bodyPr/>
+                    <a:lstStyle/>
+                    <a:p>
+                      <a:pPr marL="0" marR="0" indent="0" algn="l" defTabSz="914400" rtl="0" eaLnBrk="1" fontAlgn="auto" latinLnBrk="0" hangingPunct="1">
+                        <a:lnSpc>
+                          <a:spcPct val="100000"/>
+                        </a:lnSpc>
+                        <a:spcBef>
+                          <a:spcPts val="0"/>
+                        </a:spcBef>
+                        <a:spcAft>
+                          <a:spcPts val="0"/>
+                        </a:spcAft>
+                        <a:buClrTx/>
+                        <a:buSzTx/>
+                        <a:buFontTx/>
+                        <a:buNone/>
+                        <a:tabLst/>
+                        <a:defRPr/>
+                      </a:pPr>
+                      <a:r>
+                        <a:rPr lang="zh-CN" altLang="en-US" dirty="0" smtClean="0"/>
+                        <a:t>厨师组</a:t>
+                      </a:r>
+                    </a:p>
+                  </a:txBody>
+                  <a:tcPr/>
+                </a:tc>
+                <a:tc>
+                  <a:txBody>
+                    <a:bodyPr/>
+                    <a:lstStyle/>
+                    <a:p>
+                      <a:r>
+                        <a:rPr lang="zh-CN" altLang="en-US" dirty="0" smtClean="0"/>
+                        <a:t>小</a:t>
+                      </a:r>
+                      <a:r>
+                        <a:rPr lang="en-US" altLang="zh-CN" dirty="0" smtClean="0"/>
+                        <a:t>Z</a:t>
+                      </a:r>
+                      <a:endParaRPr lang="zh-CN" altLang="en-US" dirty="0"/>
+                    </a:p>
+                  </a:txBody>
+                  <a:tcPr/>
+                </a:tc>
+              </a:tr>
+              <a:tr h="370840">
+                <a:tc>
+                  <a:txBody>
+                    <a:bodyPr/>
+                    <a:lstStyle/>
+                    <a:p>
+                      <a:pPr marL="0" marR="0" indent="0" algn="l" defTabSz="914400" rtl="0" eaLnBrk="1" fontAlgn="auto" latinLnBrk="0" hangingPunct="1">
+                        <a:lnSpc>
+                          <a:spcPct val="100000"/>
+                        </a:lnSpc>
+                        <a:spcBef>
+                          <a:spcPts val="0"/>
+                        </a:spcBef>
+                        <a:spcAft>
+                          <a:spcPts val="0"/>
+                        </a:spcAft>
+                        <a:buClrTx/>
+                        <a:buSzTx/>
+                        <a:buFontTx/>
+                        <a:buNone/>
+                        <a:tabLst/>
+                        <a:defRPr/>
+                      </a:pPr>
+                      <a:r>
+                        <a:rPr lang="en-US" altLang="zh-CN" sz="1800" kern="1200" dirty="0" smtClean="0">
+                          <a:solidFill>
+                            <a:schemeClr val="dk1"/>
+                          </a:solidFill>
+                          <a:effectLst/>
+                          <a:latin typeface="+mn-lt"/>
+                          <a:ea typeface="+mn-ea"/>
+                          <a:cs typeface="+mn-cs"/>
+                        </a:rPr>
+                        <a:t>.8</a:t>
+                      </a:r>
+                      <a:r>
+                        <a:rPr lang="zh-CN" altLang="en-US" sz="1800" kern="1200" baseline="0" dirty="0" smtClean="0">
+                          <a:solidFill>
+                            <a:schemeClr val="dk1"/>
+                          </a:solidFill>
+                          <a:effectLst/>
+                          <a:latin typeface="+mn-lt"/>
+                          <a:ea typeface="+mn-ea"/>
+                          <a:cs typeface="+mn-cs"/>
+                        </a:rPr>
+                        <a:t>日下午</a:t>
+                      </a:r>
+                      <a:r>
+                        <a:rPr lang="zh-CN" altLang="zh-CN" sz="1800" kern="1200" baseline="0" dirty="0" smtClean="0">
+                          <a:solidFill>
+                            <a:schemeClr val="dk1"/>
+                          </a:solidFill>
+                          <a:effectLst/>
+                          <a:latin typeface="+mn-lt"/>
+                          <a:ea typeface="+mn-ea"/>
+                          <a:cs typeface="+mn-cs"/>
+                        </a:rPr>
+                        <a:t>6</a:t>
+                      </a:r>
+                      <a:r>
+                        <a:rPr lang="zh-CN" altLang="en-US" sz="1800" kern="1200" baseline="0" dirty="0" smtClean="0">
+                          <a:solidFill>
+                            <a:schemeClr val="dk1"/>
+                          </a:solidFill>
+                          <a:effectLst/>
+                          <a:latin typeface="+mn-lt"/>
+                          <a:ea typeface="+mn-ea"/>
+                          <a:cs typeface="+mn-cs"/>
+                        </a:rPr>
+                        <a:t>点</a:t>
+                      </a:r>
+                      <a:r>
+                        <a:rPr lang="en-US" altLang="zh-CN" sz="1800" kern="1200" dirty="0" smtClean="0">
+                          <a:solidFill>
+                            <a:schemeClr val="dk1"/>
+                          </a:solidFill>
+                          <a:effectLst/>
+                          <a:latin typeface="+mn-lt"/>
+                          <a:ea typeface="+mn-ea"/>
+                          <a:cs typeface="+mn-cs"/>
+                        </a:rPr>
+                        <a:t>-</a:t>
+                      </a:r>
+                      <a:r>
+                        <a:rPr lang="zh-CN" altLang="zh-CN" sz="1800" kern="1200" dirty="0" smtClean="0">
+                          <a:solidFill>
+                            <a:schemeClr val="dk1"/>
+                          </a:solidFill>
+                          <a:effectLst/>
+                          <a:latin typeface="+mn-lt"/>
+                          <a:ea typeface="+mn-ea"/>
+                          <a:cs typeface="+mn-cs"/>
+                        </a:rPr>
+                        <a:t>8</a:t>
+                      </a:r>
+                      <a:r>
+                        <a:rPr lang="zh-CN" altLang="en-US" sz="1800" kern="1200" dirty="0" smtClean="0">
+                          <a:solidFill>
+                            <a:schemeClr val="dk1"/>
+                          </a:solidFill>
+                          <a:effectLst/>
+                          <a:latin typeface="+mn-lt"/>
+                          <a:ea typeface="+mn-ea"/>
+                          <a:cs typeface="+mn-cs"/>
+                        </a:rPr>
+                        <a:t>点</a:t>
+                      </a:r>
+                      <a:endParaRPr lang="zh-CN" altLang="en-US" dirty="0" smtClean="0"/>
+                    </a:p>
+                  </a:txBody>
+                  <a:tcPr/>
+                </a:tc>
+                <a:tc>
+                  <a:txBody>
+                    <a:bodyPr/>
+                    <a:lstStyle/>
+                    <a:p>
+                      <a:r>
+                        <a:rPr lang="zh-CN" altLang="en-US" dirty="0" smtClean="0"/>
+                        <a:t>享用美食、谈天说地</a:t>
+                      </a:r>
+                      <a:endParaRPr lang="zh-CN" altLang="en-US" dirty="0"/>
+                    </a:p>
+                  </a:txBody>
+                  <a:tcPr/>
+                </a:tc>
+                <a:tc>
+                  <a:txBody>
+                    <a:bodyPr/>
+                    <a:lstStyle/>
+                    <a:p>
+                      <a:pPr marL="0" marR="0" indent="0" algn="l" defTabSz="914400" rtl="0" eaLnBrk="1" fontAlgn="auto" latinLnBrk="0" hangingPunct="1">
+                        <a:lnSpc>
+                          <a:spcPct val="100000"/>
+                        </a:lnSpc>
+                        <a:spcBef>
+                          <a:spcPts val="0"/>
+                        </a:spcBef>
+                        <a:spcAft>
+                          <a:spcPts val="0"/>
+                        </a:spcAft>
+                        <a:buClrTx/>
+                        <a:buSzTx/>
+                        <a:buFontTx/>
+                        <a:buNone/>
+                        <a:tabLst/>
+                        <a:defRPr/>
+                      </a:pPr>
+                      <a:r>
+                        <a:rPr lang="zh-CN" altLang="en-US" dirty="0" smtClean="0"/>
+                        <a:t>全部</a:t>
+                      </a:r>
+                    </a:p>
+                  </a:txBody>
+                  <a:tcPr/>
+                </a:tc>
+                <a:tc>
+                  <a:txBody>
+                    <a:bodyPr/>
+                    <a:lstStyle/>
+                    <a:p>
+                      <a:r>
+                        <a:rPr lang="en-US" altLang="zh-CN" dirty="0" smtClean="0"/>
+                        <a:t>leader</a:t>
+                      </a:r>
+                      <a:endParaRPr lang="zh-CN" altLang="en-US" dirty="0"/>
+                    </a:p>
+                  </a:txBody>
+                  <a:tcPr/>
+                </a:tc>
+              </a:tr>
+              <a:tr h="370840">
+                <a:tc>
+                  <a:txBody>
+                    <a:bodyPr/>
+                    <a:lstStyle/>
+                    <a:p>
+                      <a:pPr marL="0" marR="0" indent="0" algn="l" defTabSz="914400" rtl="0" eaLnBrk="1" fontAlgn="auto" latinLnBrk="0" hangingPunct="1">
+                        <a:lnSpc>
+                          <a:spcPct val="100000"/>
+                        </a:lnSpc>
+                        <a:spcBef>
+                          <a:spcPts val="0"/>
+                        </a:spcBef>
+                        <a:spcAft>
+                          <a:spcPts val="0"/>
+                        </a:spcAft>
+                        <a:buClrTx/>
+                        <a:buSzTx/>
+                        <a:buFontTx/>
+                        <a:buNone/>
+                        <a:tabLst/>
+                        <a:defRPr/>
+                      </a:pPr>
+                      <a:r>
+                        <a:rPr lang="en-US" altLang="zh-CN" sz="1800" kern="1200" dirty="0" smtClean="0">
+                          <a:solidFill>
+                            <a:schemeClr val="dk1"/>
+                          </a:solidFill>
+                          <a:effectLst/>
+                          <a:latin typeface="+mn-lt"/>
+                          <a:ea typeface="+mn-ea"/>
+                          <a:cs typeface="+mn-cs"/>
+                        </a:rPr>
+                        <a:t>.8</a:t>
+                      </a:r>
+                      <a:r>
+                        <a:rPr lang="zh-CN" altLang="en-US" sz="1800" kern="1200" baseline="0" dirty="0" smtClean="0">
+                          <a:solidFill>
+                            <a:schemeClr val="dk1"/>
+                          </a:solidFill>
+                          <a:effectLst/>
+                          <a:latin typeface="+mn-lt"/>
+                          <a:ea typeface="+mn-ea"/>
+                          <a:cs typeface="+mn-cs"/>
+                        </a:rPr>
+                        <a:t>日下午</a:t>
+                      </a:r>
+                      <a:r>
+                        <a:rPr lang="zh-CN" altLang="zh-CN" sz="1800" kern="1200" baseline="0" dirty="0" smtClean="0">
+                          <a:solidFill>
+                            <a:schemeClr val="dk1"/>
+                          </a:solidFill>
+                          <a:effectLst/>
+                          <a:latin typeface="+mn-lt"/>
+                          <a:ea typeface="+mn-ea"/>
+                          <a:cs typeface="+mn-cs"/>
+                        </a:rPr>
+                        <a:t>8</a:t>
+                      </a:r>
+                      <a:r>
+                        <a:rPr lang="zh-CN" altLang="en-US" sz="1800" kern="1200" baseline="0" dirty="0" smtClean="0">
+                          <a:solidFill>
+                            <a:schemeClr val="dk1"/>
+                          </a:solidFill>
+                          <a:effectLst/>
+                          <a:latin typeface="+mn-lt"/>
+                          <a:ea typeface="+mn-ea"/>
+                          <a:cs typeface="+mn-cs"/>
+                        </a:rPr>
+                        <a:t>点</a:t>
+                      </a:r>
+                      <a:r>
+                        <a:rPr lang="en-US" altLang="zh-CN" sz="1800" kern="1200" dirty="0" smtClean="0">
+                          <a:solidFill>
+                            <a:schemeClr val="dk1"/>
+                          </a:solidFill>
+                          <a:effectLst/>
+                          <a:latin typeface="+mn-lt"/>
+                          <a:ea typeface="+mn-ea"/>
+                          <a:cs typeface="+mn-cs"/>
+                        </a:rPr>
+                        <a:t>-</a:t>
+                      </a:r>
+                      <a:r>
+                        <a:rPr lang="zh-CN" altLang="zh-CN" sz="1800" kern="1200" dirty="0" smtClean="0">
+                          <a:solidFill>
+                            <a:schemeClr val="dk1"/>
+                          </a:solidFill>
+                          <a:effectLst/>
+                          <a:latin typeface="+mn-lt"/>
+                          <a:ea typeface="+mn-ea"/>
+                          <a:cs typeface="+mn-cs"/>
+                        </a:rPr>
+                        <a:t>9</a:t>
+                      </a:r>
+                      <a:r>
+                        <a:rPr lang="zh-CN" altLang="en-US" sz="1800" kern="1200" dirty="0" smtClean="0">
+                          <a:solidFill>
+                            <a:schemeClr val="dk1"/>
+                          </a:solidFill>
+                          <a:effectLst/>
+                          <a:latin typeface="+mn-lt"/>
+                          <a:ea typeface="+mn-ea"/>
+                          <a:cs typeface="+mn-cs"/>
+                        </a:rPr>
+                        <a:t>点</a:t>
+                      </a:r>
+                      <a:endParaRPr lang="zh-CN" altLang="en-US" dirty="0" smtClean="0"/>
+                    </a:p>
+                  </a:txBody>
+                  <a:tcPr/>
+                </a:tc>
+                <a:tc>
+                  <a:txBody>
+                    <a:bodyPr/>
+                    <a:lstStyle/>
+                    <a:p>
+                      <a:r>
+                        <a:rPr lang="zh-CN" altLang="en-US" dirty="0" smtClean="0"/>
+                        <a:t>美食点评、活动总结</a:t>
+                      </a:r>
+                      <a:endParaRPr lang="zh-CN" altLang="en-US" dirty="0"/>
+                    </a:p>
+                  </a:txBody>
+                  <a:tcPr/>
+                </a:tc>
+                <a:tc>
+                  <a:txBody>
+                    <a:bodyPr/>
+                    <a:lstStyle/>
+                    <a:p>
+                      <a:pPr marL="0" marR="0" indent="0" algn="l" defTabSz="914400" rtl="0" eaLnBrk="1" fontAlgn="auto" latinLnBrk="0" hangingPunct="1">
+                        <a:lnSpc>
+                          <a:spcPct val="100000"/>
+                        </a:lnSpc>
+                        <a:spcBef>
+                          <a:spcPts val="0"/>
+                        </a:spcBef>
+                        <a:spcAft>
+                          <a:spcPts val="0"/>
+                        </a:spcAft>
+                        <a:buClrTx/>
+                        <a:buSzTx/>
+                        <a:buFontTx/>
+                        <a:buNone/>
+                        <a:tabLst/>
+                        <a:defRPr/>
+                      </a:pPr>
+                      <a:r>
+                        <a:rPr lang="zh-CN" altLang="en-US" dirty="0" smtClean="0"/>
+                        <a:t>点评组</a:t>
+                      </a:r>
+                    </a:p>
+                  </a:txBody>
+                  <a:tcPr/>
+                </a:tc>
+                <a:tc>
+                  <a:txBody>
+                    <a:bodyPr/>
+                    <a:lstStyle/>
+                    <a:p>
+                      <a:r>
+                        <a:rPr lang="zh-CN" altLang="en-US" dirty="0" smtClean="0"/>
+                        <a:t>小</a:t>
+                      </a:r>
+                      <a:r>
+                        <a:rPr lang="en-US" altLang="zh-CN" dirty="0" smtClean="0"/>
+                        <a:t>D</a:t>
+                      </a:r>
+                      <a:endParaRPr lang="zh-CN" altLang="en-US" dirty="0"/>
+                    </a:p>
+                  </a:txBody>
+                  <a:tcPr/>
+                </a:tc>
+              </a:tr>
+              <a:tr h="370840">
+                <a:tc>
+                  <a:txBody>
+                    <a:bodyPr/>
+                    <a:lstStyle/>
+                    <a:p>
+                      <a:pPr marL="0" marR="0" indent="0" algn="l" defTabSz="914400" rtl="0" eaLnBrk="1" fontAlgn="auto" latinLnBrk="0" hangingPunct="1">
+                        <a:lnSpc>
+                          <a:spcPct val="100000"/>
+                        </a:lnSpc>
+                        <a:spcBef>
+                          <a:spcPts val="0"/>
+                        </a:spcBef>
+                        <a:spcAft>
+                          <a:spcPts val="0"/>
+                        </a:spcAft>
+                        <a:buClrTx/>
+                        <a:buSzTx/>
+                        <a:buFontTx/>
+                        <a:buNone/>
+                        <a:tabLst/>
+                        <a:defRPr/>
+                      </a:pPr>
+                      <a:r>
+                        <a:rPr lang="en-US" altLang="zh-CN" dirty="0" smtClean="0"/>
+                        <a:t>.1</a:t>
+                      </a:r>
+                      <a:r>
+                        <a:rPr lang="en-US" altLang="zh-CN" baseline="0" dirty="0" smtClean="0"/>
+                        <a:t> - .8</a:t>
+                      </a:r>
+                      <a:endParaRPr lang="zh-CN" altLang="en-US" dirty="0" smtClean="0"/>
+                    </a:p>
+                  </a:txBody>
+                  <a:tcPr/>
+                </a:tc>
+                <a:tc>
+                  <a:txBody>
+                    <a:bodyPr/>
+                    <a:lstStyle/>
+                    <a:p>
+                      <a:r>
+                        <a:rPr lang="zh-CN" altLang="en-US" dirty="0" smtClean="0"/>
+                        <a:t>风险把控与处理</a:t>
+                      </a:r>
+                      <a:endParaRPr lang="zh-CN" altLang="en-US" dirty="0"/>
+                    </a:p>
+                  </a:txBody>
+                  <a:tcPr/>
+                </a:tc>
+                <a:tc>
+                  <a:txBody>
+                    <a:bodyPr/>
+                    <a:lstStyle/>
+                    <a:p>
+                      <a:pPr marL="0" marR="0" indent="0" algn="l" defTabSz="914400" rtl="0" eaLnBrk="1" fontAlgn="auto" latinLnBrk="0" hangingPunct="1">
+                        <a:lnSpc>
+                          <a:spcPct val="100000"/>
+                        </a:lnSpc>
+                        <a:spcBef>
+                          <a:spcPts val="0"/>
+                        </a:spcBef>
+                        <a:spcAft>
+                          <a:spcPts val="0"/>
+                        </a:spcAft>
+                        <a:buClrTx/>
+                        <a:buSzTx/>
+                        <a:buFontTx/>
+                        <a:buNone/>
+                        <a:tabLst/>
+                        <a:defRPr/>
+                      </a:pPr>
+                      <a:r>
+                        <a:rPr lang="zh-CN" altLang="en-US" dirty="0" smtClean="0"/>
+                        <a:t>风险组</a:t>
+                      </a:r>
+                    </a:p>
+                  </a:txBody>
+                  <a:tcPr/>
+                </a:tc>
+                <a:tc>
+                  <a:txBody>
+                    <a:bodyPr/>
+                    <a:lstStyle/>
+                    <a:p>
+                      <a:r>
+                        <a:rPr lang="zh-CN" altLang="en-US" dirty="0" smtClean="0"/>
+                        <a:t>小</a:t>
+                      </a:r>
+                      <a:r>
+                        <a:rPr lang="zh-CN" altLang="zh-CN" dirty="0" smtClean="0"/>
+                        <a:t>F</a:t>
+                      </a:r>
+                      <a:endParaRPr lang="zh-CN" altLang="en-US" dirty="0"/>
+                    </a:p>
+                  </a:txBody>
+                  <a:tcPr/>
+                </a:tc>
+              </a:tr>
+            </a:tbl>
+          </a:graphicData>
+        </a:graphic>
+      </p:graphicFrame>
+    </p:spTree>
+    <p:extLst>
+      <p:ext uri="{BB962C8B-B14F-4D97-AF65-F5344CB8AC3E}">
+        <p14:creationId xmlns:p14="http://schemas.microsoft.com/office/powerpoint/2010/main" val="1121459333"/>
+      </p:ext>
+    </p:extLst>
+  </p:cSld>
+  <p:clrMapOvr>
+    <a:masterClrMapping/>
+  </p:clrMapOvr>
+</p:sld>
+</file>
+
+<file path=ppt/slides/slide4.xml><?xml version="1.0" encoding="utf-8"?>
 <p:sld xmlns:a="http://schemas.openxmlformats.org/drawingml/2006/main" xmlns:r="http://schemas.openxmlformats.org/officeDocument/2006/relationships" xmlns:p="http://schemas.openxmlformats.org/presentationml/2006/main">
   <p:cSld>
     <p:spTree>
@@ -19587,7 +20634,7 @@
 </p:sld>
 </file>
 
-<file path=ppt/slides/slide3.xml><?xml version="1.0" encoding="utf-8"?>
+<file path=ppt/slides/slide5.xml><?xml version="1.0" encoding="utf-8"?>
 <p:sld xmlns:a="http://schemas.openxmlformats.org/drawingml/2006/main" xmlns:r="http://schemas.openxmlformats.org/officeDocument/2006/relationships" xmlns:p="http://schemas.openxmlformats.org/presentationml/2006/main">
   <p:cSld>
     <p:spTree>
@@ -21258,7 +22305,7 @@
 </p:sld>
 </file>
 
-<file path=ppt/slides/slide4.xml><?xml version="1.0" encoding="utf-8"?>
+<file path=ppt/slides/slide6.xml><?xml version="1.0" encoding="utf-8"?>
 <p:sld xmlns:a="http://schemas.openxmlformats.org/drawingml/2006/main" xmlns:r="http://schemas.openxmlformats.org/officeDocument/2006/relationships" xmlns:p="http://schemas.openxmlformats.org/presentationml/2006/main">
   <p:cSld>
     <p:spTree>
@@ -22960,7 +24007,7 @@
 </p:sld>
 </file>
 
-<file path=ppt/slides/slide5.xml><?xml version="1.0" encoding="utf-8"?>
+<file path=ppt/slides/slide7.xml><?xml version="1.0" encoding="utf-8"?>
 <p:sld xmlns:a="http://schemas.openxmlformats.org/drawingml/2006/main" xmlns:r="http://schemas.openxmlformats.org/officeDocument/2006/relationships" xmlns:p="http://schemas.openxmlformats.org/presentationml/2006/main">
   <p:cSld>
     <p:spTree>
@@ -23027,67 +24074,7 @@
 </p:sld>
 </file>
 
-<file path=ppt/slides/slide6.xml><?xml version="1.0" encoding="utf-8"?>
-<p:sld xmlns:a="http://schemas.openxmlformats.org/drawingml/2006/main" xmlns:r="http://schemas.openxmlformats.org/officeDocument/2006/relationships" xmlns:p="http://schemas.openxmlformats.org/presentationml/2006/main">
-  <p:cSld>
-    <p:spTree>
-      <p:nvGrpSpPr>
-        <p:cNvPr id="1" name=""/>
-        <p:cNvGrpSpPr/>
-        <p:nvPr/>
-      </p:nvGrpSpPr>
-      <p:grpSpPr>
-        <a:xfrm>
-          <a:off x="0" y="0"/>
-          <a:ext cx="0" cy="0"/>
-          <a:chOff x="0" y="0"/>
-          <a:chExt cx="0" cy="0"/>
-        </a:xfrm>
-      </p:grpSpPr>
-      <p:pic>
-        <p:nvPicPr>
-          <p:cNvPr id="2" name="图片 1" descr="20190621_1.png"/>
-          <p:cNvPicPr>
-            <a:picLocks noChangeAspect="1"/>
-          </p:cNvPicPr>
-          <p:nvPr/>
-        </p:nvPicPr>
-        <p:blipFill>
-          <a:blip r:embed="rId3">
-            <a:extLst>
-              <a:ext uri="{28A0092B-C50C-407E-A947-70E740481C1C}">
-                <a14:useLocalDpi xmlns:a14="http://schemas.microsoft.com/office/drawing/2010/main" val="0"/>
-              </a:ext>
-            </a:extLst>
-          </a:blip>
-          <a:stretch>
-            <a:fillRect/>
-          </a:stretch>
-        </p:blipFill>
-        <p:spPr>
-          <a:xfrm>
-            <a:off x="228600" y="1686560"/>
-            <a:ext cx="8686800" cy="3484880"/>
-          </a:xfrm>
-          <a:prstGeom prst="rect">
-            <a:avLst/>
-          </a:prstGeom>
-        </p:spPr>
-      </p:pic>
-    </p:spTree>
-    <p:extLst>
-      <p:ext uri="{BB962C8B-B14F-4D97-AF65-F5344CB8AC3E}">
-        <p14:creationId xmlns:p14="http://schemas.microsoft.com/office/powerpoint/2010/main" val="1398999543"/>
-      </p:ext>
-    </p:extLst>
-  </p:cSld>
-  <p:clrMapOvr>
-    <a:masterClrMapping/>
-  </p:clrMapOvr>
-</p:sld>
-</file>
-
-<file path=ppt/slides/slide7.xml><?xml version="1.0" encoding="utf-8"?>
+<file path=ppt/slides/slide8.xml><?xml version="1.0" encoding="utf-8"?>
 <p:sld xmlns:a="http://schemas.openxmlformats.org/drawingml/2006/main" xmlns:r="http://schemas.openxmlformats.org/officeDocument/2006/relationships" xmlns:p="http://schemas.openxmlformats.org/presentationml/2006/main">
   <p:cSld>
     <p:spTree>
@@ -23289,14 +24276,14 @@
           <p:nvPr>
             <p:extLst>
               <p:ext uri="{D42A27DB-BD31-4B8C-83A1-F6EECF244321}">
-                <p14:modId xmlns:p14="http://schemas.microsoft.com/office/powerpoint/2010/main" val="1217494575"/>
+                <p14:modId xmlns:p14="http://schemas.microsoft.com/office/powerpoint/2010/main" val="1407046165"/>
               </p:ext>
             </p:extLst>
           </p:nvPr>
         </p:nvGraphicFramePr>
         <p:xfrm>
           <a:off x="703846" y="1408969"/>
-          <a:ext cx="2417069" cy="3337560"/>
+          <a:ext cx="2417069" cy="3708400"/>
         </p:xfrm>
         <a:graphic>
           <a:graphicData uri="http://schemas.openxmlformats.org/drawingml/2006/table">
@@ -23601,6 +24588,40 @@
                       <a:r>
                         <a:rPr lang="zh-CN" altLang="zh-CN" dirty="0" smtClean="0"/>
                         <a:t>1斤</a:t>
+                      </a:r>
+                      <a:endParaRPr lang="zh-CN" altLang="en-US" dirty="0"/>
+                    </a:p>
+                  </a:txBody>
+                  <a:tcPr/>
+                </a:tc>
+              </a:tr>
+              <a:tr h="370840">
+                <a:tc>
+                  <a:txBody>
+                    <a:bodyPr/>
+                    <a:lstStyle/>
+                    <a:p>
+                      <a:r>
+                        <a:rPr lang="zh-CN" altLang="en-US" dirty="0" smtClean="0"/>
+                        <a:t>食用盐</a:t>
+                      </a:r>
+                      <a:endParaRPr lang="zh-CN" altLang="en-US" dirty="0"/>
+                    </a:p>
+                  </a:txBody>
+                  <a:tcPr/>
+                </a:tc>
+                <a:tc>
+                  <a:txBody>
+                    <a:bodyPr/>
+                    <a:lstStyle/>
+                    <a:p>
+                      <a:r>
+                        <a:rPr lang="en-US" altLang="zh-CN" dirty="0" smtClean="0"/>
+                        <a:t>300</a:t>
+                      </a:r>
+                      <a:r>
+                        <a:rPr lang="zh-CN" altLang="en-US" dirty="0" smtClean="0"/>
+                        <a:t>克</a:t>
                       </a:r>
                       <a:endParaRPr lang="zh-CN" altLang="en-US" dirty="0"/>
                     </a:p>
@@ -23743,7 +24764,7 @@
 </p:sld>
 </file>
 
-<file path=ppt/slides/slide8.xml><?xml version="1.0" encoding="utf-8"?>
+<file path=ppt/slides/slide9.xml><?xml version="1.0" encoding="utf-8"?>
 <p:sld xmlns:a="http://schemas.openxmlformats.org/drawingml/2006/main" xmlns:r="http://schemas.openxmlformats.org/officeDocument/2006/relationships" xmlns:p="http://schemas.openxmlformats.org/presentationml/2006/main">
   <p:cSld>
     <p:spTree>
@@ -23807,185 +24828,6 @@
       </p:par>
     </p:tnLst>
   </p:timing>
-</p:sld>
-</file>
-
-<file path=ppt/slides/slide9.xml><?xml version="1.0" encoding="utf-8"?>
-<p:sld xmlns:a="http://schemas.openxmlformats.org/drawingml/2006/main" xmlns:r="http://schemas.openxmlformats.org/officeDocument/2006/relationships" xmlns:p="http://schemas.openxmlformats.org/presentationml/2006/main">
-  <p:cSld>
-    <p:spTree>
-      <p:nvGrpSpPr>
-        <p:cNvPr id="1" name=""/>
-        <p:cNvGrpSpPr/>
-        <p:nvPr/>
-      </p:nvGrpSpPr>
-      <p:grpSpPr>
-        <a:xfrm>
-          <a:off x="0" y="0"/>
-          <a:ext cx="0" cy="0"/>
-          <a:chOff x="0" y="0"/>
-          <a:chExt cx="0" cy="0"/>
-        </a:xfrm>
-      </p:grpSpPr>
-      <p:pic>
-        <p:nvPicPr>
-          <p:cNvPr id="5" name="图片 4" descr="HNB_PDCA.jpg"/>
-          <p:cNvPicPr>
-            <a:picLocks noChangeAspect="1"/>
-          </p:cNvPicPr>
-          <p:nvPr/>
-        </p:nvPicPr>
-        <p:blipFill>
-          <a:blip r:embed="rId3">
-            <a:extLst>
-              <a:ext uri="{28A0092B-C50C-407E-A947-70E740481C1C}">
-                <a14:useLocalDpi xmlns:a14="http://schemas.microsoft.com/office/drawing/2010/main" val="0"/>
-              </a:ext>
-            </a:extLst>
-          </a:blip>
-          <a:stretch>
-            <a:fillRect/>
-          </a:stretch>
-        </p:blipFill>
-        <p:spPr>
-          <a:xfrm>
-            <a:off x="762000" y="1567707"/>
-            <a:ext cx="7620000" cy="5054600"/>
-          </a:xfrm>
-          <a:prstGeom prst="rect">
-            <a:avLst/>
-          </a:prstGeom>
-        </p:spPr>
-      </p:pic>
-      <p:sp>
-        <p:nvSpPr>
-          <p:cNvPr id="6" name="矩形 5"/>
-          <p:cNvSpPr/>
-          <p:nvPr/>
-        </p:nvSpPr>
-        <p:spPr>
-          <a:xfrm>
-            <a:off x="762000" y="730280"/>
-            <a:ext cx="646331" cy="369332"/>
-          </a:xfrm>
-          <a:prstGeom prst="rect">
-            <a:avLst/>
-          </a:prstGeom>
-        </p:spPr>
-        <p:txBody>
-          <a:bodyPr wrap="none">
-            <a:spAutoFit/>
-          </a:bodyPr>
-          <a:lstStyle/>
-          <a:p>
-            <a:r>
-              <a:rPr kumimoji="1" lang="zh-CN" altLang="en-US" dirty="0" smtClean="0"/>
-              <a:t>计划</a:t>
-            </a:r>
-            <a:endParaRPr kumimoji="1" lang="zh-CN" altLang="en-US" dirty="0"/>
-          </a:p>
-        </p:txBody>
-      </p:sp>
-      <p:sp>
-        <p:nvSpPr>
-          <p:cNvPr id="7" name="矩形 6"/>
-          <p:cNvSpPr/>
-          <p:nvPr/>
-        </p:nvSpPr>
-        <p:spPr>
-          <a:xfrm>
-            <a:off x="2643656" y="545614"/>
-            <a:ext cx="646331" cy="369332"/>
-          </a:xfrm>
-          <a:prstGeom prst="rect">
-            <a:avLst/>
-          </a:prstGeom>
-        </p:spPr>
-        <p:txBody>
-          <a:bodyPr wrap="none">
-            <a:spAutoFit/>
-          </a:bodyPr>
-          <a:lstStyle/>
-          <a:p>
-            <a:r>
-              <a:rPr kumimoji="1" lang="zh-CN" altLang="en-US" dirty="0" smtClean="0"/>
-              <a:t>执行</a:t>
-            </a:r>
-            <a:endParaRPr kumimoji="1" lang="zh-CN" altLang="en-US" dirty="0"/>
-          </a:p>
-        </p:txBody>
-      </p:sp>
-      <p:sp>
-        <p:nvSpPr>
-          <p:cNvPr id="8" name="矩形 7"/>
-          <p:cNvSpPr/>
-          <p:nvPr/>
-        </p:nvSpPr>
-        <p:spPr>
-          <a:xfrm>
-            <a:off x="4092287" y="882680"/>
-            <a:ext cx="646331" cy="369332"/>
-          </a:xfrm>
-          <a:prstGeom prst="rect">
-            <a:avLst/>
-          </a:prstGeom>
-        </p:spPr>
-        <p:txBody>
-          <a:bodyPr wrap="none">
-            <a:spAutoFit/>
-          </a:bodyPr>
-          <a:lstStyle/>
-          <a:p>
-            <a:r>
-              <a:rPr kumimoji="1" lang="zh-CN" altLang="en-US" dirty="0" smtClean="0"/>
-              <a:t>检查</a:t>
-            </a:r>
-            <a:endParaRPr kumimoji="1" lang="zh-CN" altLang="en-US" dirty="0"/>
-          </a:p>
-        </p:txBody>
-      </p:sp>
-      <p:sp>
-        <p:nvSpPr>
-          <p:cNvPr id="9" name="矩形 8"/>
-          <p:cNvSpPr/>
-          <p:nvPr/>
-        </p:nvSpPr>
-        <p:spPr>
-          <a:xfrm>
-            <a:off x="6431261" y="818148"/>
-            <a:ext cx="659155" cy="369332"/>
-          </a:xfrm>
-          <a:prstGeom prst="rect">
-            <a:avLst/>
-          </a:prstGeom>
-        </p:spPr>
-        <p:txBody>
-          <a:bodyPr wrap="none">
-            <a:spAutoFit/>
-          </a:bodyPr>
-          <a:lstStyle/>
-          <a:p>
-            <a:r>
-              <a:rPr kumimoji="1" lang="zh-CN" altLang="en-US" dirty="0" smtClean="0"/>
-              <a:t>调</a:t>
-            </a:r>
-            <a:r>
-              <a:rPr kumimoji="1" lang="zh-CN" altLang="en-US" dirty="0"/>
-              <a:t>整</a:t>
-            </a:r>
-          </a:p>
-        </p:txBody>
-      </p:sp>
-    </p:spTree>
-    <p:extLst>
-      <p:ext uri="{BB962C8B-B14F-4D97-AF65-F5344CB8AC3E}">
-        <p14:creationId xmlns:p14="http://schemas.microsoft.com/office/powerpoint/2010/main" val="1325381445"/>
-      </p:ext>
-    </p:extLst>
-  </p:cSld>
-  <p:clrMapOvr>
-    <a:masterClrMapping/>
-  </p:clrMapOvr>
 </p:sld>
 </file>
 

--- a/HaiNaBian_PM知识分享/PPT/PPT_V4/PPT_V41.pptx
+++ b/HaiNaBian_PM知识分享/PPT/PPT_V4/PPT_V41.pptx
@@ -5,7 +5,7 @@
     <p:sldMasterId id="2147483715" r:id="rId1"/>
   </p:sldMasterIdLst>
   <p:notesMasterIdLst>
-    <p:notesMasterId r:id="rId17"/>
+    <p:notesMasterId r:id="rId16"/>
   </p:notesMasterIdLst>
   <p:sldIdLst>
     <p:sldId id="261" r:id="rId2"/>
@@ -18,11 +18,10 @@
     <p:sldId id="264" r:id="rId9"/>
     <p:sldId id="265" r:id="rId10"/>
     <p:sldId id="272" r:id="rId11"/>
-    <p:sldId id="266" r:id="rId12"/>
-    <p:sldId id="267" r:id="rId13"/>
-    <p:sldId id="271" r:id="rId14"/>
-    <p:sldId id="270" r:id="rId15"/>
-    <p:sldId id="269" r:id="rId16"/>
+    <p:sldId id="267" r:id="rId12"/>
+    <p:sldId id="271" r:id="rId13"/>
+    <p:sldId id="270" r:id="rId14"/>
+    <p:sldId id="269" r:id="rId15"/>
   </p:sldIdLst>
   <p:sldSz cx="9144000" cy="6858000" type="screen4x3"/>
   <p:notesSz cx="6858000" cy="9144000"/>
@@ -206,7 +205,7 @@
           <a:p>
             <a:fld id="{5E249CF5-6E7D-7747-92C5-A32CF2FED365}" type="datetimeFigureOut">
               <a:rPr kumimoji="1" lang="zh-CN" altLang="en-US" smtClean="0"/>
-              <a:t>19/6/30</a:t>
+              <a:t>19/7/2</a:t>
             </a:fld>
             <a:endParaRPr kumimoji="1" lang="zh-CN" altLang="en-US"/>
           </a:p>
@@ -593,7 +592,19 @@
                 <a:ea typeface="+mn-ea"/>
                 <a:cs typeface="+mn-cs"/>
               </a:rPr>
-              <a:t>好！</a:t>
+              <a:t>好</a:t>
+            </a:r>
+            <a:r>
+              <a:rPr lang="zh-CN" altLang="zh-CN" sz="1200" kern="1200" dirty="0" smtClean="0">
+                <a:solidFill>
+                  <a:schemeClr val="tx1"/>
+                </a:solidFill>
+                <a:effectLst/>
+                <a:latin typeface="+mn-lt"/>
+                <a:ea typeface="+mn-ea"/>
+                <a:cs typeface="+mn-cs"/>
+              </a:rPr>
+              <a:t>！</a:t>
             </a:r>
             <a:r>
               <a:rPr lang="zh-CN" altLang="en-US" sz="1200" kern="1200" dirty="0" smtClean="0">
@@ -605,7 +616,31 @@
                 <a:ea typeface="+mn-ea"/>
                 <a:cs typeface="+mn-cs"/>
               </a:rPr>
-              <a:t>虽然</a:t>
+              <a:t>很高心能够在这里和大家一起做项目管理相关的分享；虽然</a:t>
+            </a:r>
+            <a:r>
+              <a:rPr lang="zh-CN" altLang="en-US" sz="1200" kern="1200" dirty="0" smtClean="0">
+                <a:solidFill>
+                  <a:schemeClr val="tx1"/>
+                </a:solidFill>
+                <a:effectLst/>
+                <a:latin typeface="+mn-lt"/>
+                <a:ea typeface="+mn-ea"/>
+                <a:cs typeface="+mn-cs"/>
+              </a:rPr>
+              <a:t>理论的东西比较晦涩无</a:t>
+            </a:r>
+            <a:r>
+              <a:rPr lang="zh-CN" altLang="en-US" sz="1200" kern="1200" dirty="0" smtClean="0">
+                <a:solidFill>
+                  <a:schemeClr val="tx1"/>
+                </a:solidFill>
+                <a:effectLst/>
+                <a:latin typeface="+mn-lt"/>
+                <a:ea typeface="+mn-ea"/>
+                <a:cs typeface="+mn-cs"/>
+              </a:rPr>
+              <a:t>趣</a:t>
             </a:r>
             <a:r>
               <a:rPr lang="zh-CN" altLang="zh-CN" sz="1200" kern="1200" dirty="0" smtClean="0">
@@ -617,7 +652,31 @@
                 <a:ea typeface="+mn-ea"/>
                 <a:cs typeface="+mn-cs"/>
               </a:rPr>
-              <a:t>今天给大家分享的</a:t>
+              <a:t>；</a:t>
+            </a:r>
+            <a:r>
+              <a:rPr lang="zh-CN" altLang="zh-CN" sz="1200" kern="1200" dirty="0" smtClean="0">
+                <a:solidFill>
+                  <a:schemeClr val="tx1"/>
+                </a:solidFill>
+                <a:effectLst/>
+                <a:latin typeface="+mn-lt"/>
+                <a:ea typeface="+mn-ea"/>
+                <a:cs typeface="+mn-cs"/>
+              </a:rPr>
+              <a:t>但</a:t>
+            </a:r>
+            <a:r>
+              <a:rPr lang="en-US" altLang="en-US" sz="1200" kern="1200" dirty="0" smtClean="0">
+                <a:solidFill>
+                  <a:schemeClr val="tx1"/>
+                </a:solidFill>
+                <a:effectLst/>
+                <a:latin typeface="+mn-lt"/>
+                <a:ea typeface="+mn-ea"/>
+                <a:cs typeface="+mn-cs"/>
+              </a:rPr>
+              <a:t>今天的</a:t>
             </a:r>
             <a:r>
               <a:rPr lang="zh-CN" altLang="en-US" sz="1200" kern="1200" dirty="0" smtClean="0">
@@ -629,7 +688,31 @@
                 <a:ea typeface="+mn-ea"/>
                 <a:cs typeface="+mn-cs"/>
               </a:rPr>
-              <a:t>主要目的</a:t>
+              <a:t>内容主要是</a:t>
+            </a:r>
+            <a:r>
+              <a:rPr lang="zh-CN" altLang="en-US" sz="1200" kern="1200" dirty="0" smtClean="0">
+                <a:solidFill>
+                  <a:schemeClr val="tx1"/>
+                </a:solidFill>
+                <a:effectLst/>
+                <a:latin typeface="+mn-lt"/>
+                <a:ea typeface="+mn-ea"/>
+                <a:cs typeface="+mn-cs"/>
+              </a:rPr>
+              <a:t>关于</a:t>
+            </a:r>
+            <a:r>
+              <a:rPr lang="zh-CN" altLang="en-US" sz="1200" kern="1200" dirty="0" smtClean="0">
+                <a:solidFill>
+                  <a:schemeClr val="tx1"/>
+                </a:solidFill>
+                <a:effectLst/>
+                <a:latin typeface="+mn-lt"/>
+                <a:ea typeface="+mn-ea"/>
+                <a:cs typeface="+mn-cs"/>
+              </a:rPr>
+              <a:t>部门的</a:t>
             </a:r>
             <a:r>
               <a:rPr lang="zh-CN" altLang="zh-CN" sz="1200" kern="1200" dirty="0" smtClean="0">
@@ -641,7 +724,7 @@
                 <a:ea typeface="+mn-ea"/>
                 <a:cs typeface="+mn-cs"/>
               </a:rPr>
-              <a:t>是项目管理</a:t>
+              <a:t>团建活动以及如何做麻辣小龙虾</a:t>
             </a:r>
             <a:r>
               <a:rPr lang="zh-CN" altLang="en-US" sz="1200" kern="1200" dirty="0" smtClean="0">
@@ -653,7 +736,7 @@
                 <a:ea typeface="+mn-ea"/>
                 <a:cs typeface="+mn-cs"/>
               </a:rPr>
-              <a:t>的点点滴滴；理论的东西一般都比较晦涩无趣</a:t>
+              <a:t>的故事</a:t>
             </a:r>
             <a:r>
               <a:rPr lang="zh-CN" altLang="zh-CN" sz="1200" kern="1200" dirty="0" smtClean="0">
@@ -665,19 +748,7 @@
                 <a:ea typeface="+mn-ea"/>
                 <a:cs typeface="+mn-cs"/>
               </a:rPr>
-              <a:t>；但</a:t>
-            </a:r>
-            <a:r>
-              <a:rPr lang="zh-CN" altLang="en-US" sz="1200" kern="1200" dirty="0" smtClean="0">
-                <a:solidFill>
-                  <a:schemeClr val="tx1"/>
-                </a:solidFill>
-                <a:effectLst/>
-                <a:latin typeface="+mn-lt"/>
-                <a:ea typeface="+mn-ea"/>
-                <a:cs typeface="+mn-cs"/>
-              </a:rPr>
-              <a:t>分享的内容主要是部门的</a:t>
+              <a:t>；</a:t>
             </a:r>
             <a:r>
               <a:rPr lang="zh-CN" altLang="zh-CN" sz="1200" kern="1200" dirty="0" smtClean="0">
@@ -689,7 +760,7 @@
                 <a:ea typeface="+mn-ea"/>
                 <a:cs typeface="+mn-cs"/>
               </a:rPr>
-              <a:t>团建活动以及如何做麻辣小龙虾；所以说不管怎样，希望大家都有收获。</a:t>
+              <a:t>所以说不管怎样，希望大家都有收获。</a:t>
             </a:r>
             <a:r>
               <a:rPr lang="en-US" altLang="zh-CN" sz="1200" kern="1200" dirty="0" smtClean="0">
@@ -1096,23 +1167,7 @@
           <a:p>
             <a:r>
               <a:rPr kumimoji="1" lang="zh-CN" altLang="en-US" dirty="0" smtClean="0"/>
-              <a:t>做什么、什么时候做</a:t>
-            </a:r>
-            <a:r>
-              <a:rPr kumimoji="1" lang="zh-CN" altLang="en-US" dirty="0" smtClean="0"/>
-              <a:t>、谁来做</a:t>
-            </a:r>
-            <a:r>
-              <a:rPr kumimoji="1" lang="zh-CN" altLang="en-US" dirty="0" smtClean="0"/>
-              <a:t> （</a:t>
-            </a:r>
-            <a:r>
-              <a:rPr kumimoji="1" lang="en-US" altLang="zh-CN" dirty="0" smtClean="0"/>
-              <a:t>2</a:t>
-            </a:r>
-            <a:r>
-              <a:rPr kumimoji="1" lang="zh-CN" altLang="en-US" dirty="0" smtClean="0"/>
-              <a:t>）</a:t>
+              <a:t>做什么、谁来做、什么时候做</a:t>
             </a:r>
             <a:endParaRPr kumimoji="1" lang="zh-CN" altLang="en-US" dirty="0"/>
           </a:p>
@@ -1598,7 +1653,7 @@
           <a:p>
             <a:fld id="{09A01B7E-EB24-5946-B210-321161CD992F}" type="slidenum">
               <a:rPr kumimoji="1" lang="zh-CN" altLang="en-US" smtClean="0"/>
-              <a:t>12</a:t>
+              <a:t>11</a:t>
             </a:fld>
             <a:endParaRPr kumimoji="1" lang="zh-CN" altLang="en-US"/>
           </a:p>
@@ -1895,7 +1950,7 @@
           <a:p>
             <a:fld id="{09A01B7E-EB24-5946-B210-321161CD992F}" type="slidenum">
               <a:rPr kumimoji="1" lang="zh-CN" altLang="en-US" smtClean="0"/>
-              <a:t>13</a:t>
+              <a:t>12</a:t>
             </a:fld>
             <a:endParaRPr kumimoji="1" lang="zh-CN" altLang="en-US"/>
           </a:p>
@@ -3726,7 +3781,7 @@
           <a:p>
             <a:fld id="{32371D95-0243-5B4E-8F5A-A7A26013F7CF}" type="datetimeFigureOut">
               <a:rPr kumimoji="1" lang="zh-CN" altLang="en-US" smtClean="0"/>
-              <a:t>19/6/30</a:t>
+              <a:t>19/7/2</a:t>
             </a:fld>
             <a:endParaRPr kumimoji="1" lang="zh-CN" altLang="en-US"/>
           </a:p>
@@ -3907,7 +3962,7 @@
           <a:p>
             <a:fld id="{32371D95-0243-5B4E-8F5A-A7A26013F7CF}" type="datetimeFigureOut">
               <a:rPr kumimoji="1" lang="zh-CN" altLang="en-US" smtClean="0"/>
-              <a:t>19/6/30</a:t>
+              <a:t>19/7/2</a:t>
             </a:fld>
             <a:endParaRPr kumimoji="1" lang="zh-CN" altLang="en-US"/>
           </a:p>
@@ -4058,7 +4113,7 @@
           <a:p>
             <a:fld id="{32371D95-0243-5B4E-8F5A-A7A26013F7CF}" type="datetimeFigureOut">
               <a:rPr kumimoji="1" lang="zh-CN" altLang="en-US" smtClean="0"/>
-              <a:t>19/6/30</a:t>
+              <a:t>19/7/2</a:t>
             </a:fld>
             <a:endParaRPr kumimoji="1" lang="zh-CN" altLang="en-US"/>
           </a:p>
@@ -5884,7 +5939,7 @@
           <a:p>
             <a:fld id="{32371D95-0243-5B4E-8F5A-A7A26013F7CF}" type="datetimeFigureOut">
               <a:rPr kumimoji="1" lang="zh-CN" altLang="en-US" smtClean="0"/>
-              <a:t>19/6/30</a:t>
+              <a:t>19/7/2</a:t>
             </a:fld>
             <a:endParaRPr kumimoji="1" lang="zh-CN" altLang="en-US"/>
           </a:p>
@@ -7754,7 +7809,7 @@
           <a:p>
             <a:fld id="{32371D95-0243-5B4E-8F5A-A7A26013F7CF}" type="datetimeFigureOut">
               <a:rPr kumimoji="1" lang="zh-CN" altLang="en-US" smtClean="0"/>
-              <a:t>19/6/30</a:t>
+              <a:t>19/7/2</a:t>
             </a:fld>
             <a:endParaRPr kumimoji="1" lang="zh-CN" altLang="en-US"/>
           </a:p>
@@ -7867,7 +7922,7 @@
           <a:p>
             <a:fld id="{32371D95-0243-5B4E-8F5A-A7A26013F7CF}" type="datetimeFigureOut">
               <a:rPr kumimoji="1" lang="zh-CN" altLang="en-US" smtClean="0"/>
-              <a:t>19/6/30</a:t>
+              <a:t>19/7/2</a:t>
             </a:fld>
             <a:endParaRPr kumimoji="1" lang="zh-CN" altLang="en-US"/>
           </a:p>
@@ -8408,7 +8463,7 @@
           <a:p>
             <a:fld id="{32371D95-0243-5B4E-8F5A-A7A26013F7CF}" type="datetimeFigureOut">
               <a:rPr kumimoji="1" lang="zh-CN" altLang="en-US" smtClean="0"/>
-              <a:t>19/6/30</a:t>
+              <a:t>19/7/2</a:t>
             </a:fld>
             <a:endParaRPr kumimoji="1" lang="zh-CN" altLang="en-US"/>
           </a:p>
@@ -8521,7 +8576,7 @@
           <a:p>
             <a:fld id="{32371D95-0243-5B4E-8F5A-A7A26013F7CF}" type="datetimeFigureOut">
               <a:rPr kumimoji="1" lang="zh-CN" altLang="en-US" smtClean="0"/>
-              <a:t>19/6/30</a:t>
+              <a:t>19/7/2</a:t>
             </a:fld>
             <a:endParaRPr kumimoji="1" lang="zh-CN" altLang="en-US"/>
           </a:p>
@@ -10232,7 +10287,7 @@
           <a:p>
             <a:fld id="{32371D95-0243-5B4E-8F5A-A7A26013F7CF}" type="datetimeFigureOut">
               <a:rPr kumimoji="1" lang="zh-CN" altLang="en-US" smtClean="0"/>
-              <a:t>19/6/30</a:t>
+              <a:t>19/7/2</a:t>
             </a:fld>
             <a:endParaRPr kumimoji="1" lang="zh-CN" altLang="en-US"/>
           </a:p>
@@ -10383,7 +10438,7 @@
           <a:p>
             <a:fld id="{32371D95-0243-5B4E-8F5A-A7A26013F7CF}" type="datetimeFigureOut">
               <a:rPr kumimoji="1" lang="zh-CN" altLang="en-US" smtClean="0"/>
-              <a:t>19/6/30</a:t>
+              <a:t>19/7/2</a:t>
             </a:fld>
             <a:endParaRPr kumimoji="1" lang="zh-CN" altLang="en-US"/>
           </a:p>
@@ -13998,7 +14053,7 @@
           <a:p>
             <a:fld id="{32371D95-0243-5B4E-8F5A-A7A26013F7CF}" type="datetimeFigureOut">
               <a:rPr kumimoji="1" lang="zh-CN" altLang="en-US" smtClean="0"/>
-              <a:t>19/6/30</a:t>
+              <a:t>19/7/2</a:t>
             </a:fld>
             <a:endParaRPr kumimoji="1" lang="zh-CN" altLang="en-US"/>
           </a:p>
@@ -15857,7 +15912,7 @@
           <a:p>
             <a:fld id="{32371D95-0243-5B4E-8F5A-A7A26013F7CF}" type="datetimeFigureOut">
               <a:rPr kumimoji="1" lang="zh-CN" altLang="en-US" smtClean="0"/>
-              <a:t>19/6/30</a:t>
+              <a:t>19/7/2</a:t>
             </a:fld>
             <a:endParaRPr kumimoji="1" lang="zh-CN" altLang="en-US"/>
           </a:p>
@@ -16621,66 +16676,6 @@
           <a:chExt cx="0" cy="0"/>
         </a:xfrm>
       </p:grpSpPr>
-      <p:pic>
-        <p:nvPicPr>
-          <p:cNvPr id="4" name="图片 3" descr="HNB_SWOT.png"/>
-          <p:cNvPicPr>
-            <a:picLocks noChangeAspect="1"/>
-          </p:cNvPicPr>
-          <p:nvPr/>
-        </p:nvPicPr>
-        <p:blipFill>
-          <a:blip r:embed="rId2">
-            <a:extLst>
-              <a:ext uri="{28A0092B-C50C-407E-A947-70E740481C1C}">
-                <a14:useLocalDpi xmlns:a14="http://schemas.microsoft.com/office/drawing/2010/main" val="0"/>
-              </a:ext>
-            </a:extLst>
-          </a:blip>
-          <a:stretch>
-            <a:fillRect/>
-          </a:stretch>
-        </p:blipFill>
-        <p:spPr>
-          <a:xfrm>
-            <a:off x="304292" y="1169162"/>
-            <a:ext cx="8535416" cy="4519676"/>
-          </a:xfrm>
-          <a:prstGeom prst="rect">
-            <a:avLst/>
-          </a:prstGeom>
-        </p:spPr>
-      </p:pic>
-    </p:spTree>
-    <p:extLst>
-      <p:ext uri="{BB962C8B-B14F-4D97-AF65-F5344CB8AC3E}">
-        <p14:creationId xmlns:p14="http://schemas.microsoft.com/office/powerpoint/2010/main" val="3354585977"/>
-      </p:ext>
-    </p:extLst>
-  </p:cSld>
-  <p:clrMapOvr>
-    <a:masterClrMapping/>
-  </p:clrMapOvr>
-</p:sld>
-</file>
-
-<file path=ppt/slides/slide12.xml><?xml version="1.0" encoding="utf-8"?>
-<p:sld xmlns:a="http://schemas.openxmlformats.org/drawingml/2006/main" xmlns:r="http://schemas.openxmlformats.org/officeDocument/2006/relationships" xmlns:p="http://schemas.openxmlformats.org/presentationml/2006/main">
-  <p:cSld>
-    <p:spTree>
-      <p:nvGrpSpPr>
-        <p:cNvPr id="1" name=""/>
-        <p:cNvGrpSpPr/>
-        <p:nvPr/>
-      </p:nvGrpSpPr>
-      <p:grpSpPr>
-        <a:xfrm>
-          <a:off x="0" y="0"/>
-          <a:ext cx="0" cy="0"/>
-          <a:chOff x="0" y="0"/>
-          <a:chExt cx="0" cy="0"/>
-        </a:xfrm>
-      </p:grpSpPr>
       <p:sp>
         <p:nvSpPr>
           <p:cNvPr id="2" name="椭圆 1"/>
@@ -16982,7 +16977,7 @@
 </p:sld>
 </file>
 
-<file path=ppt/slides/slide13.xml><?xml version="1.0" encoding="utf-8"?>
+<file path=ppt/slides/slide12.xml><?xml version="1.0" encoding="utf-8"?>
 <p:sld xmlns:a="http://schemas.openxmlformats.org/drawingml/2006/main" xmlns:r="http://schemas.openxmlformats.org/officeDocument/2006/relationships" xmlns:p="http://schemas.openxmlformats.org/presentationml/2006/main">
   <p:cSld>
     <p:spTree>
@@ -17356,7 +17351,7 @@
 </p:sld>
 </file>
 
-<file path=ppt/slides/slide14.xml><?xml version="1.0" encoding="utf-8"?>
+<file path=ppt/slides/slide13.xml><?xml version="1.0" encoding="utf-8"?>
 <p:sld xmlns:a="http://schemas.openxmlformats.org/drawingml/2006/main" xmlns:r="http://schemas.openxmlformats.org/officeDocument/2006/relationships" xmlns:p="http://schemas.openxmlformats.org/presentationml/2006/main">
   <p:cSld>
     <p:spTree>
@@ -17888,7 +17883,7 @@
           <a:graphicData uri="http://schemas.openxmlformats.org/presentationml/2006/ole">
             <mc:AlternateContent xmlns:mc="http://schemas.openxmlformats.org/markup-compatibility/2006">
               <mc:Choice xmlns:v="urn:schemas-microsoft-com:vml" Requires="v">
-                <p:oleObj spid="_x0000_s1335" name="CorelDRAW" r:id="rId3" imgW="1866199" imgH="1034186" progId="">
+                <p:oleObj spid="_x0000_s1394" name="CorelDRAW" r:id="rId3" imgW="1866199" imgH="1034186" progId="">
                   <p:embed/>
                 </p:oleObj>
               </mc:Choice>
@@ -18041,7 +18036,7 @@
 </p:sld>
 </file>
 
-<file path=ppt/slides/slide15.xml><?xml version="1.0" encoding="utf-8"?>
+<file path=ppt/slides/slide14.xml><?xml version="1.0" encoding="utf-8"?>
 <p:sld xmlns:a="http://schemas.openxmlformats.org/drawingml/2006/main" xmlns:r="http://schemas.openxmlformats.org/officeDocument/2006/relationships" xmlns:p="http://schemas.openxmlformats.org/presentationml/2006/main">
   <p:cSld>
     <p:spTree>
